--- a/Plan/QuestSoldier.pptx
+++ b/Plan/QuestSoldier.pptx
@@ -21,14 +21,14 @@
     <p:sldId id="269" r:id="rId15"/>
     <p:sldId id="270" r:id="rId16"/>
     <p:sldId id="271" r:id="rId17"/>
-    <p:sldId id="272" r:id="rId18"/>
-    <p:sldId id="273" r:id="rId19"/>
-    <p:sldId id="260" r:id="rId20"/>
-    <p:sldId id="282" r:id="rId21"/>
-    <p:sldId id="262" r:id="rId22"/>
-    <p:sldId id="280" r:id="rId23"/>
-    <p:sldId id="261" r:id="rId24"/>
-    <p:sldId id="277" r:id="rId25"/>
+    <p:sldId id="260" r:id="rId18"/>
+    <p:sldId id="282" r:id="rId19"/>
+    <p:sldId id="262" r:id="rId20"/>
+    <p:sldId id="280" r:id="rId21"/>
+    <p:sldId id="261" r:id="rId22"/>
+    <p:sldId id="283" r:id="rId23"/>
+    <p:sldId id="277" r:id="rId24"/>
+    <p:sldId id="284" r:id="rId25"/>
   </p:sldIdLst>
   <p:sldSz cx="12192000" cy="6858000"/>
   <p:notesSz cx="6858000" cy="9144000"/>
@@ -274,7 +274,7 @@
           <a:p>
             <a:fld id="{66FB5E72-8FE5-4450-92CF-8FE44204FF36}" type="datetimeFigureOut">
               <a:rPr lang="ko-KR" altLang="en-US" smtClean="0"/>
-              <a:t>2017-05-31</a:t>
+              <a:t>2017-06-02</a:t>
             </a:fld>
             <a:endParaRPr lang="ko-KR" altLang="en-US"/>
           </a:p>
@@ -491,7 +491,7 @@
           <a:p>
             <a:fld id="{66FB5E72-8FE5-4450-92CF-8FE44204FF36}" type="datetimeFigureOut">
               <a:rPr lang="ko-KR" altLang="en-US" smtClean="0"/>
-              <a:t>2017-05-31</a:t>
+              <a:t>2017-06-02</a:t>
             </a:fld>
             <a:endParaRPr lang="ko-KR" altLang="en-US"/>
           </a:p>
@@ -712,7 +712,7 @@
           <a:p>
             <a:fld id="{66FB5E72-8FE5-4450-92CF-8FE44204FF36}" type="datetimeFigureOut">
               <a:rPr lang="ko-KR" altLang="en-US" smtClean="0"/>
-              <a:t>2017-05-31</a:t>
+              <a:t>2017-06-02</a:t>
             </a:fld>
             <a:endParaRPr lang="ko-KR" altLang="en-US"/>
           </a:p>
@@ -919,7 +919,7 @@
           <a:p>
             <a:fld id="{66FB5E72-8FE5-4450-92CF-8FE44204FF36}" type="datetimeFigureOut">
               <a:rPr lang="ko-KR" altLang="en-US" smtClean="0"/>
-              <a:t>2017-05-31</a:t>
+              <a:t>2017-06-02</a:t>
             </a:fld>
             <a:endParaRPr lang="ko-KR" altLang="en-US"/>
           </a:p>
@@ -1204,7 +1204,7 @@
           <a:p>
             <a:fld id="{66FB5E72-8FE5-4450-92CF-8FE44204FF36}" type="datetimeFigureOut">
               <a:rPr lang="ko-KR" altLang="en-US" smtClean="0"/>
-              <a:t>2017-05-31</a:t>
+              <a:t>2017-06-02</a:t>
             </a:fld>
             <a:endParaRPr lang="ko-KR" altLang="en-US"/>
           </a:p>
@@ -1478,7 +1478,7 @@
           <a:p>
             <a:fld id="{66FB5E72-8FE5-4450-92CF-8FE44204FF36}" type="datetimeFigureOut">
               <a:rPr lang="ko-KR" altLang="en-US" smtClean="0"/>
-              <a:t>2017-05-31</a:t>
+              <a:t>2017-06-02</a:t>
             </a:fld>
             <a:endParaRPr lang="ko-KR" altLang="en-US"/>
           </a:p>
@@ -1900,7 +1900,7 @@
           <a:p>
             <a:fld id="{66FB5E72-8FE5-4450-92CF-8FE44204FF36}" type="datetimeFigureOut">
               <a:rPr lang="ko-KR" altLang="en-US" smtClean="0"/>
-              <a:t>2017-05-31</a:t>
+              <a:t>2017-06-02</a:t>
             </a:fld>
             <a:endParaRPr lang="ko-KR" altLang="en-US"/>
           </a:p>
@@ -2055,7 +2055,7 @@
           <a:p>
             <a:fld id="{66FB5E72-8FE5-4450-92CF-8FE44204FF36}" type="datetimeFigureOut">
               <a:rPr lang="ko-KR" altLang="en-US" smtClean="0"/>
-              <a:t>2017-05-31</a:t>
+              <a:t>2017-06-02</a:t>
             </a:fld>
             <a:endParaRPr lang="ko-KR" altLang="en-US"/>
           </a:p>
@@ -2187,7 +2187,7 @@
           <a:p>
             <a:fld id="{66FB5E72-8FE5-4450-92CF-8FE44204FF36}" type="datetimeFigureOut">
               <a:rPr lang="ko-KR" altLang="en-US" smtClean="0"/>
-              <a:t>2017-05-31</a:t>
+              <a:t>2017-06-02</a:t>
             </a:fld>
             <a:endParaRPr lang="ko-KR" altLang="en-US"/>
           </a:p>
@@ -2438,7 +2438,7 @@
           <a:p>
             <a:fld id="{66FB5E72-8FE5-4450-92CF-8FE44204FF36}" type="datetimeFigureOut">
               <a:rPr lang="ko-KR" altLang="en-US" smtClean="0"/>
-              <a:t>2017-05-31</a:t>
+              <a:t>2017-06-02</a:t>
             </a:fld>
             <a:endParaRPr lang="ko-KR" altLang="en-US"/>
           </a:p>
@@ -2893,7 +2893,7 @@
           <a:p>
             <a:fld id="{66FB5E72-8FE5-4450-92CF-8FE44204FF36}" type="datetimeFigureOut">
               <a:rPr lang="ko-KR" altLang="en-US" smtClean="0"/>
-              <a:t>2017-05-31</a:t>
+              <a:t>2017-06-02</a:t>
             </a:fld>
             <a:endParaRPr lang="ko-KR" altLang="en-US"/>
           </a:p>
@@ -3219,7 +3219,7 @@
           <a:p>
             <a:fld id="{66FB5E72-8FE5-4450-92CF-8FE44204FF36}" type="datetimeFigureOut">
               <a:rPr lang="ko-KR" altLang="en-US" smtClean="0"/>
-              <a:t>2017-05-31</a:t>
+              <a:t>2017-06-02</a:t>
             </a:fld>
             <a:endParaRPr lang="ko-KR" altLang="en-US"/>
           </a:p>
@@ -3854,87 +3854,75 @@
           <a:p>
             <a:r>
               <a:rPr lang="ko-KR" altLang="en-US" dirty="0">
-                <a:latin typeface="HY엽서M" panose="02030600000101010101" pitchFamily="18" charset="-127"/>
-                <a:ea typeface="HY엽서M" panose="02030600000101010101" pitchFamily="18" charset="-127"/>
+                <a:latin typeface="+mn-ea"/>
               </a:rPr>
               <a:t>장비에 영향을 많이 받는다</a:t>
             </a:r>
             <a:r>
               <a:rPr lang="en-US" altLang="ko-KR" dirty="0">
-                <a:latin typeface="HY엽서M" panose="02030600000101010101" pitchFamily="18" charset="-127"/>
-                <a:ea typeface="HY엽서M" panose="02030600000101010101" pitchFamily="18" charset="-127"/>
+                <a:latin typeface="+mn-ea"/>
               </a:rPr>
               <a:t>.</a:t>
             </a:r>
           </a:p>
           <a:p>
             <a:endParaRPr lang="en-US" altLang="ko-KR" dirty="0">
-              <a:latin typeface="HY엽서M" panose="02030600000101010101" pitchFamily="18" charset="-127"/>
-              <a:ea typeface="HY엽서M" panose="02030600000101010101" pitchFamily="18" charset="-127"/>
+              <a:latin typeface="+mn-ea"/>
             </a:endParaRPr>
           </a:p>
           <a:p>
             <a:r>
               <a:rPr lang="ko-KR" altLang="en-US" dirty="0">
-                <a:latin typeface="HY엽서M" panose="02030600000101010101" pitchFamily="18" charset="-127"/>
-                <a:ea typeface="HY엽서M" panose="02030600000101010101" pitchFamily="18" charset="-127"/>
+                <a:latin typeface="+mn-ea"/>
               </a:rPr>
               <a:t>멈춰 있을 때만 공격이 가능하며 공격은 자동공격</a:t>
             </a:r>
             <a:r>
               <a:rPr lang="en-US" altLang="ko-KR" dirty="0">
-                <a:latin typeface="HY엽서M" panose="02030600000101010101" pitchFamily="18" charset="-127"/>
-                <a:ea typeface="HY엽서M" panose="02030600000101010101" pitchFamily="18" charset="-127"/>
+                <a:latin typeface="+mn-ea"/>
               </a:rPr>
               <a:t>,</a:t>
             </a:r>
             <a:r>
               <a:rPr lang="ko-KR" altLang="en-US" dirty="0">
-                <a:latin typeface="HY엽서M" panose="02030600000101010101" pitchFamily="18" charset="-127"/>
-                <a:ea typeface="HY엽서M" panose="02030600000101010101" pitchFamily="18" charset="-127"/>
+                <a:latin typeface="+mn-ea"/>
               </a:rPr>
               <a:t>스킬은 지정해야만 쓸 수 있다</a:t>
             </a:r>
             <a:r>
               <a:rPr lang="en-US" altLang="ko-KR" dirty="0">
-                <a:latin typeface="HY엽서M" panose="02030600000101010101" pitchFamily="18" charset="-127"/>
-                <a:ea typeface="HY엽서M" panose="02030600000101010101" pitchFamily="18" charset="-127"/>
+                <a:latin typeface="+mn-ea"/>
               </a:rPr>
               <a:t>. </a:t>
             </a:r>
           </a:p>
           <a:p>
             <a:endParaRPr lang="en-US" altLang="ko-KR" dirty="0">
-              <a:latin typeface="HY엽서M" panose="02030600000101010101" pitchFamily="18" charset="-127"/>
-              <a:ea typeface="HY엽서M" panose="02030600000101010101" pitchFamily="18" charset="-127"/>
+              <a:latin typeface="+mn-ea"/>
             </a:endParaRPr>
           </a:p>
           <a:p>
             <a:r>
               <a:rPr lang="ko-KR" altLang="en-US" dirty="0">
-                <a:latin typeface="HY엽서M" panose="02030600000101010101" pitchFamily="18" charset="-127"/>
-                <a:ea typeface="HY엽서M" panose="02030600000101010101" pitchFamily="18" charset="-127"/>
+                <a:latin typeface="+mn-ea"/>
               </a:rPr>
               <a:t>컨트롤은 한 명 씩 지정해서 옮기는 시스템</a:t>
             </a:r>
             <a:r>
               <a:rPr lang="en-US" altLang="ko-KR" dirty="0">
-                <a:latin typeface="HY엽서M" panose="02030600000101010101" pitchFamily="18" charset="-127"/>
-                <a:ea typeface="HY엽서M" panose="02030600000101010101" pitchFamily="18" charset="-127"/>
+                <a:latin typeface="+mn-ea"/>
               </a:rPr>
               <a:t> (</a:t>
             </a:r>
             <a:r>
               <a:rPr lang="ko-KR" altLang="en-US" dirty="0">
-                <a:latin typeface="HY엽서M" panose="02030600000101010101" pitchFamily="18" charset="-127"/>
-                <a:ea typeface="HY엽서M" panose="02030600000101010101" pitchFamily="18" charset="-127"/>
+                <a:latin typeface="+mn-ea"/>
               </a:rPr>
               <a:t>클릭 후 드래그 이동</a:t>
             </a:r>
             <a:r>
               <a:rPr lang="en-US" altLang="ko-KR" dirty="0">
-                <a:latin typeface="HY엽서M" panose="02030600000101010101" pitchFamily="18" charset="-127"/>
-                <a:ea typeface="HY엽서M" panose="02030600000101010101" pitchFamily="18" charset="-127"/>
+                <a:latin typeface="+mn-ea"/>
               </a:rPr>
               <a:t>)</a:t>
             </a:r>
@@ -4018,48 +4006,48 @@
           <a:p>
             <a:r>
               <a:rPr lang="ko-KR" altLang="en-US" dirty="0">
-                <a:latin typeface="HY엽서M" panose="02030600000101010101" pitchFamily="18" charset="-127"/>
-                <a:ea typeface="HY엽서M" panose="02030600000101010101" pitchFamily="18" charset="-127"/>
+                <a:latin typeface="+mj-ea"/>
+                <a:ea typeface="+mj-ea"/>
               </a:rPr>
               <a:t>스킬</a:t>
             </a:r>
             <a:r>
               <a:rPr lang="en-US" altLang="ko-KR" dirty="0">
-                <a:latin typeface="HY엽서M" panose="02030600000101010101" pitchFamily="18" charset="-127"/>
-                <a:ea typeface="HY엽서M" panose="02030600000101010101" pitchFamily="18" charset="-127"/>
+                <a:latin typeface="+mj-ea"/>
+                <a:ea typeface="+mj-ea"/>
               </a:rPr>
               <a:t>: </a:t>
             </a:r>
             <a:r>
               <a:rPr lang="ko-KR" altLang="en-US" dirty="0">
-                <a:latin typeface="HY엽서M" panose="02030600000101010101" pitchFamily="18" charset="-127"/>
-                <a:ea typeface="HY엽서M" panose="02030600000101010101" pitchFamily="18" charset="-127"/>
+                <a:latin typeface="+mj-ea"/>
+                <a:ea typeface="+mj-ea"/>
               </a:rPr>
               <a:t>도발</a:t>
             </a:r>
             <a:r>
               <a:rPr lang="en-US" altLang="ko-KR" dirty="0">
-                <a:latin typeface="HY엽서M" panose="02030600000101010101" pitchFamily="18" charset="-127"/>
-                <a:ea typeface="HY엽서M" panose="02030600000101010101" pitchFamily="18" charset="-127"/>
+                <a:latin typeface="+mj-ea"/>
+                <a:ea typeface="+mj-ea"/>
               </a:rPr>
               <a:t>, </a:t>
             </a:r>
             <a:r>
               <a:rPr lang="ko-KR" altLang="en-US" dirty="0" err="1">
-                <a:latin typeface="HY엽서M" panose="02030600000101010101" pitchFamily="18" charset="-127"/>
-                <a:ea typeface="HY엽서M" panose="02030600000101010101" pitchFamily="18" charset="-127"/>
+                <a:latin typeface="+mj-ea"/>
+                <a:ea typeface="+mj-ea"/>
               </a:rPr>
               <a:t>쉴드</a:t>
             </a:r>
             <a:endParaRPr lang="en-US" altLang="ko-KR" dirty="0">
-              <a:latin typeface="HY엽서M" panose="02030600000101010101" pitchFamily="18" charset="-127"/>
-              <a:ea typeface="HY엽서M" panose="02030600000101010101" pitchFamily="18" charset="-127"/>
+              <a:latin typeface="+mj-ea"/>
+              <a:ea typeface="+mj-ea"/>
             </a:endParaRPr>
           </a:p>
           <a:p>
             <a:endParaRPr lang="en-US" altLang="ko-KR" dirty="0">
-              <a:latin typeface="HY엽서M" panose="02030600000101010101" pitchFamily="18" charset="-127"/>
-              <a:ea typeface="HY엽서M" panose="02030600000101010101" pitchFamily="18" charset="-127"/>
+              <a:latin typeface="+mj-ea"/>
+              <a:ea typeface="+mj-ea"/>
             </a:endParaRPr>
           </a:p>
           <a:p>
@@ -4068,36 +4056,36 @@
             </a:pPr>
             <a:r>
               <a:rPr lang="en-US" altLang="ko-KR" dirty="0">
-                <a:latin typeface="HY엽서M" panose="02030600000101010101" pitchFamily="18" charset="-127"/>
-                <a:ea typeface="HY엽서M" panose="02030600000101010101" pitchFamily="18" charset="-127"/>
+                <a:latin typeface="+mj-ea"/>
+                <a:ea typeface="+mj-ea"/>
               </a:rPr>
               <a:t>-&gt; </a:t>
             </a:r>
             <a:r>
               <a:rPr lang="ko-KR" altLang="en-US" dirty="0">
-                <a:latin typeface="HY엽서M" panose="02030600000101010101" pitchFamily="18" charset="-127"/>
-                <a:ea typeface="HY엽서M" panose="02030600000101010101" pitchFamily="18" charset="-127"/>
+                <a:latin typeface="+mj-ea"/>
+                <a:ea typeface="+mj-ea"/>
               </a:rPr>
               <a:t>도발</a:t>
             </a:r>
             <a:r>
               <a:rPr lang="en-US" altLang="ko-KR" dirty="0">
-                <a:latin typeface="HY엽서M" panose="02030600000101010101" pitchFamily="18" charset="-127"/>
-                <a:ea typeface="HY엽서M" panose="02030600000101010101" pitchFamily="18" charset="-127"/>
+                <a:latin typeface="+mj-ea"/>
+                <a:ea typeface="+mj-ea"/>
               </a:rPr>
               <a:t>: </a:t>
             </a:r>
             <a:r>
               <a:rPr lang="ko-KR" altLang="en-US" dirty="0">
-                <a:latin typeface="HY엽서M" panose="02030600000101010101" pitchFamily="18" charset="-127"/>
-                <a:ea typeface="HY엽서M" panose="02030600000101010101" pitchFamily="18" charset="-127"/>
+                <a:latin typeface="+mj-ea"/>
+                <a:ea typeface="+mj-ea"/>
               </a:rPr>
               <a:t>스킬 반경 내의 괴수들의 적개심을 자신에게 로 돌린다</a:t>
             </a:r>
             <a:r>
               <a:rPr lang="en-US" altLang="ko-KR" dirty="0">
-                <a:latin typeface="HY엽서M" panose="02030600000101010101" pitchFamily="18" charset="-127"/>
-                <a:ea typeface="HY엽서M" panose="02030600000101010101" pitchFamily="18" charset="-127"/>
+                <a:latin typeface="+mj-ea"/>
+                <a:ea typeface="+mj-ea"/>
               </a:rPr>
               <a:t>.</a:t>
             </a:r>
@@ -4108,50 +4096,50 @@
             </a:pPr>
             <a:r>
               <a:rPr lang="en-US" altLang="ko-KR" dirty="0">
-                <a:latin typeface="HY엽서M" panose="02030600000101010101" pitchFamily="18" charset="-127"/>
-                <a:ea typeface="HY엽서M" panose="02030600000101010101" pitchFamily="18" charset="-127"/>
+                <a:latin typeface="+mj-ea"/>
+                <a:ea typeface="+mj-ea"/>
               </a:rPr>
               <a:t>-&gt; </a:t>
             </a:r>
             <a:r>
               <a:rPr lang="ko-KR" altLang="en-US" dirty="0" err="1">
-                <a:latin typeface="HY엽서M" panose="02030600000101010101" pitchFamily="18" charset="-127"/>
-                <a:ea typeface="HY엽서M" panose="02030600000101010101" pitchFamily="18" charset="-127"/>
+                <a:latin typeface="+mj-ea"/>
+                <a:ea typeface="+mj-ea"/>
               </a:rPr>
               <a:t>쉴드</a:t>
             </a:r>
             <a:r>
               <a:rPr lang="en-US" altLang="ko-KR" dirty="0">
-                <a:latin typeface="HY엽서M" panose="02030600000101010101" pitchFamily="18" charset="-127"/>
-                <a:ea typeface="HY엽서M" panose="02030600000101010101" pitchFamily="18" charset="-127"/>
+                <a:latin typeface="+mj-ea"/>
+                <a:ea typeface="+mj-ea"/>
               </a:rPr>
               <a:t>: </a:t>
             </a:r>
             <a:r>
               <a:rPr lang="ko-KR" altLang="en-US" dirty="0">
-                <a:latin typeface="HY엽서M" panose="02030600000101010101" pitchFamily="18" charset="-127"/>
-                <a:ea typeface="HY엽서M" panose="02030600000101010101" pitchFamily="18" charset="-127"/>
+                <a:latin typeface="+mj-ea"/>
+                <a:ea typeface="+mj-ea"/>
               </a:rPr>
               <a:t>자신의 주변으로 스킬 반경 내의 아군에게 </a:t>
             </a:r>
             <a:r>
               <a:rPr lang="ko-KR" altLang="en-US" dirty="0" err="1">
-                <a:latin typeface="HY엽서M" panose="02030600000101010101" pitchFamily="18" charset="-127"/>
-                <a:ea typeface="HY엽서M" panose="02030600000101010101" pitchFamily="18" charset="-127"/>
+                <a:latin typeface="+mj-ea"/>
+                <a:ea typeface="+mj-ea"/>
               </a:rPr>
               <a:t>쉴드를</a:t>
             </a:r>
             <a:r>
               <a:rPr lang="ko-KR" altLang="en-US" dirty="0">
-                <a:latin typeface="HY엽서M" panose="02030600000101010101" pitchFamily="18" charset="-127"/>
-                <a:ea typeface="HY엽서M" panose="02030600000101010101" pitchFamily="18" charset="-127"/>
+                <a:latin typeface="+mj-ea"/>
+                <a:ea typeface="+mj-ea"/>
               </a:rPr>
               <a:t> 씌워준다</a:t>
             </a:r>
             <a:r>
               <a:rPr lang="en-US" altLang="ko-KR" dirty="0">
-                <a:latin typeface="HY엽서M" panose="02030600000101010101" pitchFamily="18" charset="-127"/>
-                <a:ea typeface="HY엽서M" panose="02030600000101010101" pitchFamily="18" charset="-127"/>
+                <a:latin typeface="+mj-ea"/>
+                <a:ea typeface="+mj-ea"/>
               </a:rPr>
               <a:t>.</a:t>
             </a:r>
@@ -4161,77 +4149,77 @@
               <a:buNone/>
             </a:pPr>
             <a:endParaRPr lang="en-US" altLang="ko-KR" dirty="0">
-              <a:latin typeface="HY엽서M" panose="02030600000101010101" pitchFamily="18" charset="-127"/>
-              <a:ea typeface="HY엽서M" panose="02030600000101010101" pitchFamily="18" charset="-127"/>
+              <a:latin typeface="+mj-ea"/>
+              <a:ea typeface="+mj-ea"/>
             </a:endParaRPr>
           </a:p>
           <a:p>
             <a:r>
               <a:rPr lang="ko-KR" altLang="en-US" dirty="0">
-                <a:latin typeface="HY엽서M" panose="02030600000101010101" pitchFamily="18" charset="-127"/>
-                <a:ea typeface="HY엽서M" panose="02030600000101010101" pitchFamily="18" charset="-127"/>
+                <a:latin typeface="+mj-ea"/>
+                <a:ea typeface="+mj-ea"/>
               </a:rPr>
               <a:t>무기</a:t>
             </a:r>
             <a:r>
               <a:rPr lang="en-US" altLang="ko-KR" dirty="0">
-                <a:latin typeface="HY엽서M" panose="02030600000101010101" pitchFamily="18" charset="-127"/>
-                <a:ea typeface="HY엽서M" panose="02030600000101010101" pitchFamily="18" charset="-127"/>
+                <a:latin typeface="+mj-ea"/>
+                <a:ea typeface="+mj-ea"/>
               </a:rPr>
               <a:t>: </a:t>
             </a:r>
             <a:r>
               <a:rPr lang="ko-KR" altLang="en-US" dirty="0" err="1">
-                <a:latin typeface="HY엽서M" panose="02030600000101010101" pitchFamily="18" charset="-127"/>
-                <a:ea typeface="HY엽서M" panose="02030600000101010101" pitchFamily="18" charset="-127"/>
+                <a:latin typeface="+mj-ea"/>
+                <a:ea typeface="+mj-ea"/>
               </a:rPr>
               <a:t>한손</a:t>
             </a:r>
             <a:r>
               <a:rPr lang="ko-KR" altLang="en-US" dirty="0">
-                <a:latin typeface="HY엽서M" panose="02030600000101010101" pitchFamily="18" charset="-127"/>
-                <a:ea typeface="HY엽서M" panose="02030600000101010101" pitchFamily="18" charset="-127"/>
+                <a:latin typeface="+mj-ea"/>
+                <a:ea typeface="+mj-ea"/>
               </a:rPr>
               <a:t> 검 </a:t>
             </a:r>
             <a:r>
               <a:rPr lang="en-US" altLang="ko-KR" dirty="0">
-                <a:latin typeface="HY엽서M" panose="02030600000101010101" pitchFamily="18" charset="-127"/>
-                <a:ea typeface="HY엽서M" panose="02030600000101010101" pitchFamily="18" charset="-127"/>
+                <a:latin typeface="+mj-ea"/>
+                <a:ea typeface="+mj-ea"/>
               </a:rPr>
               <a:t>&amp; </a:t>
             </a:r>
             <a:r>
               <a:rPr lang="ko-KR" altLang="en-US" dirty="0">
-                <a:latin typeface="HY엽서M" panose="02030600000101010101" pitchFamily="18" charset="-127"/>
-                <a:ea typeface="HY엽서M" panose="02030600000101010101" pitchFamily="18" charset="-127"/>
+                <a:latin typeface="+mj-ea"/>
+                <a:ea typeface="+mj-ea"/>
               </a:rPr>
               <a:t>방패</a:t>
             </a:r>
             <a:r>
               <a:rPr lang="en-US" altLang="ko-KR" dirty="0">
-                <a:latin typeface="HY엽서M" panose="02030600000101010101" pitchFamily="18" charset="-127"/>
-                <a:ea typeface="HY엽서M" panose="02030600000101010101" pitchFamily="18" charset="-127"/>
+                <a:latin typeface="+mj-ea"/>
+                <a:ea typeface="+mj-ea"/>
               </a:rPr>
               <a:t>(</a:t>
             </a:r>
             <a:r>
               <a:rPr lang="ko-KR" altLang="en-US" dirty="0">
-                <a:latin typeface="HY엽서M" panose="02030600000101010101" pitchFamily="18" charset="-127"/>
-                <a:ea typeface="HY엽서M" panose="02030600000101010101" pitchFamily="18" charset="-127"/>
+                <a:latin typeface="+mj-ea"/>
+                <a:ea typeface="+mj-ea"/>
               </a:rPr>
               <a:t>세트 형식으로 드랍 혹은 제작</a:t>
             </a:r>
             <a:r>
               <a:rPr lang="en-US" altLang="ko-KR" dirty="0">
-                <a:latin typeface="HY엽서M" panose="02030600000101010101" pitchFamily="18" charset="-127"/>
-                <a:ea typeface="HY엽서M" panose="02030600000101010101" pitchFamily="18" charset="-127"/>
+                <a:latin typeface="+mj-ea"/>
+                <a:ea typeface="+mj-ea"/>
               </a:rPr>
               <a:t>)</a:t>
             </a:r>
             <a:endParaRPr lang="ko-KR" altLang="en-US" dirty="0">
-              <a:latin typeface="HY엽서M" panose="02030600000101010101" pitchFamily="18" charset="-127"/>
-              <a:ea typeface="HY엽서M" panose="02030600000101010101" pitchFamily="18" charset="-127"/>
+              <a:latin typeface="+mj-ea"/>
+              <a:ea typeface="+mj-ea"/>
             </a:endParaRPr>
           </a:p>
         </p:txBody>
@@ -4310,48 +4298,48 @@
           <a:p>
             <a:r>
               <a:rPr lang="ko-KR" altLang="en-US" dirty="0">
-                <a:latin typeface="HY엽서M" panose="02030600000101010101" pitchFamily="18" charset="-127"/>
-                <a:ea typeface="HY엽서M" panose="02030600000101010101" pitchFamily="18" charset="-127"/>
+                <a:latin typeface="+mj-ea"/>
+                <a:ea typeface="+mj-ea"/>
               </a:rPr>
               <a:t>스킬</a:t>
             </a:r>
             <a:r>
               <a:rPr lang="en-US" altLang="ko-KR" dirty="0">
-                <a:latin typeface="HY엽서M" panose="02030600000101010101" pitchFamily="18" charset="-127"/>
-                <a:ea typeface="HY엽서M" panose="02030600000101010101" pitchFamily="18" charset="-127"/>
+                <a:latin typeface="+mj-ea"/>
+                <a:ea typeface="+mj-ea"/>
               </a:rPr>
               <a:t>: </a:t>
             </a:r>
             <a:r>
               <a:rPr lang="ko-KR" altLang="en-US" dirty="0">
-                <a:latin typeface="HY엽서M" panose="02030600000101010101" pitchFamily="18" charset="-127"/>
-                <a:ea typeface="HY엽서M" panose="02030600000101010101" pitchFamily="18" charset="-127"/>
+                <a:latin typeface="+mj-ea"/>
+                <a:ea typeface="+mj-ea"/>
               </a:rPr>
               <a:t>광폭화</a:t>
             </a:r>
             <a:r>
               <a:rPr lang="en-US" altLang="ko-KR" dirty="0">
-                <a:latin typeface="HY엽서M" panose="02030600000101010101" pitchFamily="18" charset="-127"/>
-                <a:ea typeface="HY엽서M" panose="02030600000101010101" pitchFamily="18" charset="-127"/>
+                <a:latin typeface="+mj-ea"/>
+                <a:ea typeface="+mj-ea"/>
               </a:rPr>
               <a:t>, </a:t>
             </a:r>
             <a:r>
               <a:rPr lang="ko-KR" altLang="en-US" dirty="0">
-                <a:latin typeface="HY엽서M" panose="02030600000101010101" pitchFamily="18" charset="-127"/>
-                <a:ea typeface="HY엽서M" panose="02030600000101010101" pitchFamily="18" charset="-127"/>
+                <a:latin typeface="+mj-ea"/>
+                <a:ea typeface="+mj-ea"/>
               </a:rPr>
               <a:t>도발</a:t>
             </a:r>
             <a:endParaRPr lang="en-US" altLang="ko-KR" dirty="0">
-              <a:latin typeface="HY엽서M" panose="02030600000101010101" pitchFamily="18" charset="-127"/>
-              <a:ea typeface="HY엽서M" panose="02030600000101010101" pitchFamily="18" charset="-127"/>
+              <a:latin typeface="+mj-ea"/>
+              <a:ea typeface="+mj-ea"/>
             </a:endParaRPr>
           </a:p>
           <a:p>
             <a:endParaRPr lang="en-US" altLang="ko-KR" dirty="0">
-              <a:latin typeface="HY엽서M" panose="02030600000101010101" pitchFamily="18" charset="-127"/>
-              <a:ea typeface="HY엽서M" panose="02030600000101010101" pitchFamily="18" charset="-127"/>
+              <a:latin typeface="+mj-ea"/>
+              <a:ea typeface="+mj-ea"/>
             </a:endParaRPr>
           </a:p>
           <a:p>
@@ -4360,36 +4348,36 @@
             </a:pPr>
             <a:r>
               <a:rPr lang="en-US" altLang="ko-KR" dirty="0">
-                <a:latin typeface="HY엽서M" panose="02030600000101010101" pitchFamily="18" charset="-127"/>
-                <a:ea typeface="HY엽서M" panose="02030600000101010101" pitchFamily="18" charset="-127"/>
+                <a:latin typeface="+mj-ea"/>
+                <a:ea typeface="+mj-ea"/>
               </a:rPr>
               <a:t>-&gt;</a:t>
             </a:r>
             <a:r>
               <a:rPr lang="ko-KR" altLang="en-US" dirty="0">
-                <a:latin typeface="HY엽서M" panose="02030600000101010101" pitchFamily="18" charset="-127"/>
-                <a:ea typeface="HY엽서M" panose="02030600000101010101" pitchFamily="18" charset="-127"/>
+                <a:latin typeface="+mj-ea"/>
+                <a:ea typeface="+mj-ea"/>
               </a:rPr>
               <a:t>광폭화</a:t>
             </a:r>
             <a:r>
               <a:rPr lang="en-US" altLang="ko-KR" dirty="0">
-                <a:latin typeface="HY엽서M" panose="02030600000101010101" pitchFamily="18" charset="-127"/>
-                <a:ea typeface="HY엽서M" panose="02030600000101010101" pitchFamily="18" charset="-127"/>
+                <a:latin typeface="+mj-ea"/>
+                <a:ea typeface="+mj-ea"/>
               </a:rPr>
               <a:t>: </a:t>
             </a:r>
             <a:r>
               <a:rPr lang="ko-KR" altLang="en-US" dirty="0">
-                <a:latin typeface="HY엽서M" panose="02030600000101010101" pitchFamily="18" charset="-127"/>
-                <a:ea typeface="HY엽서M" panose="02030600000101010101" pitchFamily="18" charset="-127"/>
+                <a:latin typeface="+mj-ea"/>
+                <a:ea typeface="+mj-ea"/>
               </a:rPr>
               <a:t>일정 시간동안 공격력을 대폭 강화하는 대신 방어력을 낮춘다</a:t>
             </a:r>
             <a:r>
               <a:rPr lang="en-US" altLang="ko-KR" dirty="0">
-                <a:latin typeface="HY엽서M" panose="02030600000101010101" pitchFamily="18" charset="-127"/>
-                <a:ea typeface="HY엽서M" panose="02030600000101010101" pitchFamily="18" charset="-127"/>
+                <a:latin typeface="+mj-ea"/>
+                <a:ea typeface="+mj-ea"/>
               </a:rPr>
               <a:t>.</a:t>
             </a:r>
@@ -4400,65 +4388,65 @@
             </a:pPr>
             <a:r>
               <a:rPr lang="en-US" altLang="ko-KR" dirty="0">
-                <a:latin typeface="HY엽서M" panose="02030600000101010101" pitchFamily="18" charset="-127"/>
-                <a:ea typeface="HY엽서M" panose="02030600000101010101" pitchFamily="18" charset="-127"/>
+                <a:latin typeface="+mj-ea"/>
+                <a:ea typeface="+mj-ea"/>
               </a:rPr>
               <a:t>-&gt;</a:t>
             </a:r>
             <a:r>
               <a:rPr lang="ko-KR" altLang="en-US" dirty="0">
-                <a:latin typeface="HY엽서M" panose="02030600000101010101" pitchFamily="18" charset="-127"/>
-                <a:ea typeface="HY엽서M" panose="02030600000101010101" pitchFamily="18" charset="-127"/>
+                <a:latin typeface="+mj-ea"/>
+                <a:ea typeface="+mj-ea"/>
               </a:rPr>
               <a:t>도발</a:t>
             </a:r>
             <a:r>
               <a:rPr lang="en-US" altLang="ko-KR" dirty="0">
-                <a:latin typeface="HY엽서M" panose="02030600000101010101" pitchFamily="18" charset="-127"/>
-                <a:ea typeface="HY엽서M" panose="02030600000101010101" pitchFamily="18" charset="-127"/>
+                <a:latin typeface="+mj-ea"/>
+                <a:ea typeface="+mj-ea"/>
               </a:rPr>
               <a:t>: </a:t>
             </a:r>
             <a:r>
               <a:rPr lang="ko-KR" altLang="en-US" dirty="0">
-                <a:latin typeface="HY엽서M" panose="02030600000101010101" pitchFamily="18" charset="-127"/>
-                <a:ea typeface="HY엽서M" panose="02030600000101010101" pitchFamily="18" charset="-127"/>
+                <a:latin typeface="+mj-ea"/>
+                <a:ea typeface="+mj-ea"/>
               </a:rPr>
               <a:t>스킬 반경 내의 괴수들의 적개심을 자신에게 로 돌린다</a:t>
             </a:r>
             <a:r>
               <a:rPr lang="en-US" altLang="ko-KR" dirty="0">
-                <a:latin typeface="HY엽서M" panose="02030600000101010101" pitchFamily="18" charset="-127"/>
-                <a:ea typeface="HY엽서M" panose="02030600000101010101" pitchFamily="18" charset="-127"/>
+                <a:latin typeface="+mj-ea"/>
+                <a:ea typeface="+mj-ea"/>
               </a:rPr>
               <a:t>.</a:t>
             </a:r>
           </a:p>
           <a:p>
             <a:endParaRPr lang="en-US" altLang="ko-KR" dirty="0">
-              <a:latin typeface="HY엽서M" panose="02030600000101010101" pitchFamily="18" charset="-127"/>
-              <a:ea typeface="HY엽서M" panose="02030600000101010101" pitchFamily="18" charset="-127"/>
+              <a:latin typeface="+mj-ea"/>
+              <a:ea typeface="+mj-ea"/>
             </a:endParaRPr>
           </a:p>
           <a:p>
             <a:r>
               <a:rPr lang="ko-KR" altLang="en-US" dirty="0">
-                <a:latin typeface="HY엽서M" panose="02030600000101010101" pitchFamily="18" charset="-127"/>
-                <a:ea typeface="HY엽서M" panose="02030600000101010101" pitchFamily="18" charset="-127"/>
+                <a:latin typeface="+mj-ea"/>
+                <a:ea typeface="+mj-ea"/>
               </a:rPr>
               <a:t>무기</a:t>
             </a:r>
             <a:r>
               <a:rPr lang="en-US" altLang="ko-KR" dirty="0">
-                <a:latin typeface="HY엽서M" panose="02030600000101010101" pitchFamily="18" charset="-127"/>
-                <a:ea typeface="HY엽서M" panose="02030600000101010101" pitchFamily="18" charset="-127"/>
+                <a:latin typeface="+mj-ea"/>
+                <a:ea typeface="+mj-ea"/>
               </a:rPr>
               <a:t>: </a:t>
             </a:r>
             <a:r>
               <a:rPr lang="ko-KR" altLang="en-US" dirty="0">
-                <a:latin typeface="HY엽서M" panose="02030600000101010101" pitchFamily="18" charset="-127"/>
-                <a:ea typeface="HY엽서M" panose="02030600000101010101" pitchFamily="18" charset="-127"/>
+                <a:latin typeface="+mj-ea"/>
+                <a:ea typeface="+mj-ea"/>
               </a:rPr>
               <a:t>대검</a:t>
             </a:r>
@@ -4541,48 +4529,48 @@
           <a:p>
             <a:r>
               <a:rPr lang="ko-KR" altLang="en-US" dirty="0">
-                <a:latin typeface="HY엽서M" panose="02030600000101010101" pitchFamily="18" charset="-127"/>
-                <a:ea typeface="HY엽서M" panose="02030600000101010101" pitchFamily="18" charset="-127"/>
+                <a:latin typeface="+mj-ea"/>
+                <a:ea typeface="+mj-ea"/>
               </a:rPr>
               <a:t>스킬</a:t>
             </a:r>
             <a:r>
               <a:rPr lang="en-US" altLang="ko-KR" dirty="0">
-                <a:latin typeface="HY엽서M" panose="02030600000101010101" pitchFamily="18" charset="-127"/>
-                <a:ea typeface="HY엽서M" panose="02030600000101010101" pitchFamily="18" charset="-127"/>
+                <a:latin typeface="+mj-ea"/>
+                <a:ea typeface="+mj-ea"/>
               </a:rPr>
               <a:t>: </a:t>
             </a:r>
             <a:r>
               <a:rPr lang="ko-KR" altLang="en-US" dirty="0">
-                <a:latin typeface="HY엽서M" panose="02030600000101010101" pitchFamily="18" charset="-127"/>
-                <a:ea typeface="HY엽서M" panose="02030600000101010101" pitchFamily="18" charset="-127"/>
+                <a:latin typeface="+mj-ea"/>
+                <a:ea typeface="+mj-ea"/>
               </a:rPr>
               <a:t>집중 사격</a:t>
             </a:r>
             <a:r>
               <a:rPr lang="en-US" altLang="ko-KR" dirty="0">
-                <a:latin typeface="HY엽서M" panose="02030600000101010101" pitchFamily="18" charset="-127"/>
-                <a:ea typeface="HY엽서M" panose="02030600000101010101" pitchFamily="18" charset="-127"/>
+                <a:latin typeface="+mj-ea"/>
+                <a:ea typeface="+mj-ea"/>
               </a:rPr>
               <a:t>, </a:t>
             </a:r>
             <a:r>
               <a:rPr lang="ko-KR" altLang="en-US" dirty="0">
-                <a:latin typeface="HY엽서M" panose="02030600000101010101" pitchFamily="18" charset="-127"/>
-                <a:ea typeface="HY엽서M" panose="02030600000101010101" pitchFamily="18" charset="-127"/>
+                <a:latin typeface="+mj-ea"/>
+                <a:ea typeface="+mj-ea"/>
               </a:rPr>
               <a:t>난사</a:t>
             </a:r>
             <a:endParaRPr lang="en-US" altLang="ko-KR" dirty="0">
-              <a:latin typeface="HY엽서M" panose="02030600000101010101" pitchFamily="18" charset="-127"/>
-              <a:ea typeface="HY엽서M" panose="02030600000101010101" pitchFamily="18" charset="-127"/>
+              <a:latin typeface="+mj-ea"/>
+              <a:ea typeface="+mj-ea"/>
             </a:endParaRPr>
           </a:p>
           <a:p>
             <a:endParaRPr lang="en-US" altLang="ko-KR" dirty="0">
-              <a:latin typeface="HY엽서M" panose="02030600000101010101" pitchFamily="18" charset="-127"/>
-              <a:ea typeface="HY엽서M" panose="02030600000101010101" pitchFamily="18" charset="-127"/>
+              <a:latin typeface="+mj-ea"/>
+              <a:ea typeface="+mj-ea"/>
             </a:endParaRPr>
           </a:p>
           <a:p>
@@ -4591,64 +4579,64 @@
             </a:pPr>
             <a:r>
               <a:rPr lang="en-US" altLang="ko-KR" dirty="0">
-                <a:latin typeface="HY엽서M" panose="02030600000101010101" pitchFamily="18" charset="-127"/>
-                <a:ea typeface="HY엽서M" panose="02030600000101010101" pitchFamily="18" charset="-127"/>
+                <a:latin typeface="+mj-ea"/>
+                <a:ea typeface="+mj-ea"/>
               </a:rPr>
               <a:t>-&gt; </a:t>
             </a:r>
             <a:r>
               <a:rPr lang="ko-KR" altLang="en-US" dirty="0">
-                <a:latin typeface="HY엽서M" panose="02030600000101010101" pitchFamily="18" charset="-127"/>
-                <a:ea typeface="HY엽서M" panose="02030600000101010101" pitchFamily="18" charset="-127"/>
+                <a:latin typeface="+mj-ea"/>
+                <a:ea typeface="+mj-ea"/>
               </a:rPr>
               <a:t>집중 사격</a:t>
             </a:r>
             <a:r>
               <a:rPr lang="en-US" altLang="ko-KR" dirty="0">
-                <a:latin typeface="HY엽서M" panose="02030600000101010101" pitchFamily="18" charset="-127"/>
-                <a:ea typeface="HY엽서M" panose="02030600000101010101" pitchFamily="18" charset="-127"/>
+                <a:latin typeface="+mj-ea"/>
+                <a:ea typeface="+mj-ea"/>
               </a:rPr>
               <a:t>: </a:t>
             </a:r>
             <a:r>
               <a:rPr lang="ko-KR" altLang="en-US" dirty="0">
-                <a:latin typeface="HY엽서M" panose="02030600000101010101" pitchFamily="18" charset="-127"/>
-                <a:ea typeface="HY엽서M" panose="02030600000101010101" pitchFamily="18" charset="-127"/>
+                <a:latin typeface="+mj-ea"/>
+                <a:ea typeface="+mj-ea"/>
               </a:rPr>
               <a:t>스킬 쓴 그 자리에 멈춰 </a:t>
             </a:r>
             <a:r>
               <a:rPr lang="en-US" altLang="ko-KR" dirty="0">
-                <a:latin typeface="HY엽서M" panose="02030600000101010101" pitchFamily="18" charset="-127"/>
-                <a:ea typeface="HY엽서M" panose="02030600000101010101" pitchFamily="18" charset="-127"/>
+                <a:latin typeface="+mj-ea"/>
+                <a:ea typeface="+mj-ea"/>
               </a:rPr>
               <a:t>5</a:t>
             </a:r>
             <a:r>
               <a:rPr lang="ko-KR" altLang="en-US" dirty="0">
-                <a:latin typeface="HY엽서M" panose="02030600000101010101" pitchFamily="18" charset="-127"/>
-                <a:ea typeface="HY엽서M" panose="02030600000101010101" pitchFamily="18" charset="-127"/>
+                <a:latin typeface="+mj-ea"/>
+                <a:ea typeface="+mj-ea"/>
               </a:rPr>
               <a:t>초간 공격한다</a:t>
             </a:r>
             <a:r>
               <a:rPr lang="en-US" altLang="ko-KR" dirty="0">
-                <a:latin typeface="HY엽서M" panose="02030600000101010101" pitchFamily="18" charset="-127"/>
-                <a:ea typeface="HY엽서M" panose="02030600000101010101" pitchFamily="18" charset="-127"/>
+                <a:latin typeface="+mj-ea"/>
+                <a:ea typeface="+mj-ea"/>
               </a:rPr>
               <a:t>.</a:t>
             </a:r>
             <a:r>
               <a:rPr lang="ko-KR" altLang="en-US" dirty="0">
-                <a:latin typeface="HY엽서M" panose="02030600000101010101" pitchFamily="18" charset="-127"/>
-                <a:ea typeface="HY엽서M" panose="02030600000101010101" pitchFamily="18" charset="-127"/>
+                <a:latin typeface="+mj-ea"/>
+                <a:ea typeface="+mj-ea"/>
               </a:rPr>
               <a:t> 공격력과 치명타 확률이 대폭 상승한다</a:t>
             </a:r>
             <a:r>
               <a:rPr lang="en-US" altLang="ko-KR" dirty="0">
-                <a:latin typeface="HY엽서M" panose="02030600000101010101" pitchFamily="18" charset="-127"/>
-                <a:ea typeface="HY엽서M" panose="02030600000101010101" pitchFamily="18" charset="-127"/>
+                <a:latin typeface="+mj-ea"/>
+                <a:ea typeface="+mj-ea"/>
               </a:rPr>
               <a:t>.</a:t>
             </a:r>
@@ -4659,79 +4647,79 @@
             </a:pPr>
             <a:r>
               <a:rPr lang="en-US" altLang="ko-KR" dirty="0">
-                <a:latin typeface="HY엽서M" panose="02030600000101010101" pitchFamily="18" charset="-127"/>
-                <a:ea typeface="HY엽서M" panose="02030600000101010101" pitchFamily="18" charset="-127"/>
+                <a:latin typeface="+mj-ea"/>
+                <a:ea typeface="+mj-ea"/>
               </a:rPr>
               <a:t>-&gt; </a:t>
             </a:r>
             <a:r>
               <a:rPr lang="ko-KR" altLang="en-US" dirty="0">
-                <a:latin typeface="HY엽서M" panose="02030600000101010101" pitchFamily="18" charset="-127"/>
-                <a:ea typeface="HY엽서M" panose="02030600000101010101" pitchFamily="18" charset="-127"/>
+                <a:latin typeface="+mj-ea"/>
+                <a:ea typeface="+mj-ea"/>
               </a:rPr>
               <a:t>난사 </a:t>
             </a:r>
             <a:r>
               <a:rPr lang="en-US" altLang="ko-KR" dirty="0">
-                <a:latin typeface="HY엽서M" panose="02030600000101010101" pitchFamily="18" charset="-127"/>
-                <a:ea typeface="HY엽서M" panose="02030600000101010101" pitchFamily="18" charset="-127"/>
+                <a:latin typeface="+mj-ea"/>
+                <a:ea typeface="+mj-ea"/>
               </a:rPr>
               <a:t>: </a:t>
             </a:r>
             <a:r>
               <a:rPr lang="ko-KR" altLang="en-US" dirty="0">
-                <a:latin typeface="HY엽서M" panose="02030600000101010101" pitchFamily="18" charset="-127"/>
-                <a:ea typeface="HY엽서M" panose="02030600000101010101" pitchFamily="18" charset="-127"/>
+                <a:latin typeface="+mj-ea"/>
+                <a:ea typeface="+mj-ea"/>
               </a:rPr>
               <a:t>스킬 반경 내에 모든 적에게 치명적인 상처를 입힌다</a:t>
             </a:r>
             <a:r>
               <a:rPr lang="en-US" altLang="ko-KR" dirty="0">
-                <a:latin typeface="HY엽서M" panose="02030600000101010101" pitchFamily="18" charset="-127"/>
-                <a:ea typeface="HY엽서M" panose="02030600000101010101" pitchFamily="18" charset="-127"/>
+                <a:latin typeface="+mj-ea"/>
+                <a:ea typeface="+mj-ea"/>
               </a:rPr>
               <a:t>.</a:t>
             </a:r>
           </a:p>
           <a:p>
             <a:endParaRPr lang="en-US" altLang="ko-KR" dirty="0">
-              <a:latin typeface="HY엽서M" panose="02030600000101010101" pitchFamily="18" charset="-127"/>
-              <a:ea typeface="HY엽서M" panose="02030600000101010101" pitchFamily="18" charset="-127"/>
+              <a:latin typeface="+mj-ea"/>
+              <a:ea typeface="+mj-ea"/>
             </a:endParaRPr>
           </a:p>
           <a:p>
             <a:r>
               <a:rPr lang="ko-KR" altLang="en-US" dirty="0">
-                <a:latin typeface="HY엽서M" panose="02030600000101010101" pitchFamily="18" charset="-127"/>
-                <a:ea typeface="HY엽서M" panose="02030600000101010101" pitchFamily="18" charset="-127"/>
+                <a:latin typeface="+mj-ea"/>
+                <a:ea typeface="+mj-ea"/>
               </a:rPr>
               <a:t>무기</a:t>
             </a:r>
             <a:r>
               <a:rPr lang="en-US" altLang="ko-KR" dirty="0">
-                <a:latin typeface="HY엽서M" panose="02030600000101010101" pitchFamily="18" charset="-127"/>
-                <a:ea typeface="HY엽서M" panose="02030600000101010101" pitchFamily="18" charset="-127"/>
+                <a:latin typeface="+mj-ea"/>
+                <a:ea typeface="+mj-ea"/>
               </a:rPr>
               <a:t>: </a:t>
             </a:r>
             <a:r>
               <a:rPr lang="ko-KR" altLang="en-US" dirty="0" err="1">
-                <a:latin typeface="HY엽서M" panose="02030600000101010101" pitchFamily="18" charset="-127"/>
-                <a:ea typeface="HY엽서M" panose="02030600000101010101" pitchFamily="18" charset="-127"/>
+                <a:latin typeface="+mj-ea"/>
+                <a:ea typeface="+mj-ea"/>
               </a:rPr>
               <a:t>어썰트</a:t>
             </a:r>
             <a:r>
               <a:rPr lang="en-US" altLang="ko-KR" dirty="0">
-                <a:latin typeface="HY엽서M" panose="02030600000101010101" pitchFamily="18" charset="-127"/>
-                <a:ea typeface="HY엽서M" panose="02030600000101010101" pitchFamily="18" charset="-127"/>
+                <a:latin typeface="+mj-ea"/>
+                <a:ea typeface="+mj-ea"/>
               </a:rPr>
               <a:t> </a:t>
             </a:r>
             <a:r>
               <a:rPr lang="ko-KR" altLang="en-US" dirty="0">
-                <a:latin typeface="HY엽서M" panose="02030600000101010101" pitchFamily="18" charset="-127"/>
-                <a:ea typeface="HY엽서M" panose="02030600000101010101" pitchFamily="18" charset="-127"/>
+                <a:latin typeface="+mj-ea"/>
+                <a:ea typeface="+mj-ea"/>
               </a:rPr>
               <a:t>라이플</a:t>
             </a:r>
@@ -4813,55 +4801,55 @@
           <a:p>
             <a:r>
               <a:rPr lang="ko-KR" altLang="en-US" dirty="0">
-                <a:latin typeface="HY엽서M" panose="02030600000101010101" pitchFamily="18" charset="-127"/>
-                <a:ea typeface="HY엽서M" panose="02030600000101010101" pitchFamily="18" charset="-127"/>
+                <a:latin typeface="+mj-ea"/>
+                <a:ea typeface="+mj-ea"/>
               </a:rPr>
               <a:t>스킬</a:t>
             </a:r>
             <a:r>
               <a:rPr lang="en-US" altLang="ko-KR" dirty="0">
-                <a:latin typeface="HY엽서M" panose="02030600000101010101" pitchFamily="18" charset="-127"/>
-                <a:ea typeface="HY엽서M" panose="02030600000101010101" pitchFamily="18" charset="-127"/>
+                <a:latin typeface="+mj-ea"/>
+                <a:ea typeface="+mj-ea"/>
               </a:rPr>
               <a:t>: </a:t>
             </a:r>
             <a:r>
               <a:rPr lang="ko-KR" altLang="en-US" dirty="0" err="1">
-                <a:latin typeface="HY엽서M" panose="02030600000101010101" pitchFamily="18" charset="-127"/>
-                <a:ea typeface="HY엽서M" panose="02030600000101010101" pitchFamily="18" charset="-127"/>
+                <a:latin typeface="+mj-ea"/>
+                <a:ea typeface="+mj-ea"/>
               </a:rPr>
               <a:t>포탑</a:t>
             </a:r>
             <a:r>
               <a:rPr lang="ko-KR" altLang="en-US" dirty="0">
-                <a:latin typeface="HY엽서M" panose="02030600000101010101" pitchFamily="18" charset="-127"/>
-                <a:ea typeface="HY엽서M" panose="02030600000101010101" pitchFamily="18" charset="-127"/>
+                <a:latin typeface="+mj-ea"/>
+                <a:ea typeface="+mj-ea"/>
               </a:rPr>
               <a:t> 설치</a:t>
             </a:r>
             <a:r>
               <a:rPr lang="en-US" altLang="ko-KR" dirty="0">
-                <a:latin typeface="HY엽서M" panose="02030600000101010101" pitchFamily="18" charset="-127"/>
-                <a:ea typeface="HY엽서M" panose="02030600000101010101" pitchFamily="18" charset="-127"/>
+                <a:latin typeface="+mj-ea"/>
+                <a:ea typeface="+mj-ea"/>
               </a:rPr>
               <a:t>, </a:t>
             </a:r>
             <a:r>
               <a:rPr lang="ko-KR" altLang="en-US" dirty="0">
-                <a:latin typeface="HY엽서M" panose="02030600000101010101" pitchFamily="18" charset="-127"/>
-                <a:ea typeface="HY엽서M" panose="02030600000101010101" pitchFamily="18" charset="-127"/>
+                <a:latin typeface="+mj-ea"/>
+                <a:ea typeface="+mj-ea"/>
               </a:rPr>
               <a:t>진지 구축</a:t>
             </a:r>
             <a:endParaRPr lang="en-US" altLang="ko-KR" dirty="0">
-              <a:latin typeface="HY엽서M" panose="02030600000101010101" pitchFamily="18" charset="-127"/>
-              <a:ea typeface="HY엽서M" panose="02030600000101010101" pitchFamily="18" charset="-127"/>
+              <a:latin typeface="+mj-ea"/>
+              <a:ea typeface="+mj-ea"/>
             </a:endParaRPr>
           </a:p>
           <a:p>
             <a:endParaRPr lang="en-US" altLang="ko-KR" dirty="0">
-              <a:latin typeface="HY엽서M" panose="02030600000101010101" pitchFamily="18" charset="-127"/>
-              <a:ea typeface="HY엽서M" panose="02030600000101010101" pitchFamily="18" charset="-127"/>
+              <a:latin typeface="+mj-ea"/>
+              <a:ea typeface="+mj-ea"/>
             </a:endParaRPr>
           </a:p>
           <a:p>
@@ -4870,78 +4858,78 @@
             </a:pPr>
             <a:r>
               <a:rPr lang="en-US" altLang="ko-KR" dirty="0">
-                <a:latin typeface="HY엽서M" panose="02030600000101010101" pitchFamily="18" charset="-127"/>
-                <a:ea typeface="HY엽서M" panose="02030600000101010101" pitchFamily="18" charset="-127"/>
+                <a:latin typeface="+mj-ea"/>
+                <a:ea typeface="+mj-ea"/>
               </a:rPr>
               <a:t>-&gt; </a:t>
             </a:r>
             <a:r>
               <a:rPr lang="ko-KR" altLang="en-US" dirty="0">
-                <a:latin typeface="HY엽서M" panose="02030600000101010101" pitchFamily="18" charset="-127"/>
-                <a:ea typeface="HY엽서M" panose="02030600000101010101" pitchFamily="18" charset="-127"/>
+                <a:latin typeface="+mj-ea"/>
+                <a:ea typeface="+mj-ea"/>
               </a:rPr>
               <a:t>에너지 캐논</a:t>
             </a:r>
             <a:r>
               <a:rPr lang="en-US" altLang="ko-KR" dirty="0">
-                <a:latin typeface="HY엽서M" panose="02030600000101010101" pitchFamily="18" charset="-127"/>
-                <a:ea typeface="HY엽서M" panose="02030600000101010101" pitchFamily="18" charset="-127"/>
+                <a:latin typeface="+mj-ea"/>
+                <a:ea typeface="+mj-ea"/>
               </a:rPr>
               <a:t>: </a:t>
             </a:r>
             <a:r>
               <a:rPr lang="ko-KR" altLang="en-US" dirty="0">
-                <a:latin typeface="HY엽서M" panose="02030600000101010101" pitchFamily="18" charset="-127"/>
-                <a:ea typeface="HY엽서M" panose="02030600000101010101" pitchFamily="18" charset="-127"/>
+                <a:latin typeface="+mj-ea"/>
+                <a:ea typeface="+mj-ea"/>
               </a:rPr>
               <a:t>에너지 구체를 발사 하는 </a:t>
             </a:r>
             <a:r>
               <a:rPr lang="ko-KR" altLang="en-US" dirty="0" err="1">
-                <a:latin typeface="HY엽서M" panose="02030600000101010101" pitchFamily="18" charset="-127"/>
-                <a:ea typeface="HY엽서M" panose="02030600000101010101" pitchFamily="18" charset="-127"/>
+                <a:latin typeface="+mj-ea"/>
+                <a:ea typeface="+mj-ea"/>
               </a:rPr>
               <a:t>포탑을</a:t>
             </a:r>
             <a:r>
               <a:rPr lang="ko-KR" altLang="en-US" dirty="0">
-                <a:latin typeface="HY엽서M" panose="02030600000101010101" pitchFamily="18" charset="-127"/>
-                <a:ea typeface="HY엽서M" panose="02030600000101010101" pitchFamily="18" charset="-127"/>
+                <a:latin typeface="+mj-ea"/>
+                <a:ea typeface="+mj-ea"/>
               </a:rPr>
               <a:t> 설치한다</a:t>
             </a:r>
             <a:r>
               <a:rPr lang="en-US" altLang="ko-KR" dirty="0">
-                <a:latin typeface="HY엽서M" panose="02030600000101010101" pitchFamily="18" charset="-127"/>
-                <a:ea typeface="HY엽서M" panose="02030600000101010101" pitchFamily="18" charset="-127"/>
+                <a:latin typeface="+mj-ea"/>
+                <a:ea typeface="+mj-ea"/>
               </a:rPr>
               <a:t>. </a:t>
             </a:r>
             <a:r>
               <a:rPr lang="ko-KR" altLang="en-US" dirty="0">
-                <a:latin typeface="HY엽서M" panose="02030600000101010101" pitchFamily="18" charset="-127"/>
-                <a:ea typeface="HY엽서M" panose="02030600000101010101" pitchFamily="18" charset="-127"/>
+                <a:latin typeface="+mj-ea"/>
+                <a:ea typeface="+mj-ea"/>
               </a:rPr>
               <a:t>최대 </a:t>
             </a:r>
             <a:r>
               <a:rPr lang="en-US" altLang="ko-KR" dirty="0">
-                <a:latin typeface="HY엽서M" panose="02030600000101010101" pitchFamily="18" charset="-127"/>
-                <a:ea typeface="HY엽서M" panose="02030600000101010101" pitchFamily="18" charset="-127"/>
+                <a:latin typeface="+mj-ea"/>
+                <a:ea typeface="+mj-ea"/>
               </a:rPr>
               <a:t>3</a:t>
             </a:r>
             <a:r>
               <a:rPr lang="ko-KR" altLang="en-US" dirty="0">
-                <a:latin typeface="HY엽서M" panose="02030600000101010101" pitchFamily="18" charset="-127"/>
-                <a:ea typeface="HY엽서M" panose="02030600000101010101" pitchFamily="18" charset="-127"/>
+                <a:latin typeface="+mj-ea"/>
+                <a:ea typeface="+mj-ea"/>
               </a:rPr>
               <a:t>개까지 설치가 가능하며 최대 설치 개수는 장비에 따라 다르다</a:t>
             </a:r>
             <a:r>
               <a:rPr lang="en-US" altLang="ko-KR" dirty="0">
-                <a:latin typeface="HY엽서M" panose="02030600000101010101" pitchFamily="18" charset="-127"/>
-                <a:ea typeface="HY엽서M" panose="02030600000101010101" pitchFamily="18" charset="-127"/>
+                <a:latin typeface="+mj-ea"/>
+                <a:ea typeface="+mj-ea"/>
               </a:rPr>
               <a:t>.</a:t>
             </a:r>
@@ -4952,96 +4940,96 @@
             </a:pPr>
             <a:r>
               <a:rPr lang="en-US" altLang="ko-KR" dirty="0">
-                <a:latin typeface="HY엽서M" panose="02030600000101010101" pitchFamily="18" charset="-127"/>
-                <a:ea typeface="HY엽서M" panose="02030600000101010101" pitchFamily="18" charset="-127"/>
+                <a:latin typeface="+mj-ea"/>
+                <a:ea typeface="+mj-ea"/>
               </a:rPr>
               <a:t>-&gt; </a:t>
             </a:r>
             <a:r>
               <a:rPr lang="ko-KR" altLang="en-US" dirty="0">
-                <a:latin typeface="HY엽서M" panose="02030600000101010101" pitchFamily="18" charset="-127"/>
-                <a:ea typeface="HY엽서M" panose="02030600000101010101" pitchFamily="18" charset="-127"/>
+                <a:latin typeface="+mj-ea"/>
+                <a:ea typeface="+mj-ea"/>
               </a:rPr>
               <a:t>진지 구축</a:t>
             </a:r>
             <a:r>
               <a:rPr lang="en-US" altLang="ko-KR" dirty="0">
-                <a:latin typeface="HY엽서M" panose="02030600000101010101" pitchFamily="18" charset="-127"/>
-                <a:ea typeface="HY엽서M" panose="02030600000101010101" pitchFamily="18" charset="-127"/>
+                <a:latin typeface="+mj-ea"/>
+                <a:ea typeface="+mj-ea"/>
               </a:rPr>
               <a:t>: </a:t>
             </a:r>
             <a:r>
               <a:rPr lang="ko-KR" altLang="en-US" dirty="0">
-                <a:latin typeface="HY엽서M" panose="02030600000101010101" pitchFamily="18" charset="-127"/>
-                <a:ea typeface="HY엽서M" panose="02030600000101010101" pitchFamily="18" charset="-127"/>
+                <a:latin typeface="+mj-ea"/>
+                <a:ea typeface="+mj-ea"/>
               </a:rPr>
               <a:t>안에서 공격하기 용이한 진지를 구축한다</a:t>
             </a:r>
             <a:r>
               <a:rPr lang="en-US" altLang="ko-KR" dirty="0">
-                <a:latin typeface="HY엽서M" panose="02030600000101010101" pitchFamily="18" charset="-127"/>
-                <a:ea typeface="HY엽서M" panose="02030600000101010101" pitchFamily="18" charset="-127"/>
+                <a:latin typeface="+mj-ea"/>
+                <a:ea typeface="+mj-ea"/>
               </a:rPr>
               <a:t>. </a:t>
             </a:r>
             <a:r>
               <a:rPr lang="ko-KR" altLang="en-US" dirty="0">
-                <a:latin typeface="HY엽서M" panose="02030600000101010101" pitchFamily="18" charset="-127"/>
-                <a:ea typeface="HY엽서M" panose="02030600000101010101" pitchFamily="18" charset="-127"/>
+                <a:latin typeface="+mj-ea"/>
+                <a:ea typeface="+mj-ea"/>
               </a:rPr>
               <a:t>근접공격일 경우 진지에 붙어있는 괴수들만 공격가능</a:t>
             </a:r>
             <a:r>
               <a:rPr lang="en-US" altLang="ko-KR" dirty="0">
-                <a:latin typeface="HY엽서M" panose="02030600000101010101" pitchFamily="18" charset="-127"/>
-                <a:ea typeface="HY엽서M" panose="02030600000101010101" pitchFamily="18" charset="-127"/>
+                <a:latin typeface="+mj-ea"/>
+                <a:ea typeface="+mj-ea"/>
               </a:rPr>
               <a:t>, </a:t>
             </a:r>
             <a:r>
               <a:rPr lang="ko-KR" altLang="en-US" dirty="0">
-                <a:latin typeface="HY엽서M" panose="02030600000101010101" pitchFamily="18" charset="-127"/>
-                <a:ea typeface="HY엽서M" panose="02030600000101010101" pitchFamily="18" charset="-127"/>
+                <a:latin typeface="+mj-ea"/>
+                <a:ea typeface="+mj-ea"/>
               </a:rPr>
               <a:t>내구도가 다 되면 해제</a:t>
             </a:r>
             <a:endParaRPr lang="en-US" altLang="ko-KR" dirty="0">
-              <a:latin typeface="HY엽서M" panose="02030600000101010101" pitchFamily="18" charset="-127"/>
-              <a:ea typeface="HY엽서M" panose="02030600000101010101" pitchFamily="18" charset="-127"/>
+              <a:latin typeface="+mj-ea"/>
+              <a:ea typeface="+mj-ea"/>
             </a:endParaRPr>
           </a:p>
           <a:p>
             <a:endParaRPr lang="en-US" altLang="ko-KR" dirty="0">
-              <a:latin typeface="HY엽서M" panose="02030600000101010101" pitchFamily="18" charset="-127"/>
-              <a:ea typeface="HY엽서M" panose="02030600000101010101" pitchFamily="18" charset="-127"/>
+              <a:latin typeface="+mj-ea"/>
+              <a:ea typeface="+mj-ea"/>
             </a:endParaRPr>
           </a:p>
           <a:p>
             <a:r>
               <a:rPr lang="ko-KR" altLang="en-US" dirty="0">
-                <a:latin typeface="HY엽서M" panose="02030600000101010101" pitchFamily="18" charset="-127"/>
-                <a:ea typeface="HY엽서M" panose="02030600000101010101" pitchFamily="18" charset="-127"/>
+                <a:latin typeface="+mj-ea"/>
+                <a:ea typeface="+mj-ea"/>
               </a:rPr>
               <a:t>무기</a:t>
             </a:r>
             <a:r>
               <a:rPr lang="en-US" altLang="ko-KR" dirty="0">
-                <a:latin typeface="HY엽서M" panose="02030600000101010101" pitchFamily="18" charset="-127"/>
-                <a:ea typeface="HY엽서M" panose="02030600000101010101" pitchFamily="18" charset="-127"/>
+                <a:latin typeface="+mj-ea"/>
+                <a:ea typeface="+mj-ea"/>
               </a:rPr>
               <a:t>: </a:t>
             </a:r>
             <a:r>
               <a:rPr lang="ko-KR" altLang="en-US" dirty="0">
-                <a:latin typeface="HY엽서M" panose="02030600000101010101" pitchFamily="18" charset="-127"/>
-                <a:ea typeface="HY엽서M" panose="02030600000101010101" pitchFamily="18" charset="-127"/>
+                <a:latin typeface="+mj-ea"/>
+                <a:ea typeface="+mj-ea"/>
               </a:rPr>
               <a:t>각종 공구</a:t>
             </a:r>
             <a:endParaRPr lang="en-US" altLang="ko-KR" dirty="0">
-              <a:latin typeface="HY엽서M" panose="02030600000101010101" pitchFamily="18" charset="-127"/>
-              <a:ea typeface="HY엽서M" panose="02030600000101010101" pitchFamily="18" charset="-127"/>
+              <a:latin typeface="+mj-ea"/>
+              <a:ea typeface="+mj-ea"/>
             </a:endParaRPr>
           </a:p>
         </p:txBody>
@@ -5086,7 +5074,12 @@
             <p:ph type="title"/>
           </p:nvPr>
         </p:nvSpPr>
-        <p:spPr/>
+        <p:spPr>
+          <a:xfrm>
+            <a:off x="1534696" y="733498"/>
+            <a:ext cx="9520158" cy="1049235"/>
+          </a:xfrm>
+        </p:spPr>
         <p:txBody>
           <a:bodyPr/>
           <a:lstStyle/>
@@ -5122,48 +5115,48 @@
           <a:p>
             <a:r>
               <a:rPr lang="ko-KR" altLang="en-US" dirty="0">
-                <a:latin typeface="HY엽서M" panose="02030600000101010101" pitchFamily="18" charset="-127"/>
-                <a:ea typeface="HY엽서M" panose="02030600000101010101" pitchFamily="18" charset="-127"/>
+                <a:latin typeface="+mj-ea"/>
+                <a:ea typeface="+mj-ea"/>
               </a:rPr>
               <a:t>스킬</a:t>
             </a:r>
             <a:r>
               <a:rPr lang="en-US" altLang="ko-KR" dirty="0">
-                <a:latin typeface="HY엽서M" panose="02030600000101010101" pitchFamily="18" charset="-127"/>
-                <a:ea typeface="HY엽서M" panose="02030600000101010101" pitchFamily="18" charset="-127"/>
+                <a:latin typeface="+mj-ea"/>
+                <a:ea typeface="+mj-ea"/>
               </a:rPr>
               <a:t>: </a:t>
             </a:r>
             <a:r>
               <a:rPr lang="ko-KR" altLang="en-US" dirty="0">
-                <a:latin typeface="HY엽서M" panose="02030600000101010101" pitchFamily="18" charset="-127"/>
-                <a:ea typeface="HY엽서M" panose="02030600000101010101" pitchFamily="18" charset="-127"/>
+                <a:latin typeface="+mj-ea"/>
+                <a:ea typeface="+mj-ea"/>
               </a:rPr>
               <a:t>치유의 물결</a:t>
             </a:r>
             <a:r>
               <a:rPr lang="en-US" altLang="ko-KR" dirty="0">
-                <a:latin typeface="HY엽서M" panose="02030600000101010101" pitchFamily="18" charset="-127"/>
-                <a:ea typeface="HY엽서M" panose="02030600000101010101" pitchFamily="18" charset="-127"/>
+                <a:latin typeface="+mj-ea"/>
+                <a:ea typeface="+mj-ea"/>
               </a:rPr>
               <a:t>, </a:t>
             </a:r>
             <a:r>
               <a:rPr lang="ko-KR" altLang="en-US" dirty="0">
-                <a:latin typeface="HY엽서M" panose="02030600000101010101" pitchFamily="18" charset="-127"/>
-                <a:ea typeface="HY엽서M" panose="02030600000101010101" pitchFamily="18" charset="-127"/>
+                <a:latin typeface="+mj-ea"/>
+                <a:ea typeface="+mj-ea"/>
               </a:rPr>
               <a:t>부활</a:t>
             </a:r>
             <a:endParaRPr lang="en-US" altLang="ko-KR" dirty="0">
-              <a:latin typeface="HY엽서M" panose="02030600000101010101" pitchFamily="18" charset="-127"/>
-              <a:ea typeface="HY엽서M" panose="02030600000101010101" pitchFamily="18" charset="-127"/>
+              <a:latin typeface="+mj-ea"/>
+              <a:ea typeface="+mj-ea"/>
             </a:endParaRPr>
           </a:p>
           <a:p>
             <a:endParaRPr lang="en-US" altLang="ko-KR" dirty="0">
-              <a:latin typeface="HY엽서M" panose="02030600000101010101" pitchFamily="18" charset="-127"/>
-              <a:ea typeface="HY엽서M" panose="02030600000101010101" pitchFamily="18" charset="-127"/>
+              <a:latin typeface="+mj-ea"/>
+              <a:ea typeface="+mj-ea"/>
             </a:endParaRPr>
           </a:p>
           <a:p>
@@ -5172,36 +5165,36 @@
             </a:pPr>
             <a:r>
               <a:rPr lang="en-US" altLang="ko-KR" dirty="0">
-                <a:latin typeface="HY엽서M" panose="02030600000101010101" pitchFamily="18" charset="-127"/>
-                <a:ea typeface="HY엽서M" panose="02030600000101010101" pitchFamily="18" charset="-127"/>
+                <a:latin typeface="+mj-ea"/>
+                <a:ea typeface="+mj-ea"/>
               </a:rPr>
               <a:t>-&gt; </a:t>
             </a:r>
             <a:r>
               <a:rPr lang="ko-KR" altLang="en-US" dirty="0">
-                <a:latin typeface="HY엽서M" panose="02030600000101010101" pitchFamily="18" charset="-127"/>
-                <a:ea typeface="HY엽서M" panose="02030600000101010101" pitchFamily="18" charset="-127"/>
+                <a:latin typeface="+mj-ea"/>
+                <a:ea typeface="+mj-ea"/>
               </a:rPr>
               <a:t>치유의 물결</a:t>
             </a:r>
             <a:r>
               <a:rPr lang="en-US" altLang="ko-KR" dirty="0">
-                <a:latin typeface="HY엽서M" panose="02030600000101010101" pitchFamily="18" charset="-127"/>
-                <a:ea typeface="HY엽서M" panose="02030600000101010101" pitchFamily="18" charset="-127"/>
+                <a:latin typeface="+mj-ea"/>
+                <a:ea typeface="+mj-ea"/>
               </a:rPr>
               <a:t>: </a:t>
             </a:r>
             <a:r>
               <a:rPr lang="ko-KR" altLang="en-US" dirty="0">
-                <a:latin typeface="HY엽서M" panose="02030600000101010101" pitchFamily="18" charset="-127"/>
-                <a:ea typeface="HY엽서M" panose="02030600000101010101" pitchFamily="18" charset="-127"/>
+                <a:latin typeface="+mj-ea"/>
+                <a:ea typeface="+mj-ea"/>
               </a:rPr>
               <a:t>스킬 반경 내의 아군들의 생명력을 회복시킨다</a:t>
             </a:r>
             <a:r>
               <a:rPr lang="en-US" altLang="ko-KR" dirty="0">
-                <a:latin typeface="HY엽서M" panose="02030600000101010101" pitchFamily="18" charset="-127"/>
-                <a:ea typeface="HY엽서M" panose="02030600000101010101" pitchFamily="18" charset="-127"/>
+                <a:latin typeface="+mj-ea"/>
+                <a:ea typeface="+mj-ea"/>
               </a:rPr>
               <a:t>.</a:t>
             </a:r>
@@ -5212,93 +5205,93 @@
             </a:pPr>
             <a:r>
               <a:rPr lang="en-US" altLang="ko-KR" dirty="0">
-                <a:latin typeface="HY엽서M" panose="02030600000101010101" pitchFamily="18" charset="-127"/>
-                <a:ea typeface="HY엽서M" panose="02030600000101010101" pitchFamily="18" charset="-127"/>
+                <a:latin typeface="+mj-ea"/>
+                <a:ea typeface="+mj-ea"/>
               </a:rPr>
               <a:t>-&gt; </a:t>
             </a:r>
             <a:r>
               <a:rPr lang="ko-KR" altLang="en-US" dirty="0">
-                <a:latin typeface="HY엽서M" panose="02030600000101010101" pitchFamily="18" charset="-127"/>
-                <a:ea typeface="HY엽서M" panose="02030600000101010101" pitchFamily="18" charset="-127"/>
+                <a:latin typeface="+mj-ea"/>
+                <a:ea typeface="+mj-ea"/>
               </a:rPr>
               <a:t>부활</a:t>
             </a:r>
             <a:r>
               <a:rPr lang="en-US" altLang="ko-KR" dirty="0">
-                <a:latin typeface="HY엽서M" panose="02030600000101010101" pitchFamily="18" charset="-127"/>
-                <a:ea typeface="HY엽서M" panose="02030600000101010101" pitchFamily="18" charset="-127"/>
+                <a:latin typeface="+mj-ea"/>
+                <a:ea typeface="+mj-ea"/>
               </a:rPr>
               <a:t>: </a:t>
             </a:r>
             <a:r>
               <a:rPr lang="ko-KR" altLang="en-US" dirty="0">
-                <a:latin typeface="HY엽서M" panose="02030600000101010101" pitchFamily="18" charset="-127"/>
-                <a:ea typeface="HY엽서M" panose="02030600000101010101" pitchFamily="18" charset="-127"/>
+                <a:latin typeface="+mj-ea"/>
+                <a:ea typeface="+mj-ea"/>
               </a:rPr>
               <a:t>아군 캐릭터가 </a:t>
             </a:r>
             <a:r>
               <a:rPr lang="ko-KR" altLang="en-US" dirty="0" err="1">
-                <a:latin typeface="HY엽서M" panose="02030600000101010101" pitchFamily="18" charset="-127"/>
-                <a:ea typeface="HY엽서M" panose="02030600000101010101" pitchFamily="18" charset="-127"/>
+                <a:latin typeface="+mj-ea"/>
+                <a:ea typeface="+mj-ea"/>
               </a:rPr>
               <a:t>죽은지</a:t>
             </a:r>
             <a:r>
               <a:rPr lang="ko-KR" altLang="en-US" dirty="0">
-                <a:latin typeface="HY엽서M" panose="02030600000101010101" pitchFamily="18" charset="-127"/>
-                <a:ea typeface="HY엽서M" panose="02030600000101010101" pitchFamily="18" charset="-127"/>
+                <a:latin typeface="+mj-ea"/>
+                <a:ea typeface="+mj-ea"/>
               </a:rPr>
               <a:t> </a:t>
             </a:r>
             <a:r>
               <a:rPr lang="en-US" altLang="ko-KR" dirty="0">
-                <a:latin typeface="HY엽서M" panose="02030600000101010101" pitchFamily="18" charset="-127"/>
-                <a:ea typeface="HY엽서M" panose="02030600000101010101" pitchFamily="18" charset="-127"/>
+                <a:latin typeface="+mj-ea"/>
+                <a:ea typeface="+mj-ea"/>
               </a:rPr>
               <a:t>20</a:t>
             </a:r>
             <a:r>
               <a:rPr lang="ko-KR" altLang="en-US" dirty="0">
-                <a:latin typeface="HY엽서M" panose="02030600000101010101" pitchFamily="18" charset="-127"/>
-                <a:ea typeface="HY엽서M" panose="02030600000101010101" pitchFamily="18" charset="-127"/>
+                <a:latin typeface="+mj-ea"/>
+                <a:ea typeface="+mj-ea"/>
               </a:rPr>
               <a:t>초가 지나지 않았을 경우 그 캐릭터가 가진 생명력의 절반을 회복하고 부활한다</a:t>
             </a:r>
             <a:r>
               <a:rPr lang="en-US" altLang="ko-KR" dirty="0">
-                <a:latin typeface="HY엽서M" panose="02030600000101010101" pitchFamily="18" charset="-127"/>
-                <a:ea typeface="HY엽서M" panose="02030600000101010101" pitchFamily="18" charset="-127"/>
+                <a:latin typeface="+mj-ea"/>
+                <a:ea typeface="+mj-ea"/>
               </a:rPr>
               <a:t>.</a:t>
             </a:r>
           </a:p>
           <a:p>
             <a:endParaRPr lang="en-US" altLang="ko-KR" dirty="0">
-              <a:latin typeface="HY엽서M" panose="02030600000101010101" pitchFamily="18" charset="-127"/>
-              <a:ea typeface="HY엽서M" panose="02030600000101010101" pitchFamily="18" charset="-127"/>
+              <a:latin typeface="+mj-ea"/>
+              <a:ea typeface="+mj-ea"/>
             </a:endParaRPr>
           </a:p>
           <a:p>
             <a:r>
               <a:rPr lang="ko-KR" altLang="en-US" dirty="0">
-                <a:latin typeface="HY엽서M" panose="02030600000101010101" pitchFamily="18" charset="-127"/>
-                <a:ea typeface="HY엽서M" panose="02030600000101010101" pitchFamily="18" charset="-127"/>
+                <a:latin typeface="+mj-ea"/>
+                <a:ea typeface="+mj-ea"/>
               </a:rPr>
               <a:t>무기</a:t>
             </a:r>
             <a:r>
               <a:rPr lang="en-US" altLang="ko-KR" dirty="0">
-                <a:latin typeface="HY엽서M" panose="02030600000101010101" pitchFamily="18" charset="-127"/>
-                <a:ea typeface="HY엽서M" panose="02030600000101010101" pitchFamily="18" charset="-127"/>
+                <a:latin typeface="+mj-ea"/>
+                <a:ea typeface="+mj-ea"/>
               </a:rPr>
               <a:t>: </a:t>
             </a:r>
             <a:r>
               <a:rPr lang="ko-KR" altLang="en-US" dirty="0">
-                <a:latin typeface="HY엽서M" panose="02030600000101010101" pitchFamily="18" charset="-127"/>
-                <a:ea typeface="HY엽서M" panose="02030600000101010101" pitchFamily="18" charset="-127"/>
+                <a:latin typeface="+mj-ea"/>
+                <a:ea typeface="+mj-ea"/>
               </a:rPr>
               <a:t>권총</a:t>
             </a:r>
@@ -5381,42 +5374,42 @@
           <a:p>
             <a:r>
               <a:rPr lang="ko-KR" altLang="en-US" dirty="0">
-                <a:latin typeface="HY엽서M" panose="02030600000101010101" pitchFamily="18" charset="-127"/>
-                <a:ea typeface="HY엽서M" panose="02030600000101010101" pitchFamily="18" charset="-127"/>
+                <a:latin typeface="+mj-ea"/>
+                <a:ea typeface="+mj-ea"/>
               </a:rPr>
               <a:t>스킬</a:t>
             </a:r>
             <a:r>
               <a:rPr lang="en-US" altLang="ko-KR" dirty="0">
-                <a:latin typeface="HY엽서M" panose="02030600000101010101" pitchFamily="18" charset="-127"/>
-                <a:ea typeface="HY엽서M" panose="02030600000101010101" pitchFamily="18" charset="-127"/>
+                <a:latin typeface="+mj-ea"/>
+                <a:ea typeface="+mj-ea"/>
               </a:rPr>
               <a:t>: </a:t>
             </a:r>
             <a:r>
               <a:rPr lang="ko-KR" altLang="en-US" dirty="0">
-                <a:latin typeface="HY엽서M" panose="02030600000101010101" pitchFamily="18" charset="-127"/>
-                <a:ea typeface="HY엽서M" panose="02030600000101010101" pitchFamily="18" charset="-127"/>
+                <a:latin typeface="+mj-ea"/>
+                <a:ea typeface="+mj-ea"/>
               </a:rPr>
               <a:t>포격 지원</a:t>
             </a:r>
             <a:r>
               <a:rPr lang="en-US" altLang="ko-KR" dirty="0">
-                <a:latin typeface="HY엽서M" panose="02030600000101010101" pitchFamily="18" charset="-127"/>
-                <a:ea typeface="HY엽서M" panose="02030600000101010101" pitchFamily="18" charset="-127"/>
+                <a:latin typeface="+mj-ea"/>
+                <a:ea typeface="+mj-ea"/>
               </a:rPr>
               <a:t>, </a:t>
             </a:r>
             <a:r>
               <a:rPr lang="ko-KR" altLang="en-US" dirty="0">
-                <a:latin typeface="HY엽서M" panose="02030600000101010101" pitchFamily="18" charset="-127"/>
-                <a:ea typeface="HY엽서M" panose="02030600000101010101" pitchFamily="18" charset="-127"/>
+                <a:latin typeface="+mj-ea"/>
+                <a:ea typeface="+mj-ea"/>
               </a:rPr>
               <a:t>타이탄</a:t>
             </a:r>
             <a:endParaRPr lang="en-US" altLang="ko-KR" dirty="0">
-              <a:latin typeface="HY엽서M" panose="02030600000101010101" pitchFamily="18" charset="-127"/>
-              <a:ea typeface="HY엽서M" panose="02030600000101010101" pitchFamily="18" charset="-127"/>
+              <a:latin typeface="+mj-ea"/>
+              <a:ea typeface="+mj-ea"/>
             </a:endParaRPr>
           </a:p>
           <a:p>
@@ -5424,8 +5417,8 @@
               <a:buNone/>
             </a:pPr>
             <a:endParaRPr lang="en-US" altLang="ko-KR" dirty="0">
-              <a:latin typeface="HY엽서M" panose="02030600000101010101" pitchFamily="18" charset="-127"/>
-              <a:ea typeface="HY엽서M" panose="02030600000101010101" pitchFamily="18" charset="-127"/>
+              <a:latin typeface="+mj-ea"/>
+              <a:ea typeface="+mj-ea"/>
             </a:endParaRPr>
           </a:p>
           <a:p>
@@ -5434,36 +5427,36 @@
             </a:pPr>
             <a:r>
               <a:rPr lang="en-US" altLang="ko-KR" dirty="0">
-                <a:latin typeface="HY엽서M" panose="02030600000101010101" pitchFamily="18" charset="-127"/>
-                <a:ea typeface="HY엽서M" panose="02030600000101010101" pitchFamily="18" charset="-127"/>
+                <a:latin typeface="+mj-ea"/>
+                <a:ea typeface="+mj-ea"/>
               </a:rPr>
               <a:t>-&gt; </a:t>
             </a:r>
             <a:r>
               <a:rPr lang="ko-KR" altLang="en-US" dirty="0">
-                <a:latin typeface="HY엽서M" panose="02030600000101010101" pitchFamily="18" charset="-127"/>
-                <a:ea typeface="HY엽서M" panose="02030600000101010101" pitchFamily="18" charset="-127"/>
+                <a:latin typeface="+mj-ea"/>
+                <a:ea typeface="+mj-ea"/>
               </a:rPr>
               <a:t>포격지원</a:t>
             </a:r>
             <a:r>
               <a:rPr lang="en-US" altLang="ko-KR" dirty="0">
-                <a:latin typeface="HY엽서M" panose="02030600000101010101" pitchFamily="18" charset="-127"/>
-                <a:ea typeface="HY엽서M" panose="02030600000101010101" pitchFamily="18" charset="-127"/>
+                <a:latin typeface="+mj-ea"/>
+                <a:ea typeface="+mj-ea"/>
               </a:rPr>
               <a:t>: </a:t>
             </a:r>
             <a:r>
               <a:rPr lang="ko-KR" altLang="en-US" dirty="0">
-                <a:latin typeface="HY엽서M" panose="02030600000101010101" pitchFamily="18" charset="-127"/>
-                <a:ea typeface="HY엽서M" panose="02030600000101010101" pitchFamily="18" charset="-127"/>
+                <a:latin typeface="+mj-ea"/>
+                <a:ea typeface="+mj-ea"/>
               </a:rPr>
               <a:t>스킬 범위 안의 적군에게 피해를 입힌다</a:t>
             </a:r>
             <a:r>
               <a:rPr lang="en-US" altLang="ko-KR" dirty="0">
-                <a:latin typeface="HY엽서M" panose="02030600000101010101" pitchFamily="18" charset="-127"/>
-                <a:ea typeface="HY엽서M" panose="02030600000101010101" pitchFamily="18" charset="-127"/>
+                <a:latin typeface="+mj-ea"/>
+                <a:ea typeface="+mj-ea"/>
               </a:rPr>
               <a:t>.</a:t>
             </a:r>
@@ -5474,50 +5467,50 @@
             </a:pPr>
             <a:r>
               <a:rPr lang="en-US" altLang="ko-KR" dirty="0">
-                <a:latin typeface="HY엽서M" panose="02030600000101010101" pitchFamily="18" charset="-127"/>
-                <a:ea typeface="HY엽서M" panose="02030600000101010101" pitchFamily="18" charset="-127"/>
+                <a:latin typeface="+mj-ea"/>
+                <a:ea typeface="+mj-ea"/>
               </a:rPr>
               <a:t>-&gt; </a:t>
             </a:r>
             <a:r>
               <a:rPr lang="ko-KR" altLang="en-US" dirty="0">
-                <a:latin typeface="HY엽서M" panose="02030600000101010101" pitchFamily="18" charset="-127"/>
-                <a:ea typeface="HY엽서M" panose="02030600000101010101" pitchFamily="18" charset="-127"/>
+                <a:latin typeface="+mj-ea"/>
+                <a:ea typeface="+mj-ea"/>
               </a:rPr>
               <a:t>타이탄</a:t>
             </a:r>
             <a:r>
               <a:rPr lang="en-US" altLang="ko-KR" dirty="0">
-                <a:latin typeface="HY엽서M" panose="02030600000101010101" pitchFamily="18" charset="-127"/>
-                <a:ea typeface="HY엽서M" panose="02030600000101010101" pitchFamily="18" charset="-127"/>
+                <a:latin typeface="+mj-ea"/>
+                <a:ea typeface="+mj-ea"/>
               </a:rPr>
               <a:t>: </a:t>
             </a:r>
             <a:r>
               <a:rPr lang="ko-KR" altLang="en-US" dirty="0">
-                <a:latin typeface="HY엽서M" panose="02030600000101010101" pitchFamily="18" charset="-127"/>
-                <a:ea typeface="HY엽서M" panose="02030600000101010101" pitchFamily="18" charset="-127"/>
+                <a:latin typeface="+mj-ea"/>
+                <a:ea typeface="+mj-ea"/>
               </a:rPr>
               <a:t>일정 시간동안 타고 다닐 수 있는 타이탄을 소환한다</a:t>
             </a:r>
             <a:r>
               <a:rPr lang="en-US" altLang="ko-KR" dirty="0">
-                <a:latin typeface="HY엽서M" panose="02030600000101010101" pitchFamily="18" charset="-127"/>
-                <a:ea typeface="HY엽서M" panose="02030600000101010101" pitchFamily="18" charset="-127"/>
+                <a:latin typeface="+mj-ea"/>
+                <a:ea typeface="+mj-ea"/>
               </a:rPr>
               <a:t>. </a:t>
             </a:r>
             <a:r>
               <a:rPr lang="ko-KR" altLang="en-US" dirty="0">
-                <a:latin typeface="HY엽서M" panose="02030600000101010101" pitchFamily="18" charset="-127"/>
-                <a:ea typeface="HY엽서M" panose="02030600000101010101" pitchFamily="18" charset="-127"/>
+                <a:latin typeface="+mj-ea"/>
+                <a:ea typeface="+mj-ea"/>
               </a:rPr>
               <a:t>타고 있는 경우 공격력과 사거리가 증가한다</a:t>
             </a:r>
             <a:r>
               <a:rPr lang="en-US" altLang="ko-KR" dirty="0">
-                <a:latin typeface="HY엽서M" panose="02030600000101010101" pitchFamily="18" charset="-127"/>
-                <a:ea typeface="HY엽서M" panose="02030600000101010101" pitchFamily="18" charset="-127"/>
+                <a:latin typeface="+mj-ea"/>
+                <a:ea typeface="+mj-ea"/>
               </a:rPr>
               <a:t>.</a:t>
             </a:r>
@@ -5526,26 +5519,29 @@
             <a:pPr marL="0" indent="0">
               <a:buNone/>
             </a:pPr>
-            <a:endParaRPr lang="en-US" altLang="ko-KR" dirty="0"/>
-          </a:p>
-          <a:p>
-            <a:r>
-              <a:rPr lang="en-US" altLang="ko-KR" dirty="0">
-                <a:latin typeface="HY엽서M" panose="02030600000101010101" pitchFamily="18" charset="-127"/>
-                <a:ea typeface="HY엽서M" panose="02030600000101010101" pitchFamily="18" charset="-127"/>
+            <a:endParaRPr lang="en-US" altLang="ko-KR" dirty="0">
+              <a:latin typeface="+mj-ea"/>
+              <a:ea typeface="+mj-ea"/>
+            </a:endParaRPr>
+          </a:p>
+          <a:p>
+            <a:r>
+              <a:rPr lang="en-US" altLang="ko-KR" dirty="0">
+                <a:latin typeface="+mj-ea"/>
+                <a:ea typeface="+mj-ea"/>
               </a:rPr>
               <a:t> </a:t>
             </a:r>
             <a:r>
               <a:rPr lang="ko-KR" altLang="en-US" dirty="0">
-                <a:latin typeface="HY엽서M" panose="02030600000101010101" pitchFamily="18" charset="-127"/>
-                <a:ea typeface="HY엽서M" panose="02030600000101010101" pitchFamily="18" charset="-127"/>
+                <a:latin typeface="+mj-ea"/>
+                <a:ea typeface="+mj-ea"/>
               </a:rPr>
               <a:t>무기 기관총</a:t>
             </a:r>
             <a:endParaRPr lang="en-US" altLang="ko-KR" dirty="0">
-              <a:latin typeface="HY엽서M" panose="02030600000101010101" pitchFamily="18" charset="-127"/>
-              <a:ea typeface="HY엽서M" panose="02030600000101010101" pitchFamily="18" charset="-127"/>
+              <a:latin typeface="+mj-ea"/>
+              <a:ea typeface="+mj-ea"/>
             </a:endParaRPr>
           </a:p>
           <a:p>
@@ -5593,168 +5589,12 @@
             <p:ph type="title"/>
           </p:nvPr>
         </p:nvSpPr>
-        <p:spPr/>
-        <p:txBody>
-          <a:bodyPr/>
-          <a:lstStyle/>
-          <a:p>
-            <a:r>
-              <a:rPr lang="en-US" altLang="ko-KR" dirty="0"/>
-              <a:t>3-2-g) </a:t>
-            </a:r>
-            <a:r>
-              <a:rPr lang="ko-KR" altLang="en-US" dirty="0"/>
-              <a:t>닌자</a:t>
-            </a:r>
-          </a:p>
-        </p:txBody>
-      </p:sp>
-      <p:sp>
-        <p:nvSpPr>
-          <p:cNvPr id="3" name="내용 개체 틀 2"/>
-          <p:cNvSpPr>
-            <a:spLocks noGrp="1"/>
-          </p:cNvSpPr>
-          <p:nvPr>
-            <p:ph idx="1"/>
-          </p:nvPr>
-        </p:nvSpPr>
-        <p:spPr/>
-        <p:txBody>
-          <a:bodyPr/>
-          <a:lstStyle/>
-          <a:p>
-            <a:r>
-              <a:rPr lang="ko-KR" altLang="en-US" dirty="0"/>
-              <a:t>미정</a:t>
-            </a:r>
-          </a:p>
-        </p:txBody>
-      </p:sp>
-    </p:spTree>
-    <p:extLst>
-      <p:ext uri="{BB962C8B-B14F-4D97-AF65-F5344CB8AC3E}">
-        <p14:creationId xmlns:p14="http://schemas.microsoft.com/office/powerpoint/2010/main" val="1094267975"/>
-      </p:ext>
-    </p:extLst>
-  </p:cSld>
-  <p:clrMapOvr>
-    <a:masterClrMapping/>
-  </p:clrMapOvr>
-</p:sld>
-</file>
-
-<file path=ppt/slides/slide18.xml><?xml version="1.0" encoding="utf-8"?>
-<p:sld xmlns:a="http://schemas.openxmlformats.org/drawingml/2006/main" xmlns:r="http://schemas.openxmlformats.org/officeDocument/2006/relationships" xmlns:p="http://schemas.openxmlformats.org/presentationml/2006/main">
-  <p:cSld>
-    <p:spTree>
-      <p:nvGrpSpPr>
-        <p:cNvPr id="1" name=""/>
-        <p:cNvGrpSpPr/>
-        <p:nvPr/>
-      </p:nvGrpSpPr>
-      <p:grpSpPr>
-        <a:xfrm>
-          <a:off x="0" y="0"/>
-          <a:ext cx="0" cy="0"/>
-          <a:chOff x="0" y="0"/>
-          <a:chExt cx="0" cy="0"/>
-        </a:xfrm>
-      </p:grpSpPr>
-      <p:sp>
-        <p:nvSpPr>
-          <p:cNvPr id="2" name="제목 1"/>
-          <p:cNvSpPr>
-            <a:spLocks noGrp="1"/>
-          </p:cNvSpPr>
-          <p:nvPr>
-            <p:ph type="title"/>
-          </p:nvPr>
-        </p:nvSpPr>
-        <p:spPr/>
-        <p:txBody>
-          <a:bodyPr/>
-          <a:lstStyle/>
-          <a:p>
-            <a:r>
-              <a:rPr lang="en-US" altLang="ko-KR" dirty="0"/>
-              <a:t>3-2-h) </a:t>
-            </a:r>
-            <a:r>
-              <a:rPr lang="ko-KR" altLang="en-US" dirty="0"/>
-              <a:t>에너지 </a:t>
-            </a:r>
-            <a:r>
-              <a:rPr lang="ko-KR" altLang="en-US" dirty="0" err="1"/>
-              <a:t>커맨더</a:t>
-            </a:r>
-            <a:endParaRPr lang="ko-KR" altLang="en-US" dirty="0"/>
-          </a:p>
-        </p:txBody>
-      </p:sp>
-      <p:sp>
-        <p:nvSpPr>
-          <p:cNvPr id="3" name="내용 개체 틀 2"/>
-          <p:cNvSpPr>
-            <a:spLocks noGrp="1"/>
-          </p:cNvSpPr>
-          <p:nvPr>
-            <p:ph idx="1"/>
-          </p:nvPr>
-        </p:nvSpPr>
-        <p:spPr/>
-        <p:txBody>
-          <a:bodyPr/>
-          <a:lstStyle/>
-          <a:p>
-            <a:r>
-              <a:rPr lang="ko-KR" altLang="en-US" dirty="0"/>
-              <a:t>미정</a:t>
-            </a:r>
-          </a:p>
-        </p:txBody>
-      </p:sp>
-    </p:spTree>
-    <p:extLst>
-      <p:ext uri="{BB962C8B-B14F-4D97-AF65-F5344CB8AC3E}">
-        <p14:creationId xmlns:p14="http://schemas.microsoft.com/office/powerpoint/2010/main" val="338116076"/>
-      </p:ext>
-    </p:extLst>
-  </p:cSld>
-  <p:clrMapOvr>
-    <a:masterClrMapping/>
-  </p:clrMapOvr>
-</p:sld>
-</file>
-
-<file path=ppt/slides/slide19.xml><?xml version="1.0" encoding="utf-8"?>
-<p:sld xmlns:a="http://schemas.openxmlformats.org/drawingml/2006/main" xmlns:r="http://schemas.openxmlformats.org/officeDocument/2006/relationships" xmlns:p="http://schemas.openxmlformats.org/presentationml/2006/main">
-  <p:cSld>
-    <p:spTree>
-      <p:nvGrpSpPr>
-        <p:cNvPr id="1" name=""/>
-        <p:cNvGrpSpPr/>
-        <p:nvPr/>
-      </p:nvGrpSpPr>
-      <p:grpSpPr>
-        <a:xfrm>
-          <a:off x="0" y="0"/>
-          <a:ext cx="0" cy="0"/>
-          <a:chOff x="0" y="0"/>
-          <a:chExt cx="0" cy="0"/>
-        </a:xfrm>
-      </p:grpSpPr>
-      <p:sp>
-        <p:nvSpPr>
-          <p:cNvPr id="2" name="제목 1"/>
-          <p:cNvSpPr>
-            <a:spLocks noGrp="1"/>
-          </p:cNvSpPr>
-          <p:nvPr>
-            <p:ph type="title"/>
-          </p:nvPr>
-        </p:nvSpPr>
-        <p:spPr/>
+        <p:spPr>
+          <a:xfrm>
+            <a:off x="1454797" y="569000"/>
+            <a:ext cx="9520158" cy="1049235"/>
+          </a:xfrm>
+        </p:spPr>
         <p:txBody>
           <a:bodyPr/>
           <a:lstStyle/>
@@ -5794,142 +5634,142 @@
           <a:p>
             <a:r>
               <a:rPr lang="ko-KR" altLang="en-US" sz="2400" dirty="0">
-                <a:latin typeface="HY엽서M" panose="02030600000101010101" pitchFamily="18" charset="-127"/>
-                <a:ea typeface="HY엽서M" panose="02030600000101010101" pitchFamily="18" charset="-127"/>
+                <a:latin typeface="+mj-ea"/>
+                <a:ea typeface="+mj-ea"/>
               </a:rPr>
               <a:t>용병단의 주적</a:t>
             </a:r>
             <a:r>
               <a:rPr lang="en-US" altLang="ko-KR" sz="2400" dirty="0">
-                <a:latin typeface="HY엽서M" panose="02030600000101010101" pitchFamily="18" charset="-127"/>
-                <a:ea typeface="HY엽서M" panose="02030600000101010101" pitchFamily="18" charset="-127"/>
+                <a:latin typeface="+mj-ea"/>
+                <a:ea typeface="+mj-ea"/>
               </a:rPr>
               <a:t>, </a:t>
             </a:r>
             <a:r>
               <a:rPr lang="ko-KR" altLang="en-US" sz="2400" dirty="0">
-                <a:latin typeface="HY엽서M" panose="02030600000101010101" pitchFamily="18" charset="-127"/>
-                <a:ea typeface="HY엽서M" panose="02030600000101010101" pitchFamily="18" charset="-127"/>
+                <a:latin typeface="+mj-ea"/>
+                <a:ea typeface="+mj-ea"/>
               </a:rPr>
               <a:t>행성 주민들에게 피해를 끼치며 퇴치해야만 하는 것</a:t>
             </a:r>
             <a:r>
               <a:rPr lang="en-US" altLang="ko-KR" sz="2400" dirty="0">
-                <a:latin typeface="HY엽서M" panose="02030600000101010101" pitchFamily="18" charset="-127"/>
-                <a:ea typeface="HY엽서M" panose="02030600000101010101" pitchFamily="18" charset="-127"/>
+                <a:latin typeface="+mj-ea"/>
+                <a:ea typeface="+mj-ea"/>
               </a:rPr>
               <a:t>.</a:t>
             </a:r>
           </a:p>
           <a:p>
             <a:endParaRPr lang="en-US" altLang="ko-KR" sz="2400" dirty="0">
-              <a:latin typeface="HY엽서M" panose="02030600000101010101" pitchFamily="18" charset="-127"/>
-              <a:ea typeface="HY엽서M" panose="02030600000101010101" pitchFamily="18" charset="-127"/>
+              <a:latin typeface="+mj-ea"/>
+              <a:ea typeface="+mj-ea"/>
             </a:endParaRPr>
           </a:p>
           <a:p>
             <a:r>
               <a:rPr lang="ko-KR" altLang="en-US" sz="2400" dirty="0">
-                <a:latin typeface="HY엽서M" panose="02030600000101010101" pitchFamily="18" charset="-127"/>
-                <a:ea typeface="HY엽서M" panose="02030600000101010101" pitchFamily="18" charset="-127"/>
+                <a:latin typeface="+mj-ea"/>
+                <a:ea typeface="+mj-ea"/>
               </a:rPr>
               <a:t>외형</a:t>
             </a:r>
             <a:r>
               <a:rPr lang="en-US" altLang="ko-KR" sz="2400" dirty="0">
-                <a:latin typeface="HY엽서M" panose="02030600000101010101" pitchFamily="18" charset="-127"/>
-                <a:ea typeface="HY엽서M" panose="02030600000101010101" pitchFamily="18" charset="-127"/>
+                <a:latin typeface="+mj-ea"/>
+                <a:ea typeface="+mj-ea"/>
               </a:rPr>
               <a:t>(</a:t>
             </a:r>
             <a:r>
               <a:rPr lang="ko-KR" altLang="en-US" sz="2400" dirty="0">
-                <a:latin typeface="HY엽서M" panose="02030600000101010101" pitchFamily="18" charset="-127"/>
-                <a:ea typeface="HY엽서M" panose="02030600000101010101" pitchFamily="18" charset="-127"/>
+                <a:latin typeface="+mj-ea"/>
+                <a:ea typeface="+mj-ea"/>
               </a:rPr>
               <a:t>컨셉</a:t>
             </a:r>
             <a:r>
               <a:rPr lang="en-US" altLang="ko-KR" sz="2400" dirty="0">
-                <a:latin typeface="HY엽서M" panose="02030600000101010101" pitchFamily="18" charset="-127"/>
-                <a:ea typeface="HY엽서M" panose="02030600000101010101" pitchFamily="18" charset="-127"/>
+                <a:latin typeface="+mj-ea"/>
+                <a:ea typeface="+mj-ea"/>
               </a:rPr>
               <a:t>)</a:t>
             </a:r>
             <a:r>
               <a:rPr lang="ko-KR" altLang="en-US" sz="2400" dirty="0">
-                <a:latin typeface="HY엽서M" panose="02030600000101010101" pitchFamily="18" charset="-127"/>
-                <a:ea typeface="HY엽서M" panose="02030600000101010101" pitchFamily="18" charset="-127"/>
+                <a:latin typeface="+mj-ea"/>
+                <a:ea typeface="+mj-ea"/>
               </a:rPr>
               <a:t>은 </a:t>
             </a:r>
             <a:r>
               <a:rPr lang="ko-KR" altLang="en-US" sz="2400" dirty="0" err="1">
-                <a:latin typeface="HY엽서M" panose="02030600000101010101" pitchFamily="18" charset="-127"/>
-                <a:ea typeface="HY엽서M" panose="02030600000101010101" pitchFamily="18" charset="-127"/>
+                <a:latin typeface="+mj-ea"/>
+                <a:ea typeface="+mj-ea"/>
               </a:rPr>
               <a:t>헬보이</a:t>
             </a:r>
             <a:r>
               <a:rPr lang="en-US" altLang="ko-KR" sz="2400" dirty="0">
-                <a:latin typeface="HY엽서M" panose="02030600000101010101" pitchFamily="18" charset="-127"/>
-                <a:ea typeface="HY엽서M" panose="02030600000101010101" pitchFamily="18" charset="-127"/>
+                <a:latin typeface="+mj-ea"/>
+                <a:ea typeface="+mj-ea"/>
               </a:rPr>
               <a:t>,</a:t>
             </a:r>
             <a:r>
               <a:rPr lang="ko-KR" altLang="en-US" sz="2400" dirty="0">
-                <a:latin typeface="HY엽서M" panose="02030600000101010101" pitchFamily="18" charset="-127"/>
-                <a:ea typeface="HY엽서M" panose="02030600000101010101" pitchFamily="18" charset="-127"/>
+                <a:latin typeface="+mj-ea"/>
+                <a:ea typeface="+mj-ea"/>
               </a:rPr>
               <a:t> </a:t>
             </a:r>
             <a:r>
               <a:rPr lang="ko-KR" altLang="en-US" sz="2400" dirty="0" err="1">
-                <a:latin typeface="HY엽서M" panose="02030600000101010101" pitchFamily="18" charset="-127"/>
-                <a:ea typeface="HY엽서M" panose="02030600000101010101" pitchFamily="18" charset="-127"/>
+                <a:latin typeface="+mj-ea"/>
+                <a:ea typeface="+mj-ea"/>
               </a:rPr>
               <a:t>에일리언</a:t>
             </a:r>
             <a:r>
               <a:rPr lang="ko-KR" altLang="en-US" sz="2400" dirty="0">
-                <a:latin typeface="HY엽서M" panose="02030600000101010101" pitchFamily="18" charset="-127"/>
-                <a:ea typeface="HY엽서M" panose="02030600000101010101" pitchFamily="18" charset="-127"/>
+                <a:latin typeface="+mj-ea"/>
+                <a:ea typeface="+mj-ea"/>
               </a:rPr>
               <a:t> 대 </a:t>
             </a:r>
             <a:r>
               <a:rPr lang="ko-KR" altLang="en-US" sz="2400" dirty="0" err="1">
-                <a:latin typeface="HY엽서M" panose="02030600000101010101" pitchFamily="18" charset="-127"/>
-                <a:ea typeface="HY엽서M" panose="02030600000101010101" pitchFamily="18" charset="-127"/>
+                <a:latin typeface="+mj-ea"/>
+                <a:ea typeface="+mj-ea"/>
               </a:rPr>
               <a:t>프레데터</a:t>
             </a:r>
             <a:r>
               <a:rPr lang="en-US" altLang="ko-KR" sz="2400" dirty="0">
-                <a:latin typeface="HY엽서M" panose="02030600000101010101" pitchFamily="18" charset="-127"/>
-                <a:ea typeface="HY엽서M" panose="02030600000101010101" pitchFamily="18" charset="-127"/>
+                <a:latin typeface="+mj-ea"/>
+                <a:ea typeface="+mj-ea"/>
               </a:rPr>
               <a:t>, </a:t>
             </a:r>
             <a:r>
               <a:rPr lang="ko-KR" altLang="en-US" sz="2400" dirty="0" err="1">
-                <a:latin typeface="HY엽서M" panose="02030600000101010101" pitchFamily="18" charset="-127"/>
-                <a:ea typeface="HY엽서M" panose="02030600000101010101" pitchFamily="18" charset="-127"/>
+                <a:latin typeface="+mj-ea"/>
+                <a:ea typeface="+mj-ea"/>
               </a:rPr>
               <a:t>헤일로의</a:t>
             </a:r>
             <a:r>
               <a:rPr lang="ko-KR" altLang="en-US" sz="2400" dirty="0">
-                <a:latin typeface="HY엽서M" panose="02030600000101010101" pitchFamily="18" charset="-127"/>
-                <a:ea typeface="HY엽서M" panose="02030600000101010101" pitchFamily="18" charset="-127"/>
+                <a:latin typeface="+mj-ea"/>
+                <a:ea typeface="+mj-ea"/>
               </a:rPr>
               <a:t> 외계 생명체와 비슷하다</a:t>
             </a:r>
             <a:r>
               <a:rPr lang="en-US" altLang="ko-KR" sz="2400" dirty="0">
-                <a:latin typeface="HY엽서M" panose="02030600000101010101" pitchFamily="18" charset="-127"/>
-                <a:ea typeface="HY엽서M" panose="02030600000101010101" pitchFamily="18" charset="-127"/>
+                <a:latin typeface="+mj-ea"/>
+                <a:ea typeface="+mj-ea"/>
               </a:rPr>
               <a:t>.</a:t>
             </a:r>
@@ -6135,6 +5975,571 @@
 </p:sld>
 </file>
 
+<file path=ppt/slides/slide18.xml><?xml version="1.0" encoding="utf-8"?>
+<p:sld xmlns:a="http://schemas.openxmlformats.org/drawingml/2006/main" xmlns:r="http://schemas.openxmlformats.org/officeDocument/2006/relationships" xmlns:p="http://schemas.openxmlformats.org/presentationml/2006/main">
+  <p:cSld>
+    <p:spTree>
+      <p:nvGrpSpPr>
+        <p:cNvPr id="1" name=""/>
+        <p:cNvGrpSpPr/>
+        <p:nvPr/>
+      </p:nvGrpSpPr>
+      <p:grpSpPr>
+        <a:xfrm>
+          <a:off x="0" y="0"/>
+          <a:ext cx="0" cy="0"/>
+          <a:chOff x="0" y="0"/>
+          <a:chExt cx="0" cy="0"/>
+        </a:xfrm>
+      </p:grpSpPr>
+      <p:sp>
+        <p:nvSpPr>
+          <p:cNvPr id="2" name="제목 1"/>
+          <p:cNvSpPr>
+            <a:spLocks noGrp="1"/>
+          </p:cNvSpPr>
+          <p:nvPr>
+            <p:ph type="title"/>
+          </p:nvPr>
+        </p:nvSpPr>
+        <p:spPr/>
+        <p:txBody>
+          <a:bodyPr/>
+          <a:lstStyle/>
+          <a:p>
+            <a:r>
+              <a:rPr lang="en-US" altLang="ko-KR" dirty="0"/>
+              <a:t>3-4. </a:t>
+            </a:r>
+            <a:r>
+              <a:rPr lang="ko-KR" altLang="en-US" dirty="0"/>
+              <a:t>퀘스트</a:t>
+            </a:r>
+          </a:p>
+        </p:txBody>
+      </p:sp>
+      <p:sp>
+        <p:nvSpPr>
+          <p:cNvPr id="3" name="내용 개체 틀 2"/>
+          <p:cNvSpPr>
+            <a:spLocks noGrp="1"/>
+          </p:cNvSpPr>
+          <p:nvPr>
+            <p:ph idx="1"/>
+          </p:nvPr>
+        </p:nvSpPr>
+        <p:spPr/>
+        <p:txBody>
+          <a:bodyPr>
+            <a:normAutofit/>
+          </a:bodyPr>
+          <a:lstStyle/>
+          <a:p>
+            <a:r>
+              <a:rPr lang="ko-KR" altLang="en-US" dirty="0">
+                <a:latin typeface="+mj-ea"/>
+                <a:ea typeface="+mj-ea"/>
+              </a:rPr>
+              <a:t>퀘스트는 의뢰소에서 받을 수 있으며 난이도에 따라 받을 수 있는 골드의 양이 다르다</a:t>
+            </a:r>
+            <a:r>
+              <a:rPr lang="en-US" altLang="ko-KR" dirty="0">
+                <a:latin typeface="+mj-ea"/>
+                <a:ea typeface="+mj-ea"/>
+              </a:rPr>
+              <a:t>.</a:t>
+            </a:r>
+          </a:p>
+          <a:p>
+            <a:r>
+              <a:rPr lang="ko-KR" altLang="en-US" dirty="0">
+                <a:latin typeface="+mj-ea"/>
+                <a:ea typeface="+mj-ea"/>
+              </a:rPr>
+              <a:t>난이도는 별로 구분하며 </a:t>
+            </a:r>
+            <a:r>
+              <a:rPr lang="en-US" altLang="ko-KR" dirty="0">
+                <a:latin typeface="+mj-ea"/>
+                <a:ea typeface="+mj-ea"/>
+              </a:rPr>
+              <a:t>1</a:t>
+            </a:r>
+            <a:r>
+              <a:rPr lang="ko-KR" altLang="en-US" dirty="0">
+                <a:latin typeface="+mj-ea"/>
+                <a:ea typeface="+mj-ea"/>
+              </a:rPr>
+              <a:t>성부터 최대 </a:t>
+            </a:r>
+            <a:r>
+              <a:rPr lang="en-US" altLang="ko-KR" dirty="0">
+                <a:latin typeface="+mj-ea"/>
+                <a:ea typeface="+mj-ea"/>
+              </a:rPr>
+              <a:t>7</a:t>
+            </a:r>
+            <a:r>
+              <a:rPr lang="ko-KR" altLang="en-US" dirty="0">
+                <a:latin typeface="+mj-ea"/>
+                <a:ea typeface="+mj-ea"/>
+              </a:rPr>
+              <a:t>성까지 존재한다</a:t>
+            </a:r>
+            <a:r>
+              <a:rPr lang="en-US" altLang="ko-KR" dirty="0">
+                <a:latin typeface="+mj-ea"/>
+                <a:ea typeface="+mj-ea"/>
+              </a:rPr>
+              <a:t>.</a:t>
+            </a:r>
+          </a:p>
+          <a:p>
+            <a:endParaRPr lang="en-US" altLang="ko-KR" dirty="0">
+              <a:latin typeface="+mj-ea"/>
+              <a:ea typeface="+mj-ea"/>
+            </a:endParaRPr>
+          </a:p>
+          <a:p>
+            <a:r>
+              <a:rPr lang="ko-KR" altLang="en-US" dirty="0">
+                <a:latin typeface="+mj-ea"/>
+                <a:ea typeface="+mj-ea"/>
+              </a:rPr>
+              <a:t>각 난이도 마다 적게는 </a:t>
+            </a:r>
+            <a:r>
+              <a:rPr lang="en-US" altLang="ko-KR" dirty="0">
+                <a:latin typeface="+mj-ea"/>
+                <a:ea typeface="+mj-ea"/>
+              </a:rPr>
+              <a:t>7</a:t>
+            </a:r>
+            <a:r>
+              <a:rPr lang="ko-KR" altLang="en-US" dirty="0">
+                <a:latin typeface="+mj-ea"/>
+                <a:ea typeface="+mj-ea"/>
+              </a:rPr>
+              <a:t>개 많게는 </a:t>
+            </a:r>
+            <a:r>
+              <a:rPr lang="en-US" altLang="ko-KR" dirty="0">
+                <a:latin typeface="+mj-ea"/>
+                <a:ea typeface="+mj-ea"/>
+              </a:rPr>
+              <a:t>13</a:t>
+            </a:r>
+            <a:r>
+              <a:rPr lang="ko-KR" altLang="en-US" dirty="0">
+                <a:latin typeface="+mj-ea"/>
+                <a:ea typeface="+mj-ea"/>
+              </a:rPr>
+              <a:t>개의 퀘스트가 존재한다</a:t>
+            </a:r>
+            <a:r>
+              <a:rPr lang="en-US" altLang="ko-KR" dirty="0">
+                <a:latin typeface="+mj-ea"/>
+                <a:ea typeface="+mj-ea"/>
+              </a:rPr>
+              <a:t>.</a:t>
+            </a:r>
+          </a:p>
+          <a:p>
+            <a:endParaRPr lang="en-US" altLang="ko-KR" dirty="0">
+              <a:latin typeface="+mj-ea"/>
+              <a:ea typeface="+mj-ea"/>
+            </a:endParaRPr>
+          </a:p>
+          <a:p>
+            <a:r>
+              <a:rPr lang="ko-KR" altLang="en-US" dirty="0">
+                <a:latin typeface="+mj-ea"/>
+                <a:ea typeface="+mj-ea"/>
+              </a:rPr>
+              <a:t>난이도가 점차 올라가는 자유사냥 퀘스트 또한 존재한다</a:t>
+            </a:r>
+            <a:r>
+              <a:rPr lang="en-US" altLang="ko-KR" dirty="0">
+                <a:latin typeface="+mj-ea"/>
+                <a:ea typeface="+mj-ea"/>
+              </a:rPr>
+              <a:t>.</a:t>
+            </a:r>
+          </a:p>
+        </p:txBody>
+      </p:sp>
+      <p:pic>
+        <p:nvPicPr>
+          <p:cNvPr id="4" name="그림 3"/>
+          <p:cNvPicPr>
+            <a:picLocks noChangeAspect="1"/>
+          </p:cNvPicPr>
+          <p:nvPr/>
+        </p:nvPicPr>
+        <p:blipFill>
+          <a:blip r:embed="rId2">
+            <a:extLst>
+              <a:ext uri="{28A0092B-C50C-407E-A947-70E740481C1C}">
+                <a14:useLocalDpi xmlns:a14="http://schemas.microsoft.com/office/drawing/2010/main" val="0"/>
+              </a:ext>
+            </a:extLst>
+          </a:blip>
+          <a:stretch>
+            <a:fillRect/>
+          </a:stretch>
+        </p:blipFill>
+        <p:spPr>
+          <a:xfrm>
+            <a:off x="9086850" y="3343274"/>
+            <a:ext cx="2962900" cy="1971675"/>
+          </a:xfrm>
+          <a:prstGeom prst="rect">
+            <a:avLst/>
+          </a:prstGeom>
+        </p:spPr>
+      </p:pic>
+      <p:sp>
+        <p:nvSpPr>
+          <p:cNvPr id="6" name="TextBox 5"/>
+          <p:cNvSpPr txBox="1"/>
+          <p:nvPr/>
+        </p:nvSpPr>
+        <p:spPr>
+          <a:xfrm>
+            <a:off x="10067278" y="5466345"/>
+            <a:ext cx="1817795" cy="369332"/>
+          </a:xfrm>
+          <a:prstGeom prst="rect">
+            <a:avLst/>
+          </a:prstGeom>
+          <a:noFill/>
+        </p:spPr>
+        <p:txBody>
+          <a:bodyPr wrap="square" rtlCol="0">
+            <a:spAutoFit/>
+          </a:bodyPr>
+          <a:lstStyle/>
+          <a:p>
+            <a:r>
+              <a:rPr lang="en-US" altLang="ko-KR" dirty="0">
+                <a:solidFill>
+                  <a:schemeClr val="accent6">
+                    <a:lumMod val="75000"/>
+                  </a:schemeClr>
+                </a:solidFill>
+              </a:rPr>
+              <a:t>Ex)</a:t>
+            </a:r>
+            <a:r>
+              <a:rPr lang="ko-KR" altLang="en-US" dirty="0">
+                <a:solidFill>
+                  <a:schemeClr val="accent6">
+                    <a:lumMod val="75000"/>
+                  </a:schemeClr>
+                </a:solidFill>
+              </a:rPr>
+              <a:t>몬스터 헌터</a:t>
+            </a:r>
+          </a:p>
+        </p:txBody>
+      </p:sp>
+    </p:spTree>
+    <p:extLst>
+      <p:ext uri="{BB962C8B-B14F-4D97-AF65-F5344CB8AC3E}">
+        <p14:creationId xmlns:p14="http://schemas.microsoft.com/office/powerpoint/2010/main" val="1121264974"/>
+      </p:ext>
+    </p:extLst>
+  </p:cSld>
+  <p:clrMapOvr>
+    <a:masterClrMapping/>
+  </p:clrMapOvr>
+</p:sld>
+</file>
+
+<file path=ppt/slides/slide19.xml><?xml version="1.0" encoding="utf-8"?>
+<p:sld xmlns:a="http://schemas.openxmlformats.org/drawingml/2006/main" xmlns:r="http://schemas.openxmlformats.org/officeDocument/2006/relationships" xmlns:p="http://schemas.openxmlformats.org/presentationml/2006/main">
+  <p:cSld>
+    <p:spTree>
+      <p:nvGrpSpPr>
+        <p:cNvPr id="1" name=""/>
+        <p:cNvGrpSpPr/>
+        <p:nvPr/>
+      </p:nvGrpSpPr>
+      <p:grpSpPr>
+        <a:xfrm>
+          <a:off x="0" y="0"/>
+          <a:ext cx="0" cy="0"/>
+          <a:chOff x="0" y="0"/>
+          <a:chExt cx="0" cy="0"/>
+        </a:xfrm>
+      </p:grpSpPr>
+      <p:sp>
+        <p:nvSpPr>
+          <p:cNvPr id="2" name="제목 1"/>
+          <p:cNvSpPr>
+            <a:spLocks noGrp="1"/>
+          </p:cNvSpPr>
+          <p:nvPr>
+            <p:ph type="title"/>
+          </p:nvPr>
+        </p:nvSpPr>
+        <p:spPr/>
+        <p:txBody>
+          <a:bodyPr/>
+          <a:lstStyle/>
+          <a:p>
+            <a:r>
+              <a:rPr lang="en-US" altLang="ko-KR" dirty="0"/>
+              <a:t>3-5. </a:t>
+            </a:r>
+            <a:r>
+              <a:rPr lang="ko-KR" altLang="en-US" dirty="0"/>
+              <a:t>장비</a:t>
+            </a:r>
+          </a:p>
+        </p:txBody>
+      </p:sp>
+      <p:sp>
+        <p:nvSpPr>
+          <p:cNvPr id="3" name="내용 개체 틀 2"/>
+          <p:cNvSpPr>
+            <a:spLocks noGrp="1"/>
+          </p:cNvSpPr>
+          <p:nvPr>
+            <p:ph idx="1"/>
+          </p:nvPr>
+        </p:nvSpPr>
+        <p:spPr/>
+        <p:txBody>
+          <a:bodyPr>
+            <a:normAutofit/>
+          </a:bodyPr>
+          <a:lstStyle/>
+          <a:p>
+            <a:r>
+              <a:rPr lang="ko-KR" altLang="en-US" dirty="0">
+                <a:latin typeface="+mj-ea"/>
+                <a:ea typeface="+mj-ea"/>
+              </a:rPr>
+              <a:t>머리</a:t>
+            </a:r>
+            <a:r>
+              <a:rPr lang="en-US" altLang="ko-KR" dirty="0">
+                <a:latin typeface="+mj-ea"/>
+                <a:ea typeface="+mj-ea"/>
+              </a:rPr>
+              <a:t>, </a:t>
+            </a:r>
+            <a:r>
+              <a:rPr lang="ko-KR" altLang="en-US" dirty="0">
+                <a:latin typeface="+mj-ea"/>
+                <a:ea typeface="+mj-ea"/>
+              </a:rPr>
+              <a:t>몸통</a:t>
+            </a:r>
+            <a:r>
+              <a:rPr lang="en-US" altLang="ko-KR" dirty="0">
+                <a:latin typeface="+mj-ea"/>
+                <a:ea typeface="+mj-ea"/>
+              </a:rPr>
+              <a:t>, </a:t>
+            </a:r>
+            <a:r>
+              <a:rPr lang="ko-KR" altLang="en-US" dirty="0">
+                <a:latin typeface="+mj-ea"/>
+                <a:ea typeface="+mj-ea"/>
+              </a:rPr>
+              <a:t>장화</a:t>
+            </a:r>
+            <a:r>
+              <a:rPr lang="en-US" altLang="ko-KR" dirty="0">
+                <a:latin typeface="+mj-ea"/>
+                <a:ea typeface="+mj-ea"/>
+              </a:rPr>
+              <a:t>, </a:t>
+            </a:r>
+            <a:r>
+              <a:rPr lang="ko-KR" altLang="en-US" dirty="0">
+                <a:latin typeface="+mj-ea"/>
+                <a:ea typeface="+mj-ea"/>
+              </a:rPr>
+              <a:t>장갑</a:t>
+            </a:r>
+            <a:r>
+              <a:rPr lang="en-US" altLang="ko-KR" dirty="0">
+                <a:latin typeface="+mj-ea"/>
+                <a:ea typeface="+mj-ea"/>
+              </a:rPr>
+              <a:t>:</a:t>
+            </a:r>
+            <a:r>
+              <a:rPr lang="ko-KR" altLang="en-US" dirty="0">
+                <a:latin typeface="+mj-ea"/>
+                <a:ea typeface="+mj-ea"/>
+              </a:rPr>
+              <a:t> 주요 방어 구</a:t>
+            </a:r>
+            <a:endParaRPr lang="en-US" altLang="ko-KR" dirty="0">
+              <a:latin typeface="+mj-ea"/>
+              <a:ea typeface="+mj-ea"/>
+            </a:endParaRPr>
+          </a:p>
+          <a:p>
+            <a:pPr marL="0" indent="0">
+              <a:buNone/>
+            </a:pPr>
+            <a:endParaRPr lang="en-US" altLang="ko-KR" dirty="0">
+              <a:latin typeface="+mj-ea"/>
+              <a:ea typeface="+mj-ea"/>
+            </a:endParaRPr>
+          </a:p>
+          <a:p>
+            <a:pPr marL="0" indent="0">
+              <a:buNone/>
+            </a:pPr>
+            <a:r>
+              <a:rPr lang="en-US" altLang="ko-KR" dirty="0">
+                <a:latin typeface="+mj-ea"/>
+                <a:ea typeface="+mj-ea"/>
+              </a:rPr>
+              <a:t>. </a:t>
+            </a:r>
+            <a:r>
+              <a:rPr lang="ko-KR" altLang="en-US" dirty="0">
+                <a:latin typeface="+mj-ea"/>
+                <a:ea typeface="+mj-ea"/>
+              </a:rPr>
+              <a:t>각자의 특성에 맞는 무기가 있다</a:t>
+            </a:r>
+            <a:r>
+              <a:rPr lang="en-US" altLang="ko-KR" dirty="0">
+                <a:latin typeface="+mj-ea"/>
+                <a:ea typeface="+mj-ea"/>
+              </a:rPr>
+              <a:t>.</a:t>
+            </a:r>
+          </a:p>
+          <a:p>
+            <a:pPr marL="0" indent="0">
+              <a:buNone/>
+            </a:pPr>
+            <a:endParaRPr lang="en-US" altLang="ko-KR" dirty="0">
+              <a:latin typeface="+mj-ea"/>
+              <a:ea typeface="+mj-ea"/>
+            </a:endParaRPr>
+          </a:p>
+          <a:p>
+            <a:r>
+              <a:rPr lang="ko-KR" altLang="en-US" dirty="0">
+                <a:latin typeface="+mj-ea"/>
+                <a:ea typeface="+mj-ea"/>
+              </a:rPr>
+              <a:t>장비는 고유 장착이 되어 있으며 각각 따로 강화 시켜야 한다</a:t>
+            </a:r>
+            <a:r>
+              <a:rPr lang="en-US" altLang="ko-KR" dirty="0">
+                <a:latin typeface="+mj-ea"/>
+                <a:ea typeface="+mj-ea"/>
+              </a:rPr>
+              <a:t>.</a:t>
+            </a:r>
+          </a:p>
+          <a:p>
+            <a:endParaRPr lang="en-US" altLang="ko-KR" dirty="0">
+              <a:latin typeface="HY엽서M" panose="02030600000101010101" pitchFamily="18" charset="-127"/>
+              <a:ea typeface="HY엽서M" panose="02030600000101010101" pitchFamily="18" charset="-127"/>
+            </a:endParaRPr>
+          </a:p>
+        </p:txBody>
+      </p:sp>
+      <p:pic>
+        <p:nvPicPr>
+          <p:cNvPr id="4" name="그림 3"/>
+          <p:cNvPicPr>
+            <a:picLocks noChangeAspect="1"/>
+          </p:cNvPicPr>
+          <p:nvPr/>
+        </p:nvPicPr>
+        <p:blipFill>
+          <a:blip r:embed="rId2">
+            <a:extLst>
+              <a:ext uri="{28A0092B-C50C-407E-A947-70E740481C1C}">
+                <a14:useLocalDpi xmlns:a14="http://schemas.microsoft.com/office/drawing/2010/main" val="0"/>
+              </a:ext>
+            </a:extLst>
+          </a:blip>
+          <a:stretch>
+            <a:fillRect/>
+          </a:stretch>
+        </p:blipFill>
+        <p:spPr>
+          <a:xfrm>
+            <a:off x="7397254" y="1862632"/>
+            <a:ext cx="3657600" cy="2056164"/>
+          </a:xfrm>
+          <a:prstGeom prst="rect">
+            <a:avLst/>
+          </a:prstGeom>
+        </p:spPr>
+      </p:pic>
+      <p:sp>
+        <p:nvSpPr>
+          <p:cNvPr id="5" name="TextBox 4"/>
+          <p:cNvSpPr txBox="1"/>
+          <p:nvPr/>
+        </p:nvSpPr>
+        <p:spPr>
+          <a:xfrm>
+            <a:off x="9363075" y="4048125"/>
+            <a:ext cx="2080242" cy="369332"/>
+          </a:xfrm>
+          <a:prstGeom prst="rect">
+            <a:avLst/>
+          </a:prstGeom>
+          <a:noFill/>
+        </p:spPr>
+        <p:txBody>
+          <a:bodyPr wrap="square" rtlCol="0">
+            <a:spAutoFit/>
+          </a:bodyPr>
+          <a:lstStyle/>
+          <a:p>
+            <a:r>
+              <a:rPr lang="en-US" altLang="ko-KR" dirty="0">
+                <a:solidFill>
+                  <a:schemeClr val="accent6">
+                    <a:lumMod val="75000"/>
+                  </a:schemeClr>
+                </a:solidFill>
+              </a:rPr>
+              <a:t>EX)</a:t>
+            </a:r>
+            <a:r>
+              <a:rPr lang="ko-KR" altLang="en-US" dirty="0">
+                <a:solidFill>
+                  <a:schemeClr val="accent6">
+                    <a:lumMod val="75000"/>
+                  </a:schemeClr>
+                </a:solidFill>
+              </a:rPr>
+              <a:t>용사는 진행중</a:t>
+            </a:r>
+          </a:p>
+        </p:txBody>
+      </p:sp>
+    </p:spTree>
+    <p:extLst>
+      <p:ext uri="{BB962C8B-B14F-4D97-AF65-F5344CB8AC3E}">
+        <p14:creationId xmlns:p14="http://schemas.microsoft.com/office/powerpoint/2010/main" val="1619902808"/>
+      </p:ext>
+    </p:extLst>
+  </p:cSld>
+  <p:clrMapOvr>
+    <a:masterClrMapping/>
+  </p:clrMapOvr>
+</p:sld>
+</file>
+
 <file path=ppt/slides/slide2.xml><?xml version="1.0" encoding="utf-8"?>
 <p:sld xmlns:a="http://schemas.openxmlformats.org/drawingml/2006/main" xmlns:r="http://schemas.openxmlformats.org/officeDocument/2006/relationships" xmlns:p="http://schemas.openxmlformats.org/presentationml/2006/main">
   <p:cSld>
@@ -6292,11 +6697,11 @@
           <a:p>
             <a:r>
               <a:rPr lang="en-US" altLang="ko-KR" dirty="0"/>
-              <a:t>3-4. </a:t>
+              <a:t>3-6. </a:t>
             </a:r>
             <a:r>
               <a:rPr lang="ko-KR" altLang="en-US" dirty="0"/>
-              <a:t>퀘스트</a:t>
+              <a:t>강화요소</a:t>
             </a:r>
           </a:p>
         </p:txBody>
@@ -6313,223 +6718,128 @@
         </p:nvSpPr>
         <p:spPr/>
         <p:txBody>
-          <a:bodyPr>
-            <a:normAutofit/>
-          </a:bodyPr>
+          <a:bodyPr/>
           <a:lstStyle/>
           <a:p>
             <a:r>
-              <a:rPr lang="ko-KR" altLang="en-US" dirty="0">
-                <a:latin typeface="HY엽서M" panose="02030600000101010101" pitchFamily="18" charset="-127"/>
-                <a:ea typeface="HY엽서M" panose="02030600000101010101" pitchFamily="18" charset="-127"/>
-              </a:rPr>
-              <a:t>퀘스트는 의뢰소에서 받을 수 있으며 난이도에 따라 받을 수 있는 골드의 양이 다르다</a:t>
-            </a:r>
-            <a:r>
-              <a:rPr lang="en-US" altLang="ko-KR" dirty="0">
-                <a:latin typeface="HY엽서M" panose="02030600000101010101" pitchFamily="18" charset="-127"/>
-                <a:ea typeface="HY엽서M" panose="02030600000101010101" pitchFamily="18" charset="-127"/>
-              </a:rPr>
+              <a:rPr lang="ko-KR" altLang="en-US" dirty="0"/>
+              <a:t>모든 방어구는 각자 특성을 가지고 있다</a:t>
+            </a:r>
+            <a:r>
+              <a:rPr lang="en-US" altLang="ko-KR" dirty="0"/>
               <a:t>.</a:t>
             </a:r>
           </a:p>
           <a:p>
             <a:r>
-              <a:rPr lang="ko-KR" altLang="en-US" dirty="0">
-                <a:latin typeface="HY엽서M" panose="02030600000101010101" pitchFamily="18" charset="-127"/>
-                <a:ea typeface="HY엽서M" panose="02030600000101010101" pitchFamily="18" charset="-127"/>
-              </a:rPr>
-              <a:t>난이도는 별로 구분하며 </a:t>
-            </a:r>
-            <a:r>
-              <a:rPr lang="en-US" altLang="ko-KR" dirty="0">
-                <a:latin typeface="HY엽서M" panose="02030600000101010101" pitchFamily="18" charset="-127"/>
-                <a:ea typeface="HY엽서M" panose="02030600000101010101" pitchFamily="18" charset="-127"/>
-              </a:rPr>
-              <a:t>1</a:t>
-            </a:r>
-            <a:r>
-              <a:rPr lang="ko-KR" altLang="en-US" dirty="0">
-                <a:latin typeface="HY엽서M" panose="02030600000101010101" pitchFamily="18" charset="-127"/>
-                <a:ea typeface="HY엽서M" panose="02030600000101010101" pitchFamily="18" charset="-127"/>
-              </a:rPr>
-              <a:t>성부터 최대 </a:t>
-            </a:r>
-            <a:r>
-              <a:rPr lang="en-US" altLang="ko-KR" dirty="0">
-                <a:latin typeface="HY엽서M" panose="02030600000101010101" pitchFamily="18" charset="-127"/>
-                <a:ea typeface="HY엽서M" panose="02030600000101010101" pitchFamily="18" charset="-127"/>
-              </a:rPr>
-              <a:t>7</a:t>
-            </a:r>
-            <a:r>
-              <a:rPr lang="ko-KR" altLang="en-US" dirty="0">
-                <a:latin typeface="HY엽서M" panose="02030600000101010101" pitchFamily="18" charset="-127"/>
-                <a:ea typeface="HY엽서M" panose="02030600000101010101" pitchFamily="18" charset="-127"/>
-              </a:rPr>
-              <a:t>성까지 존재한다</a:t>
-            </a:r>
-            <a:r>
-              <a:rPr lang="en-US" altLang="ko-KR" dirty="0">
-                <a:latin typeface="HY엽서M" panose="02030600000101010101" pitchFamily="18" charset="-127"/>
-                <a:ea typeface="HY엽서M" panose="02030600000101010101" pitchFamily="18" charset="-127"/>
-              </a:rPr>
+              <a:rPr lang="ko-KR" altLang="en-US" dirty="0"/>
+              <a:t>머리</a:t>
+            </a:r>
+            <a:r>
+              <a:rPr lang="en-US" altLang="ko-KR" dirty="0"/>
+              <a:t>: </a:t>
+            </a:r>
+            <a:r>
+              <a:rPr lang="ko-KR" altLang="en-US" dirty="0"/>
+              <a:t>크리티컬 확률 증가</a:t>
+            </a:r>
+            <a:endParaRPr lang="en-US" altLang="ko-KR" dirty="0"/>
+          </a:p>
+          <a:p>
+            <a:r>
+              <a:rPr lang="ko-KR" altLang="en-US" dirty="0"/>
+              <a:t>몸통</a:t>
+            </a:r>
+            <a:r>
+              <a:rPr lang="en-US" altLang="ko-KR" dirty="0"/>
+              <a:t>: </a:t>
+            </a:r>
+            <a:r>
+              <a:rPr lang="ko-KR" altLang="en-US" dirty="0"/>
+              <a:t>체력 증가</a:t>
+            </a:r>
+            <a:endParaRPr lang="en-US" altLang="ko-KR" dirty="0"/>
+          </a:p>
+          <a:p>
+            <a:r>
+              <a:rPr lang="ko-KR" altLang="en-US" dirty="0"/>
+              <a:t>장갑</a:t>
+            </a:r>
+            <a:r>
+              <a:rPr lang="en-US" altLang="ko-KR" dirty="0"/>
+              <a:t>: </a:t>
+            </a:r>
+            <a:r>
+              <a:rPr lang="ko-KR" altLang="en-US" dirty="0"/>
+              <a:t>힘 증가</a:t>
+            </a:r>
+            <a:endParaRPr lang="en-US" altLang="ko-KR" dirty="0"/>
+          </a:p>
+          <a:p>
+            <a:r>
+              <a:rPr lang="ko-KR" altLang="en-US" dirty="0"/>
+              <a:t>장화</a:t>
+            </a:r>
+            <a:r>
+              <a:rPr lang="en-US" altLang="ko-KR" dirty="0"/>
+              <a:t>: </a:t>
+            </a:r>
+            <a:r>
+              <a:rPr lang="ko-KR" altLang="en-US" dirty="0"/>
+              <a:t>민첩 증가</a:t>
+            </a:r>
+            <a:endParaRPr lang="en-US" altLang="ko-KR" dirty="0"/>
+          </a:p>
+          <a:p>
+            <a:r>
+              <a:rPr lang="ko-KR" altLang="en-US" dirty="0"/>
+              <a:t>강화 시 공통 증가 요소</a:t>
+            </a:r>
+            <a:r>
+              <a:rPr lang="en-US" altLang="ko-KR" dirty="0"/>
+              <a:t>: </a:t>
+            </a:r>
+            <a:r>
+              <a:rPr lang="ko-KR" altLang="en-US" dirty="0"/>
+              <a:t>방어력</a:t>
+            </a:r>
+            <a:endParaRPr lang="en-US" altLang="ko-KR" dirty="0"/>
+          </a:p>
+          <a:p>
+            <a:r>
+              <a:rPr lang="ko-KR" altLang="en-US" dirty="0"/>
+              <a:t>강화에 필요한 요소는 오직 골드</a:t>
+            </a:r>
+            <a:r>
+              <a:rPr lang="en-US" altLang="ko-KR" dirty="0"/>
+              <a:t>(</a:t>
+            </a:r>
+            <a:r>
+              <a:rPr lang="ko-KR" altLang="en-US" dirty="0"/>
+              <a:t>돈</a:t>
+            </a:r>
+            <a:r>
+              <a:rPr lang="en-US" altLang="ko-KR" dirty="0"/>
+              <a:t>)</a:t>
+            </a:r>
+            <a:r>
+              <a:rPr lang="ko-KR" altLang="en-US" dirty="0"/>
+              <a:t>뿐이다</a:t>
+            </a:r>
+            <a:r>
+              <a:rPr lang="en-US" altLang="ko-KR" dirty="0"/>
               <a:t>.</a:t>
             </a:r>
           </a:p>
           <a:p>
-            <a:endParaRPr lang="en-US" altLang="ko-KR" dirty="0">
-              <a:latin typeface="HY엽서M" panose="02030600000101010101" pitchFamily="18" charset="-127"/>
-              <a:ea typeface="HY엽서M" panose="02030600000101010101" pitchFamily="18" charset="-127"/>
-            </a:endParaRPr>
-          </a:p>
-          <a:p>
-            <a:r>
-              <a:rPr lang="ko-KR" altLang="en-US" dirty="0">
-                <a:latin typeface="HY엽서M" panose="02030600000101010101" pitchFamily="18" charset="-127"/>
-                <a:ea typeface="HY엽서M" panose="02030600000101010101" pitchFamily="18" charset="-127"/>
-              </a:rPr>
-              <a:t>각 난이도 마다 적게는 </a:t>
-            </a:r>
-            <a:r>
-              <a:rPr lang="en-US" altLang="ko-KR" dirty="0">
-                <a:latin typeface="HY엽서M" panose="02030600000101010101" pitchFamily="18" charset="-127"/>
-                <a:ea typeface="HY엽서M" panose="02030600000101010101" pitchFamily="18" charset="-127"/>
-              </a:rPr>
-              <a:t>7</a:t>
-            </a:r>
-            <a:r>
-              <a:rPr lang="ko-KR" altLang="en-US" dirty="0">
-                <a:latin typeface="HY엽서M" panose="02030600000101010101" pitchFamily="18" charset="-127"/>
-                <a:ea typeface="HY엽서M" panose="02030600000101010101" pitchFamily="18" charset="-127"/>
-              </a:rPr>
-              <a:t>개 많게는 </a:t>
-            </a:r>
-            <a:r>
-              <a:rPr lang="en-US" altLang="ko-KR" dirty="0">
-                <a:latin typeface="HY엽서M" panose="02030600000101010101" pitchFamily="18" charset="-127"/>
-                <a:ea typeface="HY엽서M" panose="02030600000101010101" pitchFamily="18" charset="-127"/>
-              </a:rPr>
-              <a:t>13</a:t>
-            </a:r>
-            <a:r>
-              <a:rPr lang="ko-KR" altLang="en-US" dirty="0">
-                <a:latin typeface="HY엽서M" panose="02030600000101010101" pitchFamily="18" charset="-127"/>
-                <a:ea typeface="HY엽서M" panose="02030600000101010101" pitchFamily="18" charset="-127"/>
-              </a:rPr>
-              <a:t>개의 퀘스트가 존재한다</a:t>
-            </a:r>
-            <a:r>
-              <a:rPr lang="en-US" altLang="ko-KR" dirty="0">
-                <a:latin typeface="HY엽서M" panose="02030600000101010101" pitchFamily="18" charset="-127"/>
-                <a:ea typeface="HY엽서M" panose="02030600000101010101" pitchFamily="18" charset="-127"/>
-              </a:rPr>
-              <a:t>.</a:t>
-            </a:r>
-          </a:p>
-          <a:p>
-            <a:endParaRPr lang="en-US" altLang="ko-KR" dirty="0">
-              <a:latin typeface="HY엽서M" panose="02030600000101010101" pitchFamily="18" charset="-127"/>
-              <a:ea typeface="HY엽서M" panose="02030600000101010101" pitchFamily="18" charset="-127"/>
-            </a:endParaRPr>
-          </a:p>
-          <a:p>
-            <a:r>
-              <a:rPr lang="ko-KR" altLang="en-US" dirty="0">
-                <a:latin typeface="HY엽서M" panose="02030600000101010101" pitchFamily="18" charset="-127"/>
-                <a:ea typeface="HY엽서M" panose="02030600000101010101" pitchFamily="18" charset="-127"/>
-              </a:rPr>
-              <a:t>난이도가 점차 올라가는 자유사냥 퀘스트 또한 존재한다</a:t>
-            </a:r>
-            <a:r>
-              <a:rPr lang="en-US" altLang="ko-KR" dirty="0">
-                <a:latin typeface="HY엽서M" panose="02030600000101010101" pitchFamily="18" charset="-127"/>
-                <a:ea typeface="HY엽서M" panose="02030600000101010101" pitchFamily="18" charset="-127"/>
-              </a:rPr>
-              <a:t>.</a:t>
-            </a:r>
-          </a:p>
-        </p:txBody>
-      </p:sp>
-      <p:pic>
-        <p:nvPicPr>
-          <p:cNvPr id="4" name="그림 3"/>
-          <p:cNvPicPr>
-            <a:picLocks noChangeAspect="1"/>
-          </p:cNvPicPr>
-          <p:nvPr/>
-        </p:nvPicPr>
-        <p:blipFill>
-          <a:blip r:embed="rId2">
-            <a:extLst>
-              <a:ext uri="{28A0092B-C50C-407E-A947-70E740481C1C}">
-                <a14:useLocalDpi xmlns:a14="http://schemas.microsoft.com/office/drawing/2010/main" val="0"/>
-              </a:ext>
-            </a:extLst>
-          </a:blip>
-          <a:stretch>
-            <a:fillRect/>
-          </a:stretch>
-        </p:blipFill>
-        <p:spPr>
-          <a:xfrm>
-            <a:off x="9086850" y="3343274"/>
-            <a:ext cx="2962900" cy="1971675"/>
-          </a:xfrm>
-          <a:prstGeom prst="rect">
-            <a:avLst/>
-          </a:prstGeom>
-        </p:spPr>
-      </p:pic>
-      <p:sp>
-        <p:nvSpPr>
-          <p:cNvPr id="6" name="TextBox 5"/>
-          <p:cNvSpPr txBox="1"/>
-          <p:nvPr/>
-        </p:nvSpPr>
-        <p:spPr>
-          <a:xfrm>
-            <a:off x="10067278" y="5466345"/>
-            <a:ext cx="1817795" cy="369332"/>
-          </a:xfrm>
-          <a:prstGeom prst="rect">
-            <a:avLst/>
-          </a:prstGeom>
-          <a:noFill/>
-        </p:spPr>
-        <p:txBody>
-          <a:bodyPr wrap="square" rtlCol="0">
-            <a:spAutoFit/>
-          </a:bodyPr>
-          <a:lstStyle/>
-          <a:p>
-            <a:r>
-              <a:rPr lang="en-US" altLang="ko-KR" dirty="0">
-                <a:solidFill>
-                  <a:schemeClr val="accent6">
-                    <a:lumMod val="75000"/>
-                  </a:schemeClr>
-                </a:solidFill>
-              </a:rPr>
-              <a:t>Ex)</a:t>
-            </a:r>
-            <a:r>
-              <a:rPr lang="ko-KR" altLang="en-US" dirty="0">
-                <a:solidFill>
-                  <a:schemeClr val="accent6">
-                    <a:lumMod val="75000"/>
-                  </a:schemeClr>
-                </a:solidFill>
-              </a:rPr>
-              <a:t>몬스터 헌터</a:t>
-            </a:r>
+            <a:endParaRPr lang="ko-KR" altLang="en-US" dirty="0"/>
           </a:p>
         </p:txBody>
       </p:sp>
     </p:spTree>
     <p:extLst>
       <p:ext uri="{BB962C8B-B14F-4D97-AF65-F5344CB8AC3E}">
-        <p14:creationId xmlns:p14="http://schemas.microsoft.com/office/powerpoint/2010/main" val="1121264974"/>
+        <p14:creationId xmlns:p14="http://schemas.microsoft.com/office/powerpoint/2010/main" val="3797605448"/>
       </p:ext>
     </p:extLst>
   </p:cSld>
@@ -6573,11 +6883,11 @@
           <a:p>
             <a:r>
               <a:rPr lang="en-US" altLang="ko-KR" dirty="0"/>
-              <a:t>3-5. </a:t>
+              <a:t>3-7. </a:t>
             </a:r>
             <a:r>
               <a:rPr lang="ko-KR" altLang="en-US" dirty="0"/>
-              <a:t>장비</a:t>
+              <a:t>맵 모델링</a:t>
             </a:r>
           </a:p>
         </p:txBody>
@@ -6594,226 +6904,140 @@
         </p:nvSpPr>
         <p:spPr/>
         <p:txBody>
-          <a:bodyPr>
-            <a:normAutofit/>
-          </a:bodyPr>
+          <a:bodyPr/>
           <a:lstStyle/>
           <a:p>
             <a:r>
               <a:rPr lang="ko-KR" altLang="en-US" dirty="0">
-                <a:latin typeface="HY엽서M" panose="02030600000101010101" pitchFamily="18" charset="-127"/>
-                <a:ea typeface="HY엽서M" panose="02030600000101010101" pitchFamily="18" charset="-127"/>
-              </a:rPr>
-              <a:t>머리</a:t>
-            </a:r>
-            <a:r>
-              <a:rPr lang="en-US" altLang="ko-KR" dirty="0">
-                <a:latin typeface="HY엽서M" panose="02030600000101010101" pitchFamily="18" charset="-127"/>
-                <a:ea typeface="HY엽서M" panose="02030600000101010101" pitchFamily="18" charset="-127"/>
-              </a:rPr>
-              <a:t>, </a:t>
-            </a:r>
-            <a:r>
-              <a:rPr lang="ko-KR" altLang="en-US" dirty="0">
-                <a:latin typeface="HY엽서M" panose="02030600000101010101" pitchFamily="18" charset="-127"/>
-                <a:ea typeface="HY엽서M" panose="02030600000101010101" pitchFamily="18" charset="-127"/>
-              </a:rPr>
-              <a:t>몸통</a:t>
-            </a:r>
-            <a:r>
-              <a:rPr lang="en-US" altLang="ko-KR" dirty="0">
-                <a:latin typeface="HY엽서M" panose="02030600000101010101" pitchFamily="18" charset="-127"/>
-                <a:ea typeface="HY엽서M" panose="02030600000101010101" pitchFamily="18" charset="-127"/>
-              </a:rPr>
-              <a:t>, </a:t>
-            </a:r>
-            <a:r>
-              <a:rPr lang="ko-KR" altLang="en-US" dirty="0">
-                <a:latin typeface="HY엽서M" panose="02030600000101010101" pitchFamily="18" charset="-127"/>
-                <a:ea typeface="HY엽서M" panose="02030600000101010101" pitchFamily="18" charset="-127"/>
-              </a:rPr>
-              <a:t>장화</a:t>
-            </a:r>
-            <a:r>
-              <a:rPr lang="en-US" altLang="ko-KR" dirty="0">
-                <a:latin typeface="HY엽서M" panose="02030600000101010101" pitchFamily="18" charset="-127"/>
-                <a:ea typeface="HY엽서M" panose="02030600000101010101" pitchFamily="18" charset="-127"/>
-              </a:rPr>
-              <a:t>, </a:t>
-            </a:r>
-            <a:r>
-              <a:rPr lang="ko-KR" altLang="en-US" dirty="0">
-                <a:latin typeface="HY엽서M" panose="02030600000101010101" pitchFamily="18" charset="-127"/>
-                <a:ea typeface="HY엽서M" panose="02030600000101010101" pitchFamily="18" charset="-127"/>
-              </a:rPr>
-              <a:t>장갑</a:t>
-            </a:r>
-            <a:r>
-              <a:rPr lang="en-US" altLang="ko-KR" dirty="0">
-                <a:latin typeface="HY엽서M" panose="02030600000101010101" pitchFamily="18" charset="-127"/>
-                <a:ea typeface="HY엽서M" panose="02030600000101010101" pitchFamily="18" charset="-127"/>
-              </a:rPr>
-              <a:t>:</a:t>
-            </a:r>
-            <a:r>
-              <a:rPr lang="ko-KR" altLang="en-US" dirty="0">
-                <a:latin typeface="HY엽서M" panose="02030600000101010101" pitchFamily="18" charset="-127"/>
-                <a:ea typeface="HY엽서M" panose="02030600000101010101" pitchFamily="18" charset="-127"/>
-              </a:rPr>
-              <a:t> 주요 방어 구</a:t>
-            </a:r>
+                <a:latin typeface="+mj-ea"/>
+                <a:ea typeface="+mj-ea"/>
+              </a:rPr>
+              <a:t>시점은 기본적으로 </a:t>
+            </a:r>
+            <a:r>
+              <a:rPr lang="ko-KR" altLang="en-US" dirty="0" err="1">
+                <a:latin typeface="+mj-ea"/>
+                <a:ea typeface="+mj-ea"/>
+              </a:rPr>
+              <a:t>탑뷰를</a:t>
+            </a:r>
+            <a:r>
+              <a:rPr lang="ko-KR" altLang="en-US" dirty="0">
+                <a:latin typeface="+mj-ea"/>
+                <a:ea typeface="+mj-ea"/>
+              </a:rPr>
+              <a:t> 하며 </a:t>
+            </a:r>
+            <a:r>
+              <a:rPr lang="ko-KR" altLang="en-US" dirty="0" err="1">
+                <a:latin typeface="+mj-ea"/>
+                <a:ea typeface="+mj-ea"/>
+              </a:rPr>
+              <a:t>맵에</a:t>
+            </a:r>
+            <a:r>
+              <a:rPr lang="ko-KR" altLang="en-US" dirty="0">
+                <a:latin typeface="+mj-ea"/>
+                <a:ea typeface="+mj-ea"/>
+              </a:rPr>
+              <a:t> 따라</a:t>
+            </a:r>
+            <a:r>
+              <a:rPr lang="en-US" altLang="ko-KR" dirty="0">
+                <a:latin typeface="+mj-ea"/>
+                <a:ea typeface="+mj-ea"/>
+              </a:rPr>
+              <a:t> </a:t>
+            </a:r>
+            <a:r>
+              <a:rPr lang="ko-KR" altLang="en-US" dirty="0">
+                <a:latin typeface="+mj-ea"/>
+                <a:ea typeface="+mj-ea"/>
+              </a:rPr>
+              <a:t>적들의 출몰 위치가 달라진다</a:t>
+            </a:r>
+            <a:r>
+              <a:rPr lang="en-US" altLang="ko-KR" dirty="0">
+                <a:latin typeface="+mj-ea"/>
+                <a:ea typeface="+mj-ea"/>
+              </a:rPr>
+              <a:t>.</a:t>
+            </a:r>
+          </a:p>
+          <a:p>
             <a:endParaRPr lang="en-US" altLang="ko-KR" dirty="0">
-              <a:latin typeface="HY엽서M" panose="02030600000101010101" pitchFamily="18" charset="-127"/>
-              <a:ea typeface="HY엽서M" panose="02030600000101010101" pitchFamily="18" charset="-127"/>
+              <a:latin typeface="+mj-ea"/>
+              <a:ea typeface="+mj-ea"/>
             </a:endParaRPr>
           </a:p>
           <a:p>
-            <a:pPr marL="0" indent="0">
-              <a:buNone/>
-            </a:pPr>
+            <a:r>
+              <a:rPr lang="ko-KR" altLang="en-US" dirty="0" err="1">
+                <a:latin typeface="+mj-ea"/>
+                <a:ea typeface="+mj-ea"/>
+              </a:rPr>
+              <a:t>맵은</a:t>
+            </a:r>
+            <a:r>
+              <a:rPr lang="ko-KR" altLang="en-US" dirty="0">
+                <a:latin typeface="+mj-ea"/>
+                <a:ea typeface="+mj-ea"/>
+              </a:rPr>
+              <a:t> 여러가지이며 출몰 포인트가 많을 수록 난이도가 높은 </a:t>
+            </a:r>
+            <a:r>
+              <a:rPr lang="ko-KR" altLang="en-US" dirty="0" err="1">
+                <a:latin typeface="+mj-ea"/>
+                <a:ea typeface="+mj-ea"/>
+              </a:rPr>
+              <a:t>맵이다</a:t>
+            </a:r>
+            <a:r>
+              <a:rPr lang="en-US" altLang="ko-KR" dirty="0">
+                <a:latin typeface="+mj-ea"/>
+                <a:ea typeface="+mj-ea"/>
+              </a:rPr>
+              <a:t>.</a:t>
+            </a:r>
+          </a:p>
+          <a:p>
             <a:endParaRPr lang="en-US" altLang="ko-KR" dirty="0">
-              <a:latin typeface="HY엽서M" panose="02030600000101010101" pitchFamily="18" charset="-127"/>
-              <a:ea typeface="HY엽서M" panose="02030600000101010101" pitchFamily="18" charset="-127"/>
+              <a:latin typeface="+mj-ea"/>
+              <a:ea typeface="+mj-ea"/>
             </a:endParaRPr>
           </a:p>
           <a:p>
-            <a:pPr marL="0" indent="0">
-              <a:buNone/>
-            </a:pPr>
-            <a:r>
-              <a:rPr lang="en-US" altLang="ko-KR" dirty="0">
-                <a:latin typeface="HY엽서M" panose="02030600000101010101" pitchFamily="18" charset="-127"/>
-                <a:ea typeface="HY엽서M" panose="02030600000101010101" pitchFamily="18" charset="-127"/>
-              </a:rPr>
-              <a:t>. </a:t>
-            </a:r>
-            <a:r>
-              <a:rPr lang="ko-KR" altLang="en-US" dirty="0">
-                <a:latin typeface="HY엽서M" panose="02030600000101010101" pitchFamily="18" charset="-127"/>
-                <a:ea typeface="HY엽서M" panose="02030600000101010101" pitchFamily="18" charset="-127"/>
-              </a:rPr>
-              <a:t>각자의 특성에 맞는 무기가 있다</a:t>
-            </a:r>
-            <a:r>
-              <a:rPr lang="en-US" altLang="ko-KR" dirty="0">
-                <a:latin typeface="HY엽서M" panose="02030600000101010101" pitchFamily="18" charset="-127"/>
-                <a:ea typeface="HY엽서M" panose="02030600000101010101" pitchFamily="18" charset="-127"/>
+            <a:r>
+              <a:rPr lang="ko-KR" altLang="en-US" dirty="0" err="1">
+                <a:latin typeface="+mj-ea"/>
+                <a:ea typeface="+mj-ea"/>
+              </a:rPr>
+              <a:t>맵은</a:t>
+            </a:r>
+            <a:r>
+              <a:rPr lang="ko-KR" altLang="en-US" dirty="0">
+                <a:latin typeface="+mj-ea"/>
+                <a:ea typeface="+mj-ea"/>
+              </a:rPr>
+              <a:t> 주로 폐허가 된 도시 혹은 벌판이다</a:t>
+            </a:r>
+            <a:r>
+              <a:rPr lang="en-US" altLang="ko-KR" dirty="0">
+                <a:latin typeface="+mj-ea"/>
+                <a:ea typeface="+mj-ea"/>
               </a:rPr>
               <a:t>.</a:t>
             </a:r>
           </a:p>
           <a:p>
-            <a:pPr marL="0" indent="0">
-              <a:buNone/>
-            </a:pPr>
-            <a:endParaRPr lang="en-US" altLang="ko-KR" dirty="0">
-              <a:latin typeface="HY엽서M" panose="02030600000101010101" pitchFamily="18" charset="-127"/>
-              <a:ea typeface="HY엽서M" panose="02030600000101010101" pitchFamily="18" charset="-127"/>
-            </a:endParaRPr>
-          </a:p>
-          <a:p>
-            <a:r>
-              <a:rPr lang="ko-KR" altLang="en-US" dirty="0">
-                <a:latin typeface="HY엽서M" panose="02030600000101010101" pitchFamily="18" charset="-127"/>
-                <a:ea typeface="HY엽서M" panose="02030600000101010101" pitchFamily="18" charset="-127"/>
-              </a:rPr>
-              <a:t>장비는 고유 장착이 되어 있으며 각각 따로 강화 시켜야 한다</a:t>
-            </a:r>
-            <a:r>
-              <a:rPr lang="en-US" altLang="ko-KR" dirty="0">
-                <a:latin typeface="HY엽서M" panose="02030600000101010101" pitchFamily="18" charset="-127"/>
-                <a:ea typeface="HY엽서M" panose="02030600000101010101" pitchFamily="18" charset="-127"/>
-              </a:rPr>
-              <a:t>.</a:t>
-            </a:r>
-          </a:p>
-          <a:p>
-            <a:endParaRPr lang="en-US" altLang="ko-KR" dirty="0">
-              <a:latin typeface="HY엽서M" panose="02030600000101010101" pitchFamily="18" charset="-127"/>
-              <a:ea typeface="HY엽서M" panose="02030600000101010101" pitchFamily="18" charset="-127"/>
-            </a:endParaRPr>
-          </a:p>
-        </p:txBody>
-      </p:sp>
-      <p:pic>
-        <p:nvPicPr>
-          <p:cNvPr id="4" name="그림 3"/>
-          <p:cNvPicPr>
-            <a:picLocks noChangeAspect="1"/>
-          </p:cNvPicPr>
-          <p:nvPr/>
-        </p:nvPicPr>
-        <p:blipFill>
-          <a:blip r:embed="rId2">
-            <a:extLst>
-              <a:ext uri="{28A0092B-C50C-407E-A947-70E740481C1C}">
-                <a14:useLocalDpi xmlns:a14="http://schemas.microsoft.com/office/drawing/2010/main" val="0"/>
-              </a:ext>
-            </a:extLst>
-          </a:blip>
-          <a:stretch>
-            <a:fillRect/>
-          </a:stretch>
-        </p:blipFill>
-        <p:spPr>
-          <a:xfrm>
-            <a:off x="7397254" y="1853754"/>
-            <a:ext cx="3657600" cy="2056164"/>
-          </a:xfrm>
-          <a:prstGeom prst="rect">
-            <a:avLst/>
-          </a:prstGeom>
-        </p:spPr>
-      </p:pic>
-      <p:sp>
-        <p:nvSpPr>
-          <p:cNvPr id="5" name="TextBox 4"/>
-          <p:cNvSpPr txBox="1"/>
-          <p:nvPr/>
-        </p:nvSpPr>
-        <p:spPr>
-          <a:xfrm>
-            <a:off x="9363075" y="4048125"/>
-            <a:ext cx="2080242" cy="369332"/>
-          </a:xfrm>
-          <a:prstGeom prst="rect">
-            <a:avLst/>
-          </a:prstGeom>
-          <a:noFill/>
-        </p:spPr>
-        <p:txBody>
-          <a:bodyPr wrap="square" rtlCol="0">
-            <a:spAutoFit/>
-          </a:bodyPr>
-          <a:lstStyle/>
-          <a:p>
-            <a:r>
-              <a:rPr lang="en-US" altLang="ko-KR" dirty="0">
-                <a:solidFill>
-                  <a:schemeClr val="accent6">
-                    <a:lumMod val="75000"/>
-                  </a:schemeClr>
-                </a:solidFill>
-              </a:rPr>
-              <a:t>EX)</a:t>
-            </a:r>
-            <a:r>
-              <a:rPr lang="ko-KR" altLang="en-US" dirty="0">
-                <a:solidFill>
-                  <a:schemeClr val="accent6">
-                    <a:lumMod val="75000"/>
-                  </a:schemeClr>
-                </a:solidFill>
-              </a:rPr>
-              <a:t>용사는 진행중</a:t>
-            </a:r>
+            <a:endParaRPr lang="en-US" altLang="ko-KR" dirty="0"/>
           </a:p>
         </p:txBody>
       </p:sp>
     </p:spTree>
     <p:extLst>
       <p:ext uri="{BB962C8B-B14F-4D97-AF65-F5344CB8AC3E}">
-        <p14:creationId xmlns:p14="http://schemas.microsoft.com/office/powerpoint/2010/main" val="1619902808"/>
+        <p14:creationId xmlns:p14="http://schemas.microsoft.com/office/powerpoint/2010/main" val="2405748763"/>
       </p:ext>
     </p:extLst>
   </p:cSld>
@@ -6857,11 +7081,11 @@
           <a:p>
             <a:r>
               <a:rPr lang="en-US" altLang="ko-KR" dirty="0"/>
-              <a:t>3-6. </a:t>
+              <a:t>3-8. </a:t>
             </a:r>
             <a:r>
               <a:rPr lang="ko-KR" altLang="en-US" dirty="0"/>
-              <a:t>강화요소</a:t>
+              <a:t>전투</a:t>
             </a:r>
           </a:p>
         </p:txBody>
@@ -6878,128 +7102,169 @@
         </p:nvSpPr>
         <p:spPr/>
         <p:txBody>
-          <a:bodyPr/>
+          <a:bodyPr>
+            <a:normAutofit lnSpcReduction="10000"/>
+          </a:bodyPr>
           <a:lstStyle/>
           <a:p>
             <a:r>
-              <a:rPr lang="ko-KR" altLang="en-US" dirty="0"/>
-              <a:t>모든 방어구는 각자 특성을 가지고 있다</a:t>
-            </a:r>
-            <a:r>
-              <a:rPr lang="en-US" altLang="ko-KR" dirty="0"/>
+              <a:rPr lang="en-US" altLang="ko-KR" dirty="0">
+                <a:latin typeface="+mj-ea"/>
+                <a:ea typeface="+mj-ea"/>
+              </a:rPr>
+              <a:t>1. 4</a:t>
+            </a:r>
+            <a:r>
+              <a:rPr lang="ko-KR" altLang="en-US" dirty="0">
+                <a:latin typeface="+mj-ea"/>
+                <a:ea typeface="+mj-ea"/>
+              </a:rPr>
+              <a:t>명의 캐릭터는 모두 드래그로 움직이며 이동 중 캐릭터를 선택해서 다시 다른 곳으로 이동 시킬 수 있다</a:t>
+            </a:r>
+            <a:r>
+              <a:rPr lang="en-US" altLang="ko-KR" dirty="0">
+                <a:latin typeface="+mj-ea"/>
+                <a:ea typeface="+mj-ea"/>
+              </a:rPr>
               <a:t>.</a:t>
             </a:r>
           </a:p>
           <a:p>
-            <a:r>
-              <a:rPr lang="ko-KR" altLang="en-US" dirty="0"/>
-              <a:t>머리</a:t>
-            </a:r>
-            <a:r>
-              <a:rPr lang="en-US" altLang="ko-KR" dirty="0"/>
-              <a:t>: </a:t>
-            </a:r>
-            <a:r>
-              <a:rPr lang="ko-KR" altLang="en-US" dirty="0"/>
-              <a:t>크리티컬 확률 증가</a:t>
-            </a:r>
-            <a:endParaRPr lang="en-US" altLang="ko-KR" dirty="0"/>
-          </a:p>
-          <a:p>
-            <a:r>
-              <a:rPr lang="ko-KR" altLang="en-US" dirty="0"/>
-              <a:t>몸통</a:t>
-            </a:r>
-            <a:r>
-              <a:rPr lang="en-US" altLang="ko-KR" dirty="0"/>
-              <a:t>: </a:t>
-            </a:r>
-            <a:r>
-              <a:rPr lang="ko-KR" altLang="en-US" dirty="0"/>
-              <a:t>체력 증가</a:t>
-            </a:r>
-            <a:endParaRPr lang="en-US" altLang="ko-KR" dirty="0"/>
-          </a:p>
-          <a:p>
-            <a:r>
-              <a:rPr lang="ko-KR" altLang="en-US" dirty="0"/>
-              <a:t>장갑</a:t>
-            </a:r>
-            <a:r>
-              <a:rPr lang="en-US" altLang="ko-KR" dirty="0"/>
-              <a:t>: </a:t>
-            </a:r>
-            <a:r>
-              <a:rPr lang="ko-KR" altLang="en-US" dirty="0"/>
-              <a:t>힘 증가</a:t>
-            </a:r>
-            <a:endParaRPr lang="en-US" altLang="ko-KR" dirty="0"/>
-          </a:p>
-          <a:p>
-            <a:r>
-              <a:rPr lang="ko-KR" altLang="en-US" dirty="0"/>
-              <a:t>장화</a:t>
-            </a:r>
-            <a:r>
-              <a:rPr lang="en-US" altLang="ko-KR" dirty="0"/>
-              <a:t>: </a:t>
-            </a:r>
-            <a:r>
-              <a:rPr lang="ko-KR" altLang="en-US" dirty="0"/>
-              <a:t>민첩 증가</a:t>
-            </a:r>
-            <a:endParaRPr lang="en-US" altLang="ko-KR" dirty="0"/>
-          </a:p>
-          <a:p>
-            <a:r>
-              <a:rPr lang="ko-KR" altLang="en-US" dirty="0"/>
-              <a:t>강화 시 공통 증가 요소</a:t>
-            </a:r>
-            <a:r>
-              <a:rPr lang="en-US" altLang="ko-KR" dirty="0"/>
-              <a:t>: </a:t>
-            </a:r>
-            <a:r>
-              <a:rPr lang="ko-KR" altLang="en-US" dirty="0"/>
-              <a:t>방어력</a:t>
-            </a:r>
-            <a:endParaRPr lang="en-US" altLang="ko-KR" dirty="0"/>
-          </a:p>
-          <a:p>
-            <a:r>
-              <a:rPr lang="ko-KR" altLang="en-US" dirty="0"/>
-              <a:t>강화에 필요한 요소는 오직 골드</a:t>
-            </a:r>
-            <a:r>
-              <a:rPr lang="en-US" altLang="ko-KR" dirty="0"/>
-              <a:t>(</a:t>
-            </a:r>
-            <a:r>
-              <a:rPr lang="ko-KR" altLang="en-US" dirty="0"/>
-              <a:t>돈</a:t>
-            </a:r>
-            <a:r>
-              <a:rPr lang="en-US" altLang="ko-KR" dirty="0"/>
+            <a:endParaRPr lang="en-US" altLang="ko-KR" dirty="0">
+              <a:latin typeface="+mj-ea"/>
+              <a:ea typeface="+mj-ea"/>
+            </a:endParaRPr>
+          </a:p>
+          <a:p>
+            <a:r>
+              <a:rPr lang="en-US" altLang="ko-KR" dirty="0">
+                <a:latin typeface="+mj-ea"/>
+                <a:ea typeface="+mj-ea"/>
+              </a:rPr>
+              <a:t>2. </a:t>
+            </a:r>
+            <a:r>
+              <a:rPr lang="ko-KR" altLang="en-US" dirty="0">
+                <a:latin typeface="+mj-ea"/>
+                <a:ea typeface="+mj-ea"/>
+              </a:rPr>
+              <a:t>이동 중에는 공격 할 수 없으며</a:t>
+            </a:r>
+            <a:r>
+              <a:rPr lang="en-US" altLang="ko-KR" dirty="0">
+                <a:latin typeface="+mj-ea"/>
+                <a:ea typeface="+mj-ea"/>
+              </a:rPr>
+              <a:t>, </a:t>
+            </a:r>
+            <a:r>
+              <a:rPr lang="ko-KR" altLang="en-US" dirty="0">
+                <a:latin typeface="+mj-ea"/>
+                <a:ea typeface="+mj-ea"/>
+              </a:rPr>
+              <a:t>멈춘 상테에서만 공격 가능하다</a:t>
+            </a:r>
+            <a:r>
+              <a:rPr lang="en-US" altLang="ko-KR" dirty="0">
+                <a:latin typeface="+mj-ea"/>
+                <a:ea typeface="+mj-ea"/>
+              </a:rPr>
+              <a:t>.</a:t>
+            </a:r>
+          </a:p>
+          <a:p>
+            <a:r>
+              <a:rPr lang="en-US" altLang="ko-KR" dirty="0">
+                <a:latin typeface="+mj-ea"/>
+                <a:ea typeface="+mj-ea"/>
+              </a:rPr>
+              <a:t>(*</a:t>
+            </a:r>
+            <a:r>
+              <a:rPr lang="ko-KR" altLang="en-US" dirty="0">
+                <a:latin typeface="+mj-ea"/>
+                <a:ea typeface="+mj-ea"/>
+              </a:rPr>
+              <a:t>스킬도 마찬가지이다</a:t>
+            </a:r>
+            <a:r>
+              <a:rPr lang="en-US" altLang="ko-KR" dirty="0">
+                <a:latin typeface="+mj-ea"/>
+                <a:ea typeface="+mj-ea"/>
+              </a:rPr>
               <a:t>)</a:t>
             </a:r>
-            <a:r>
-              <a:rPr lang="ko-KR" altLang="en-US" dirty="0"/>
-              <a:t>뿐이다</a:t>
-            </a:r>
-            <a:r>
-              <a:rPr lang="en-US" altLang="ko-KR" dirty="0"/>
+          </a:p>
+          <a:p>
+            <a:r>
+              <a:rPr lang="en-US" altLang="ko-KR" dirty="0">
+                <a:latin typeface="+mj-ea"/>
+                <a:ea typeface="+mj-ea"/>
+              </a:rPr>
+              <a:t>3.  </a:t>
+            </a:r>
+            <a:r>
+              <a:rPr lang="ko-KR" altLang="en-US" dirty="0">
+                <a:latin typeface="+mj-ea"/>
+                <a:ea typeface="+mj-ea"/>
+              </a:rPr>
+              <a:t>공격을 받지 않았을 시 적들은 가장 가까운 거리에 있는 캐릭터에게 우선적으로 공격한다</a:t>
+            </a:r>
+            <a:r>
+              <a:rPr lang="en-US" altLang="ko-KR" dirty="0">
+                <a:latin typeface="+mj-ea"/>
+                <a:ea typeface="+mj-ea"/>
+              </a:rPr>
               <a:t>.</a:t>
             </a:r>
           </a:p>
           <a:p>
-            <a:endParaRPr lang="ko-KR" altLang="en-US" dirty="0"/>
+            <a:r>
+              <a:rPr lang="en-US" altLang="ko-KR" dirty="0">
+                <a:latin typeface="+mj-ea"/>
+                <a:ea typeface="+mj-ea"/>
+              </a:rPr>
+              <a:t>4. </a:t>
+            </a:r>
+            <a:r>
+              <a:rPr lang="ko-KR" altLang="en-US" dirty="0">
+                <a:latin typeface="+mj-ea"/>
+                <a:ea typeface="+mj-ea"/>
+              </a:rPr>
+              <a:t>캐릭터들의 </a:t>
+            </a:r>
+            <a:r>
+              <a:rPr lang="ko-KR" altLang="en-US" dirty="0" err="1">
+                <a:latin typeface="+mj-ea"/>
+                <a:ea typeface="+mj-ea"/>
+              </a:rPr>
+              <a:t>어그로</a:t>
+            </a:r>
+            <a:r>
+              <a:rPr lang="ko-KR" altLang="en-US" dirty="0">
+                <a:latin typeface="+mj-ea"/>
+                <a:ea typeface="+mj-ea"/>
+              </a:rPr>
+              <a:t> 수치는 공격과 비례 거리와 반비례한다</a:t>
+            </a:r>
+            <a:r>
+              <a:rPr lang="en-US" altLang="ko-KR" dirty="0">
+                <a:latin typeface="+mj-ea"/>
+                <a:ea typeface="+mj-ea"/>
+              </a:rPr>
+              <a:t>.</a:t>
+            </a:r>
+            <a:endParaRPr lang="ko-KR" altLang="en-US" dirty="0">
+              <a:latin typeface="+mj-ea"/>
+              <a:ea typeface="+mj-ea"/>
+            </a:endParaRPr>
           </a:p>
         </p:txBody>
       </p:sp>
     </p:spTree>
     <p:extLst>
       <p:ext uri="{BB962C8B-B14F-4D97-AF65-F5344CB8AC3E}">
-        <p14:creationId xmlns:p14="http://schemas.microsoft.com/office/powerpoint/2010/main" val="3797605448"/>
+        <p14:creationId xmlns:p14="http://schemas.microsoft.com/office/powerpoint/2010/main" val="3927849224"/>
       </p:ext>
     </p:extLst>
   </p:cSld>
@@ -7028,7 +7293,7 @@
       </p:grpSpPr>
       <p:sp>
         <p:nvSpPr>
-          <p:cNvPr id="2" name="제목 1"/>
+          <p:cNvPr id="3" name="제목 2"/>
           <p:cNvSpPr>
             <a:spLocks noGrp="1"/>
           </p:cNvSpPr>
@@ -7043,162 +7308,594 @@
           <a:p>
             <a:r>
               <a:rPr lang="en-US" altLang="ko-KR" dirty="0"/>
-              <a:t>3-7. </a:t>
+              <a:t>4. </a:t>
             </a:r>
             <a:r>
               <a:rPr lang="ko-KR" altLang="en-US" dirty="0"/>
-              <a:t>맵 모델링</a:t>
-            </a:r>
-          </a:p>
-        </p:txBody>
-      </p:sp>
-      <p:sp>
-        <p:nvSpPr>
-          <p:cNvPr id="3" name="내용 개체 틀 2"/>
-          <p:cNvSpPr>
-            <a:spLocks noGrp="1"/>
-          </p:cNvSpPr>
+              <a:t>개발 일정</a:t>
+            </a:r>
+          </a:p>
+        </p:txBody>
+      </p:sp>
+      <p:graphicFrame>
+        <p:nvGraphicFramePr>
+          <p:cNvPr id="6" name="내용 개체 틀 5"/>
+          <p:cNvGraphicFramePr>
+            <a:graphicFrameLocks noGrp="1"/>
+          </p:cNvGraphicFramePr>
           <p:nvPr>
             <p:ph idx="1"/>
-          </p:nvPr>
-        </p:nvSpPr>
-        <p:spPr/>
-        <p:txBody>
-          <a:bodyPr/>
-          <a:lstStyle/>
-          <a:p>
-            <a:r>
-              <a:rPr lang="ko-KR" altLang="en-US" dirty="0">
-                <a:latin typeface="HY엽서M" panose="02030600000101010101" pitchFamily="18" charset="-127"/>
-                <a:ea typeface="HY엽서M" panose="02030600000101010101" pitchFamily="18" charset="-127"/>
-              </a:rPr>
-              <a:t>시점은 기본적으로 </a:t>
-            </a:r>
-            <a:r>
-              <a:rPr lang="ko-KR" altLang="en-US" dirty="0" err="1">
-                <a:latin typeface="HY엽서M" panose="02030600000101010101" pitchFamily="18" charset="-127"/>
-                <a:ea typeface="HY엽서M" panose="02030600000101010101" pitchFamily="18" charset="-127"/>
-              </a:rPr>
-              <a:t>탑뷰를</a:t>
-            </a:r>
-            <a:r>
-              <a:rPr lang="ko-KR" altLang="en-US" dirty="0">
-                <a:latin typeface="HY엽서M" panose="02030600000101010101" pitchFamily="18" charset="-127"/>
-                <a:ea typeface="HY엽서M" panose="02030600000101010101" pitchFamily="18" charset="-127"/>
-              </a:rPr>
-              <a:t> 하며 </a:t>
-            </a:r>
-            <a:r>
-              <a:rPr lang="ko-KR" altLang="en-US" dirty="0" err="1">
-                <a:latin typeface="HY엽서M" panose="02030600000101010101" pitchFamily="18" charset="-127"/>
-                <a:ea typeface="HY엽서M" panose="02030600000101010101" pitchFamily="18" charset="-127"/>
-              </a:rPr>
-              <a:t>맵에</a:t>
-            </a:r>
-            <a:r>
-              <a:rPr lang="ko-KR" altLang="en-US" dirty="0">
-                <a:latin typeface="HY엽서M" panose="02030600000101010101" pitchFamily="18" charset="-127"/>
-                <a:ea typeface="HY엽서M" panose="02030600000101010101" pitchFamily="18" charset="-127"/>
-              </a:rPr>
-              <a:t> 따라</a:t>
-            </a:r>
-            <a:r>
-              <a:rPr lang="en-US" altLang="ko-KR" dirty="0">
-                <a:latin typeface="HY엽서M" panose="02030600000101010101" pitchFamily="18" charset="-127"/>
-                <a:ea typeface="HY엽서M" panose="02030600000101010101" pitchFamily="18" charset="-127"/>
-              </a:rPr>
-              <a:t> </a:t>
-            </a:r>
-            <a:r>
-              <a:rPr lang="ko-KR" altLang="en-US" dirty="0">
-                <a:latin typeface="HY엽서M" panose="02030600000101010101" pitchFamily="18" charset="-127"/>
-                <a:ea typeface="HY엽서M" panose="02030600000101010101" pitchFamily="18" charset="-127"/>
-              </a:rPr>
-              <a:t>적들의 출몰 위치가 달라진다</a:t>
-            </a:r>
-            <a:r>
-              <a:rPr lang="en-US" altLang="ko-KR" dirty="0">
-                <a:latin typeface="HY엽서M" panose="02030600000101010101" pitchFamily="18" charset="-127"/>
-                <a:ea typeface="HY엽서M" panose="02030600000101010101" pitchFamily="18" charset="-127"/>
-              </a:rPr>
-              <a:t>.</a:t>
-            </a:r>
-          </a:p>
-          <a:p>
-            <a:endParaRPr lang="en-US" altLang="ko-KR" dirty="0">
-              <a:latin typeface="HY엽서M" panose="02030600000101010101" pitchFamily="18" charset="-127"/>
-              <a:ea typeface="HY엽서M" panose="02030600000101010101" pitchFamily="18" charset="-127"/>
-            </a:endParaRPr>
-          </a:p>
-          <a:p>
-            <a:r>
-              <a:rPr lang="ko-KR" altLang="en-US" dirty="0" err="1">
-                <a:latin typeface="HY엽서M" panose="02030600000101010101" pitchFamily="18" charset="-127"/>
-                <a:ea typeface="HY엽서M" panose="02030600000101010101" pitchFamily="18" charset="-127"/>
-              </a:rPr>
-              <a:t>맵은</a:t>
-            </a:r>
-            <a:r>
-              <a:rPr lang="ko-KR" altLang="en-US" dirty="0">
-                <a:latin typeface="HY엽서M" panose="02030600000101010101" pitchFamily="18" charset="-127"/>
-                <a:ea typeface="HY엽서M" panose="02030600000101010101" pitchFamily="18" charset="-127"/>
-              </a:rPr>
-              <a:t> 여러가지이며 출몰 포인트가 많을 수록 난이도가 높은 </a:t>
-            </a:r>
-            <a:r>
-              <a:rPr lang="ko-KR" altLang="en-US" dirty="0" err="1">
-                <a:latin typeface="HY엽서M" panose="02030600000101010101" pitchFamily="18" charset="-127"/>
-                <a:ea typeface="HY엽서M" panose="02030600000101010101" pitchFamily="18" charset="-127"/>
-              </a:rPr>
-              <a:t>맵이다</a:t>
-            </a:r>
-            <a:r>
-              <a:rPr lang="en-US" altLang="ko-KR" dirty="0">
-                <a:latin typeface="HY엽서M" panose="02030600000101010101" pitchFamily="18" charset="-127"/>
-                <a:ea typeface="HY엽서M" panose="02030600000101010101" pitchFamily="18" charset="-127"/>
-              </a:rPr>
-              <a:t>.</a:t>
-            </a:r>
-          </a:p>
-          <a:p>
-            <a:endParaRPr lang="en-US" altLang="ko-KR" dirty="0">
-              <a:latin typeface="HY엽서M" panose="02030600000101010101" pitchFamily="18" charset="-127"/>
-              <a:ea typeface="HY엽서M" panose="02030600000101010101" pitchFamily="18" charset="-127"/>
-            </a:endParaRPr>
-          </a:p>
-          <a:p>
-            <a:r>
-              <a:rPr lang="ko-KR" altLang="en-US" dirty="0" err="1">
-                <a:latin typeface="HY엽서M" panose="02030600000101010101" pitchFamily="18" charset="-127"/>
-                <a:ea typeface="HY엽서M" panose="02030600000101010101" pitchFamily="18" charset="-127"/>
-              </a:rPr>
-              <a:t>맵은</a:t>
-            </a:r>
-            <a:r>
-              <a:rPr lang="ko-KR" altLang="en-US" dirty="0">
-                <a:latin typeface="HY엽서M" panose="02030600000101010101" pitchFamily="18" charset="-127"/>
-                <a:ea typeface="HY엽서M" panose="02030600000101010101" pitchFamily="18" charset="-127"/>
-              </a:rPr>
-              <a:t> 주로 폐허가 된 도시 혹은 벌판이다</a:t>
-            </a:r>
-            <a:r>
-              <a:rPr lang="en-US" altLang="ko-KR" dirty="0">
-                <a:latin typeface="HY엽서M" panose="02030600000101010101" pitchFamily="18" charset="-127"/>
-                <a:ea typeface="HY엽서M" panose="02030600000101010101" pitchFamily="18" charset="-127"/>
-              </a:rPr>
-              <a:t>.</a:t>
-            </a:r>
-            <a:endParaRPr lang="en-US" altLang="ko-KR" dirty="0"/>
-          </a:p>
-          <a:p>
-            <a:endParaRPr lang="en-US" altLang="ko-KR" dirty="0"/>
-          </a:p>
-        </p:txBody>
-      </p:sp>
+            <p:extLst>
+              <p:ext uri="{D42A27DB-BD31-4B8C-83A1-F6EECF244321}">
+                <p14:modId xmlns:p14="http://schemas.microsoft.com/office/powerpoint/2010/main" val="1789836266"/>
+              </p:ext>
+            </p:extLst>
+          </p:nvPr>
+        </p:nvGraphicFramePr>
+        <p:xfrm>
+          <a:off x="1535113" y="2016125"/>
+          <a:ext cx="9520236" cy="4286460"/>
+        </p:xfrm>
+        <a:graphic>
+          <a:graphicData uri="http://schemas.openxmlformats.org/drawingml/2006/table">
+            <a:tbl>
+              <a:tblPr firstRow="1" bandRow="1">
+                <a:tableStyleId>{5C22544A-7EE6-4342-B048-85BDC9FD1C3A}</a:tableStyleId>
+              </a:tblPr>
+              <a:tblGrid>
+                <a:gridCol w="3173412">
+                  <a:extLst>
+                    <a:ext uri="{9D8B030D-6E8A-4147-A177-3AD203B41FA5}">
+                      <a16:colId xmlns:a16="http://schemas.microsoft.com/office/drawing/2014/main" val="2457546027"/>
+                    </a:ext>
+                  </a:extLst>
+                </a:gridCol>
+                <a:gridCol w="3173412">
+                  <a:extLst>
+                    <a:ext uri="{9D8B030D-6E8A-4147-A177-3AD203B41FA5}">
+                      <a16:colId xmlns:a16="http://schemas.microsoft.com/office/drawing/2014/main" val="4110377944"/>
+                    </a:ext>
+                  </a:extLst>
+                </a:gridCol>
+                <a:gridCol w="3173412">
+                  <a:extLst>
+                    <a:ext uri="{9D8B030D-6E8A-4147-A177-3AD203B41FA5}">
+                      <a16:colId xmlns:a16="http://schemas.microsoft.com/office/drawing/2014/main" val="24367326"/>
+                    </a:ext>
+                  </a:extLst>
+                </a:gridCol>
+              </a:tblGrid>
+              <a:tr h="674412">
+                <a:tc>
+                  <a:txBody>
+                    <a:bodyPr/>
+                    <a:lstStyle/>
+                    <a:p>
+                      <a:pPr algn="ctr" latinLnBrk="1"/>
+                      <a:r>
+                        <a:rPr lang="ko-KR" altLang="en-US" dirty="0"/>
+                        <a:t>개발 단계</a:t>
+                      </a:r>
+                    </a:p>
+                  </a:txBody>
+                  <a:tcPr/>
+                </a:tc>
+                <a:tc>
+                  <a:txBody>
+                    <a:bodyPr/>
+                    <a:lstStyle/>
+                    <a:p>
+                      <a:pPr algn="ctr" latinLnBrk="1"/>
+                      <a:r>
+                        <a:rPr lang="ko-KR" altLang="en-US" dirty="0"/>
+                        <a:t>개발 내용</a:t>
+                      </a:r>
+                    </a:p>
+                  </a:txBody>
+                  <a:tcPr/>
+                </a:tc>
+                <a:tc>
+                  <a:txBody>
+                    <a:bodyPr/>
+                    <a:lstStyle/>
+                    <a:p>
+                      <a:pPr algn="ctr" latinLnBrk="1"/>
+                      <a:r>
+                        <a:rPr lang="ko-KR" altLang="en-US" dirty="0"/>
+                        <a:t>시기</a:t>
+                      </a:r>
+                    </a:p>
+                  </a:txBody>
+                  <a:tcPr/>
+                </a:tc>
+                <a:extLst>
+                  <a:ext uri="{0D108BD9-81ED-4DB2-BD59-A6C34878D82A}">
+                    <a16:rowId xmlns:a16="http://schemas.microsoft.com/office/drawing/2014/main" val="151275782"/>
+                  </a:ext>
+                </a:extLst>
+              </a:tr>
+              <a:tr h="674412">
+                <a:tc>
+                  <a:txBody>
+                    <a:bodyPr/>
+                    <a:lstStyle/>
+                    <a:p>
+                      <a:pPr latinLnBrk="1"/>
+                      <a:r>
+                        <a:rPr lang="ko-KR" altLang="en-US" dirty="0"/>
+                        <a:t>프로토타입</a:t>
+                      </a:r>
+                      <a:r>
+                        <a:rPr lang="en-US" altLang="ko-KR" sz="1800" b="0" i="0" kern="1200" dirty="0">
+                          <a:solidFill>
+                            <a:schemeClr val="dk1"/>
+                          </a:solidFill>
+                          <a:effectLst/>
+                          <a:latin typeface="+mn-lt"/>
+                          <a:ea typeface="+mn-ea"/>
+                          <a:cs typeface="+mn-cs"/>
+                        </a:rPr>
+                        <a:t>Ⅱ</a:t>
+                      </a:r>
+                      <a:r>
+                        <a:rPr lang="ko-KR" altLang="en-US" baseline="0" dirty="0"/>
+                        <a:t> </a:t>
+                      </a:r>
+                      <a:r>
+                        <a:rPr lang="ko-KR" altLang="en-US" dirty="0"/>
+                        <a:t>개발</a:t>
+                      </a:r>
+                    </a:p>
+                  </a:txBody>
+                  <a:tcPr/>
+                </a:tc>
+                <a:tc>
+                  <a:txBody>
+                    <a:bodyPr/>
+                    <a:lstStyle/>
+                    <a:p>
+                      <a:pPr latinLnBrk="1"/>
+                      <a:r>
+                        <a:rPr lang="ko-KR" altLang="en-US" dirty="0"/>
+                        <a:t>현 프로토타입에서 </a:t>
+                      </a:r>
+                      <a:endParaRPr lang="en-US" altLang="ko-KR" dirty="0"/>
+                    </a:p>
+                    <a:p>
+                      <a:pPr latinLnBrk="1"/>
+                      <a:r>
+                        <a:rPr lang="ko-KR" altLang="en-US" dirty="0"/>
+                        <a:t>스킬</a:t>
+                      </a:r>
+                      <a:r>
+                        <a:rPr lang="en-US" altLang="ko-KR" dirty="0"/>
+                        <a:t>,</a:t>
+                      </a:r>
+                      <a:r>
+                        <a:rPr lang="ko-KR" altLang="en-US" dirty="0"/>
+                        <a:t>직업</a:t>
+                      </a:r>
+                      <a:r>
+                        <a:rPr lang="en-US" altLang="ko-KR" dirty="0"/>
+                        <a:t>,</a:t>
+                      </a:r>
+                      <a:r>
+                        <a:rPr lang="en-US" altLang="ko-KR" baseline="0" dirty="0"/>
+                        <a:t> </a:t>
+                      </a:r>
+                      <a:r>
+                        <a:rPr lang="ko-KR" altLang="en-US" baseline="0" dirty="0"/>
+                        <a:t>캐릭터가 입는 피해 등을 개발</a:t>
+                      </a:r>
+                      <a:endParaRPr lang="ko-KR" altLang="en-US" dirty="0"/>
+                    </a:p>
+                  </a:txBody>
+                  <a:tcPr/>
+                </a:tc>
+                <a:tc>
+                  <a:txBody>
+                    <a:bodyPr/>
+                    <a:lstStyle/>
+                    <a:p>
+                      <a:pPr latinLnBrk="1"/>
+                      <a:r>
+                        <a:rPr lang="en-US" altLang="ko-KR" dirty="0"/>
+                        <a:t>7</a:t>
+                      </a:r>
+                      <a:r>
+                        <a:rPr lang="ko-KR" altLang="en-US" dirty="0"/>
+                        <a:t>월 초 </a:t>
+                      </a:r>
+                      <a:r>
+                        <a:rPr lang="en-US" altLang="ko-KR" dirty="0"/>
+                        <a:t>~ 7</a:t>
+                      </a:r>
+                      <a:r>
+                        <a:rPr lang="ko-KR" altLang="en-US" dirty="0"/>
+                        <a:t>월 말</a:t>
+                      </a:r>
+                    </a:p>
+                  </a:txBody>
+                  <a:tcPr/>
+                </a:tc>
+                <a:extLst>
+                  <a:ext uri="{0D108BD9-81ED-4DB2-BD59-A6C34878D82A}">
+                    <a16:rowId xmlns:a16="http://schemas.microsoft.com/office/drawing/2014/main" val="1436072150"/>
+                  </a:ext>
+                </a:extLst>
+              </a:tr>
+              <a:tr h="674412">
+                <a:tc>
+                  <a:txBody>
+                    <a:bodyPr/>
+                    <a:lstStyle/>
+                    <a:p>
+                      <a:pPr latinLnBrk="1"/>
+                      <a:r>
+                        <a:rPr lang="ko-KR" altLang="en-US" dirty="0"/>
+                        <a:t>코어 게임요소 개발</a:t>
+                      </a:r>
+                    </a:p>
+                  </a:txBody>
+                  <a:tcPr/>
+                </a:tc>
+                <a:tc>
+                  <a:txBody>
+                    <a:bodyPr/>
+                    <a:lstStyle/>
+                    <a:p>
+                      <a:pPr latinLnBrk="1"/>
+                      <a:r>
+                        <a:rPr lang="ko-KR" altLang="en-US" dirty="0"/>
+                        <a:t>팁 조합</a:t>
+                      </a:r>
+                      <a:r>
+                        <a:rPr lang="en-US" altLang="ko-KR" dirty="0"/>
+                        <a:t>, </a:t>
+                      </a:r>
+                      <a:r>
+                        <a:rPr lang="ko-KR" altLang="en-US" dirty="0"/>
+                        <a:t>장비</a:t>
+                      </a:r>
+                      <a:r>
+                        <a:rPr lang="en-US" altLang="ko-KR" dirty="0"/>
+                        <a:t>,</a:t>
+                      </a:r>
+                      <a:r>
+                        <a:rPr lang="en-US" altLang="ko-KR" baseline="0" dirty="0"/>
+                        <a:t> </a:t>
+                      </a:r>
+                      <a:r>
+                        <a:rPr lang="ko-KR" altLang="en-US" baseline="0" dirty="0"/>
+                        <a:t>강화</a:t>
+                      </a:r>
+                      <a:r>
+                        <a:rPr lang="en-US" altLang="ko-KR" baseline="0" dirty="0"/>
+                        <a:t>, </a:t>
+                      </a:r>
+                      <a:r>
+                        <a:rPr lang="ko-KR" altLang="en-US" baseline="0" dirty="0" err="1"/>
+                        <a:t>쉘터</a:t>
+                      </a:r>
+                      <a:r>
+                        <a:rPr lang="ko-KR" altLang="en-US" baseline="0" dirty="0"/>
+                        <a:t> 등 게임의 코어요소 개발</a:t>
+                      </a:r>
+                      <a:endParaRPr lang="ko-KR" altLang="en-US" dirty="0"/>
+                    </a:p>
+                  </a:txBody>
+                  <a:tcPr/>
+                </a:tc>
+                <a:tc>
+                  <a:txBody>
+                    <a:bodyPr/>
+                    <a:lstStyle/>
+                    <a:p>
+                      <a:pPr latinLnBrk="1"/>
+                      <a:r>
+                        <a:rPr lang="en-US" altLang="ko-KR" dirty="0"/>
+                        <a:t>7</a:t>
+                      </a:r>
+                      <a:r>
+                        <a:rPr lang="ko-KR" altLang="en-US" dirty="0"/>
+                        <a:t>월 말 </a:t>
+                      </a:r>
+                      <a:r>
+                        <a:rPr lang="en-US" altLang="ko-KR" dirty="0"/>
+                        <a:t>~ 9</a:t>
+                      </a:r>
+                      <a:r>
+                        <a:rPr lang="ko-KR" altLang="en-US" dirty="0"/>
+                        <a:t>월 중순</a:t>
+                      </a:r>
+                    </a:p>
+                  </a:txBody>
+                  <a:tcPr/>
+                </a:tc>
+                <a:extLst>
+                  <a:ext uri="{0D108BD9-81ED-4DB2-BD59-A6C34878D82A}">
+                    <a16:rowId xmlns:a16="http://schemas.microsoft.com/office/drawing/2014/main" val="29636668"/>
+                  </a:ext>
+                </a:extLst>
+              </a:tr>
+              <a:tr h="674412">
+                <a:tc>
+                  <a:txBody>
+                    <a:bodyPr/>
+                    <a:lstStyle/>
+                    <a:p>
+                      <a:pPr latinLnBrk="1"/>
+                      <a:r>
+                        <a:rPr lang="ko-KR" altLang="en-US" dirty="0"/>
+                        <a:t>퀘스트</a:t>
+                      </a:r>
+                      <a:r>
+                        <a:rPr lang="en-US" altLang="ko-KR" dirty="0"/>
+                        <a:t>(</a:t>
+                      </a:r>
+                      <a:r>
+                        <a:rPr lang="ko-KR" altLang="en-US" dirty="0"/>
+                        <a:t>스테이지</a:t>
+                      </a:r>
+                      <a:r>
+                        <a:rPr lang="en-US" altLang="ko-KR" dirty="0"/>
+                        <a:t>) </a:t>
+                      </a:r>
+                      <a:r>
+                        <a:rPr lang="ko-KR" altLang="en-US" dirty="0"/>
+                        <a:t>및 캐릭터</a:t>
+                      </a:r>
+                      <a:r>
+                        <a:rPr lang="en-US" altLang="ko-KR" dirty="0"/>
+                        <a:t>(NPC or Enemy) </a:t>
+                      </a:r>
+                      <a:r>
+                        <a:rPr lang="ko-KR" altLang="en-US" dirty="0"/>
+                        <a:t>개발</a:t>
+                      </a:r>
+                    </a:p>
+                  </a:txBody>
+                  <a:tcPr/>
+                </a:tc>
+                <a:tc>
+                  <a:txBody>
+                    <a:bodyPr/>
+                    <a:lstStyle/>
+                    <a:p>
+                      <a:pPr latinLnBrk="1"/>
+                      <a:r>
+                        <a:rPr lang="en-US" altLang="ko-KR" dirty="0"/>
+                        <a:t>NPC</a:t>
+                      </a:r>
+                      <a:r>
+                        <a:rPr lang="ko-KR" altLang="en-US" dirty="0"/>
+                        <a:t>혹은 적들의 애니메이션추가와 퀘스트</a:t>
+                      </a:r>
+                      <a:r>
+                        <a:rPr lang="en-US" altLang="ko-KR" dirty="0"/>
+                        <a:t>,</a:t>
+                      </a:r>
+                      <a:r>
+                        <a:rPr lang="en-US" altLang="ko-KR" baseline="0" dirty="0"/>
+                        <a:t> </a:t>
+                      </a:r>
+                      <a:r>
+                        <a:rPr lang="ko-KR" altLang="en-US" baseline="0" dirty="0"/>
+                        <a:t>맵</a:t>
+                      </a:r>
+                      <a:r>
+                        <a:rPr lang="en-US" altLang="ko-KR" baseline="0" dirty="0"/>
+                        <a:t>(</a:t>
+                      </a:r>
+                      <a:r>
+                        <a:rPr lang="ko-KR" altLang="en-US" baseline="0" dirty="0"/>
+                        <a:t>전장</a:t>
+                      </a:r>
+                      <a:r>
+                        <a:rPr lang="en-US" altLang="ko-KR" baseline="0" dirty="0"/>
+                        <a:t>)</a:t>
+                      </a:r>
+                      <a:r>
+                        <a:rPr lang="ko-KR" altLang="en-US" baseline="0" dirty="0"/>
+                        <a:t>추가</a:t>
+                      </a:r>
+                      <a:endParaRPr lang="ko-KR" altLang="en-US" dirty="0"/>
+                    </a:p>
+                  </a:txBody>
+                  <a:tcPr/>
+                </a:tc>
+                <a:tc>
+                  <a:txBody>
+                    <a:bodyPr/>
+                    <a:lstStyle/>
+                    <a:p>
+                      <a:pPr latinLnBrk="1"/>
+                      <a:r>
+                        <a:rPr lang="en-US" altLang="ko-KR" dirty="0"/>
+                        <a:t>9</a:t>
+                      </a:r>
+                      <a:r>
+                        <a:rPr lang="ko-KR" altLang="en-US" dirty="0"/>
+                        <a:t>월 중순 </a:t>
+                      </a:r>
+                      <a:r>
+                        <a:rPr lang="en-US" altLang="ko-KR" dirty="0"/>
+                        <a:t>~ 10</a:t>
+                      </a:r>
+                      <a:r>
+                        <a:rPr lang="ko-KR" altLang="en-US" dirty="0"/>
+                        <a:t>월 말</a:t>
+                      </a:r>
+                    </a:p>
+                  </a:txBody>
+                  <a:tcPr/>
+                </a:tc>
+                <a:extLst>
+                  <a:ext uri="{0D108BD9-81ED-4DB2-BD59-A6C34878D82A}">
+                    <a16:rowId xmlns:a16="http://schemas.microsoft.com/office/drawing/2014/main" val="3429331934"/>
+                  </a:ext>
+                </a:extLst>
+              </a:tr>
+              <a:tr h="674412">
+                <a:tc>
+                  <a:txBody>
+                    <a:bodyPr/>
+                    <a:lstStyle/>
+                    <a:p>
+                      <a:pPr latinLnBrk="1"/>
+                      <a:r>
+                        <a:rPr lang="en-US" altLang="ko-KR" dirty="0"/>
+                        <a:t>UI</a:t>
+                      </a:r>
+                      <a:r>
+                        <a:rPr lang="en-US" altLang="ko-KR" baseline="0" dirty="0"/>
+                        <a:t> </a:t>
+                      </a:r>
+                      <a:r>
+                        <a:rPr lang="ko-KR" altLang="en-US" baseline="0" dirty="0"/>
+                        <a:t>및 화면 구성 개발</a:t>
+                      </a:r>
+                      <a:endParaRPr lang="ko-KR" altLang="en-US" dirty="0"/>
+                    </a:p>
+                  </a:txBody>
+                  <a:tcPr/>
+                </a:tc>
+                <a:tc>
+                  <a:txBody>
+                    <a:bodyPr/>
+                    <a:lstStyle/>
+                    <a:p>
+                      <a:pPr latinLnBrk="1"/>
+                      <a:r>
+                        <a:rPr lang="ko-KR" altLang="en-US" dirty="0"/>
+                        <a:t>스타트 화면 및 </a:t>
+                      </a:r>
+                      <a:r>
+                        <a:rPr lang="ko-KR" altLang="en-US" dirty="0" err="1"/>
+                        <a:t>쉘터</a:t>
+                      </a:r>
+                      <a:r>
+                        <a:rPr lang="ko-KR" altLang="en-US" dirty="0"/>
+                        <a:t> 내의 </a:t>
+                      </a:r>
+                      <a:r>
+                        <a:rPr lang="en-US" altLang="ko-KR" dirty="0"/>
+                        <a:t>UI </a:t>
+                      </a:r>
+                      <a:r>
+                        <a:rPr lang="ko-KR" altLang="en-US" dirty="0"/>
+                        <a:t>제작</a:t>
+                      </a:r>
+                    </a:p>
+                  </a:txBody>
+                  <a:tcPr/>
+                </a:tc>
+                <a:tc>
+                  <a:txBody>
+                    <a:bodyPr/>
+                    <a:lstStyle/>
+                    <a:p>
+                      <a:pPr latinLnBrk="1"/>
+                      <a:r>
+                        <a:rPr lang="en-US" altLang="ko-KR" dirty="0"/>
+                        <a:t>10</a:t>
+                      </a:r>
+                      <a:r>
+                        <a:rPr lang="ko-KR" altLang="en-US" dirty="0"/>
+                        <a:t>월 말 </a:t>
+                      </a:r>
+                      <a:r>
+                        <a:rPr lang="en-US" altLang="ko-KR" dirty="0"/>
+                        <a:t>~ 12</a:t>
+                      </a:r>
+                      <a:r>
+                        <a:rPr lang="ko-KR" altLang="en-US" dirty="0"/>
+                        <a:t>월</a:t>
+                      </a:r>
+                      <a:r>
+                        <a:rPr lang="ko-KR" altLang="en-US" baseline="0" dirty="0"/>
+                        <a:t> 초</a:t>
+                      </a:r>
+                      <a:endParaRPr lang="ko-KR" altLang="en-US" dirty="0"/>
+                    </a:p>
+                  </a:txBody>
+                  <a:tcPr/>
+                </a:tc>
+                <a:extLst>
+                  <a:ext uri="{0D108BD9-81ED-4DB2-BD59-A6C34878D82A}">
+                    <a16:rowId xmlns:a16="http://schemas.microsoft.com/office/drawing/2014/main" val="514361808"/>
+                  </a:ext>
+                </a:extLst>
+              </a:tr>
+              <a:tr h="674412">
+                <a:tc>
+                  <a:txBody>
+                    <a:bodyPr/>
+                    <a:lstStyle/>
+                    <a:p>
+                      <a:pPr latinLnBrk="1"/>
+                      <a:r>
+                        <a:rPr lang="ko-KR" altLang="en-US" dirty="0"/>
+                        <a:t>버그 수정 및 베타테스트</a:t>
+                      </a:r>
+                    </a:p>
+                  </a:txBody>
+                  <a:tcPr/>
+                </a:tc>
+                <a:tc>
+                  <a:txBody>
+                    <a:bodyPr/>
+                    <a:lstStyle/>
+                    <a:p>
+                      <a:pPr latinLnBrk="1"/>
+                      <a:r>
+                        <a:rPr lang="ko-KR" altLang="en-US" dirty="0"/>
+                        <a:t>지인분들께 베타테스트를 부탁 과 각종 버그해결</a:t>
+                      </a:r>
+                    </a:p>
+                  </a:txBody>
+                  <a:tcPr/>
+                </a:tc>
+                <a:tc>
+                  <a:txBody>
+                    <a:bodyPr/>
+                    <a:lstStyle/>
+                    <a:p>
+                      <a:pPr latinLnBrk="1"/>
+                      <a:r>
+                        <a:rPr lang="en-US" altLang="ko-KR" dirty="0"/>
+                        <a:t>12</a:t>
+                      </a:r>
+                      <a:r>
+                        <a:rPr lang="ko-KR" altLang="en-US" dirty="0"/>
+                        <a:t>월 초</a:t>
+                      </a:r>
+                      <a:r>
+                        <a:rPr lang="en-US" altLang="ko-KR" dirty="0"/>
+                        <a:t>~1</a:t>
+                      </a:r>
+                      <a:r>
+                        <a:rPr lang="ko-KR" altLang="en-US" dirty="0"/>
+                        <a:t>월 초</a:t>
+                      </a:r>
+                    </a:p>
+                  </a:txBody>
+                  <a:tcPr/>
+                </a:tc>
+                <a:extLst>
+                  <a:ext uri="{0D108BD9-81ED-4DB2-BD59-A6C34878D82A}">
+                    <a16:rowId xmlns:a16="http://schemas.microsoft.com/office/drawing/2014/main" val="1560404014"/>
+                  </a:ext>
+                </a:extLst>
+              </a:tr>
+            </a:tbl>
+          </a:graphicData>
+        </a:graphic>
+      </p:graphicFrame>
     </p:spTree>
     <p:extLst>
       <p:ext uri="{BB962C8B-B14F-4D97-AF65-F5344CB8AC3E}">
-        <p14:creationId xmlns:p14="http://schemas.microsoft.com/office/powerpoint/2010/main" val="2405748763"/>
+        <p14:creationId xmlns:p14="http://schemas.microsoft.com/office/powerpoint/2010/main" val="93846784"/>
       </p:ext>
     </p:extLst>
   </p:cSld>
@@ -7227,12 +7924,12 @@
       </p:grpSpPr>
       <p:sp>
         <p:nvSpPr>
-          <p:cNvPr id="3" name="제목 2"/>
+          <p:cNvPr id="2" name="제목 1"/>
           <p:cNvSpPr>
             <a:spLocks noGrp="1"/>
           </p:cNvSpPr>
           <p:nvPr>
-            <p:ph type="title"/>
+            <p:ph type="ctrTitle"/>
           </p:nvPr>
         </p:nvSpPr>
         <p:spPr/>
@@ -7241,24 +7938,25 @@
           <a:lstStyle/>
           <a:p>
             <a:r>
+              <a:rPr lang="ko-KR" altLang="en-US" dirty="0"/>
+              <a:t>지금까지 읽어 주셔서 감사합니다</a:t>
+            </a:r>
+            <a:r>
               <a:rPr lang="en-US" altLang="ko-KR" dirty="0"/>
-              <a:t>4. </a:t>
-            </a:r>
-            <a:r>
-              <a:rPr lang="ko-KR" altLang="en-US" dirty="0"/>
-              <a:t>개발 일정</a:t>
-            </a:r>
-          </a:p>
-        </p:txBody>
-      </p:sp>
-      <p:sp>
-        <p:nvSpPr>
-          <p:cNvPr id="2" name="내용 개체 틀 1"/>
+              <a:t>!</a:t>
+            </a:r>
+            <a:endParaRPr lang="ko-KR" altLang="en-US" dirty="0"/>
+          </a:p>
+        </p:txBody>
+      </p:sp>
+      <p:sp>
+        <p:nvSpPr>
+          <p:cNvPr id="3" name="부제목 2"/>
           <p:cNvSpPr>
             <a:spLocks noGrp="1"/>
           </p:cNvSpPr>
           <p:nvPr>
-            <p:ph idx="1"/>
+            <p:ph type="subTitle" idx="1"/>
           </p:nvPr>
         </p:nvSpPr>
         <p:spPr/>
@@ -7266,14 +7964,30 @@
           <a:bodyPr/>
           <a:lstStyle/>
           <a:p>
-            <a:endParaRPr lang="ko-KR" altLang="en-US"/>
+            <a:r>
+              <a:rPr lang="ko-KR" altLang="en-US" dirty="0"/>
+              <a:t>뽑히지 않더라도</a:t>
+            </a:r>
+            <a:r>
+              <a:rPr lang="en-US" altLang="ko-KR" dirty="0"/>
+              <a:t>, </a:t>
+            </a:r>
+            <a:r>
+              <a:rPr lang="ko-KR" altLang="en-US" dirty="0"/>
+              <a:t>어디가 맘에 안 들고 어디가 부족한지 메일로 알려주시면 감사하겠습니다</a:t>
+            </a:r>
+            <a:r>
+              <a:rPr lang="en-US" altLang="ko-KR" dirty="0"/>
+              <a:t>!</a:t>
+            </a:r>
+            <a:endParaRPr lang="ko-KR" altLang="en-US" dirty="0"/>
           </a:p>
         </p:txBody>
       </p:sp>
     </p:spTree>
     <p:extLst>
       <p:ext uri="{BB962C8B-B14F-4D97-AF65-F5344CB8AC3E}">
-        <p14:creationId xmlns:p14="http://schemas.microsoft.com/office/powerpoint/2010/main" val="93846784"/>
+        <p14:creationId xmlns:p14="http://schemas.microsoft.com/office/powerpoint/2010/main" val="1706392186"/>
       </p:ext>
     </p:extLst>
   </p:cSld>
@@ -7343,89 +8057,105 @@
           <a:p>
             <a:r>
               <a:rPr lang="en-US" altLang="ko-KR" dirty="0">
-                <a:latin typeface="HY엽서M" panose="02030600000101010101" pitchFamily="18" charset="-127"/>
-                <a:ea typeface="HY엽서M" panose="02030600000101010101" pitchFamily="18" charset="-127"/>
+                <a:latin typeface="+mj-ea"/>
+                <a:ea typeface="+mj-ea"/>
               </a:rPr>
               <a:t>Team SEED</a:t>
             </a:r>
             <a:r>
               <a:rPr lang="ko-KR" altLang="en-US" dirty="0">
-                <a:latin typeface="HY엽서M" panose="02030600000101010101" pitchFamily="18" charset="-127"/>
-                <a:ea typeface="HY엽서M" panose="02030600000101010101" pitchFamily="18" charset="-127"/>
+                <a:latin typeface="+mj-ea"/>
+                <a:ea typeface="+mj-ea"/>
               </a:rPr>
               <a:t>는 </a:t>
             </a:r>
             <a:r>
               <a:rPr lang="en-US" altLang="ko-KR" dirty="0">
-                <a:latin typeface="HY엽서M" panose="02030600000101010101" pitchFamily="18" charset="-127"/>
-                <a:ea typeface="HY엽서M" panose="02030600000101010101" pitchFamily="18" charset="-127"/>
+                <a:latin typeface="+mj-ea"/>
+                <a:ea typeface="+mj-ea"/>
               </a:rPr>
               <a:t>2017</a:t>
             </a:r>
             <a:r>
               <a:rPr lang="ko-KR" altLang="en-US" dirty="0">
-                <a:latin typeface="HY엽서M" panose="02030600000101010101" pitchFamily="18" charset="-127"/>
-                <a:ea typeface="HY엽서M" panose="02030600000101010101" pitchFamily="18" charset="-127"/>
+                <a:latin typeface="+mj-ea"/>
+                <a:ea typeface="+mj-ea"/>
               </a:rPr>
               <a:t>년 </a:t>
             </a:r>
             <a:r>
               <a:rPr lang="en-US" altLang="ko-KR" dirty="0">
-                <a:latin typeface="HY엽서M" panose="02030600000101010101" pitchFamily="18" charset="-127"/>
-                <a:ea typeface="HY엽서M" panose="02030600000101010101" pitchFamily="18" charset="-127"/>
+                <a:latin typeface="+mj-ea"/>
+                <a:ea typeface="+mj-ea"/>
               </a:rPr>
               <a:t>4</a:t>
             </a:r>
             <a:r>
               <a:rPr lang="ko-KR" altLang="en-US" dirty="0">
-                <a:latin typeface="HY엽서M" panose="02030600000101010101" pitchFamily="18" charset="-127"/>
-                <a:ea typeface="HY엽서M" panose="02030600000101010101" pitchFamily="18" charset="-127"/>
+                <a:latin typeface="+mj-ea"/>
+                <a:ea typeface="+mj-ea"/>
               </a:rPr>
               <a:t>월</a:t>
             </a:r>
             <a:r>
               <a:rPr lang="en-US" altLang="ko-KR" dirty="0">
-                <a:latin typeface="HY엽서M" panose="02030600000101010101" pitchFamily="18" charset="-127"/>
-                <a:ea typeface="HY엽서M" panose="02030600000101010101" pitchFamily="18" charset="-127"/>
+                <a:latin typeface="+mj-ea"/>
+                <a:ea typeface="+mj-ea"/>
               </a:rPr>
               <a:t>, </a:t>
             </a:r>
             <a:r>
               <a:rPr lang="ko-KR" altLang="en-US" dirty="0">
-                <a:latin typeface="HY엽서M" panose="02030600000101010101" pitchFamily="18" charset="-127"/>
-                <a:ea typeface="HY엽서M" panose="02030600000101010101" pitchFamily="18" charset="-127"/>
+                <a:latin typeface="+mj-ea"/>
+                <a:ea typeface="+mj-ea"/>
               </a:rPr>
               <a:t>무한한 가능성이 담겨있는 씨앗과도 같은 팀이 되고자 만들어졌습니다</a:t>
             </a:r>
             <a:r>
               <a:rPr lang="en-US" altLang="ko-KR" dirty="0">
-                <a:latin typeface="HY엽서M" panose="02030600000101010101" pitchFamily="18" charset="-127"/>
-                <a:ea typeface="HY엽서M" panose="02030600000101010101" pitchFamily="18" charset="-127"/>
+                <a:latin typeface="+mj-ea"/>
+                <a:ea typeface="+mj-ea"/>
               </a:rPr>
               <a:t>.</a:t>
             </a:r>
           </a:p>
           <a:p>
-            <a:endParaRPr lang="en-US" altLang="ko-KR" dirty="0"/>
-          </a:p>
-          <a:p>
-            <a:r>
-              <a:rPr lang="ko-KR" altLang="en-US" dirty="0">
-                <a:latin typeface="HY엽서M" panose="02030600000101010101" pitchFamily="18" charset="-127"/>
-                <a:ea typeface="HY엽서M" panose="02030600000101010101" pitchFamily="18" charset="-127"/>
-              </a:rPr>
-              <a:t>시작은 미약한 씨앗이더라도 끝은 거대한 나무가 되어 게임업계의 기둥이 되고자 합니다</a:t>
-            </a:r>
-            <a:r>
-              <a:rPr lang="en-US" altLang="ko-KR" dirty="0">
-                <a:latin typeface="HY엽서M" panose="02030600000101010101" pitchFamily="18" charset="-127"/>
-                <a:ea typeface="HY엽서M" panose="02030600000101010101" pitchFamily="18" charset="-127"/>
+            <a:endParaRPr lang="en-US" altLang="ko-KR" dirty="0">
+              <a:latin typeface="+mj-ea"/>
+              <a:ea typeface="+mj-ea"/>
+            </a:endParaRPr>
+          </a:p>
+          <a:p>
+            <a:r>
+              <a:rPr lang="ko-KR" altLang="en-US" dirty="0">
+                <a:latin typeface="+mj-ea"/>
+                <a:ea typeface="+mj-ea"/>
+              </a:rPr>
+              <a:t>시작은 </a:t>
+            </a:r>
+            <a:r>
+              <a:rPr lang="ko-KR" altLang="en-US" dirty="0">
+                <a:latin typeface="+mn-ea"/>
+              </a:rPr>
+              <a:t>미약한</a:t>
+            </a:r>
+            <a:r>
+              <a:rPr lang="ko-KR" altLang="en-US" dirty="0">
+                <a:latin typeface="+mj-ea"/>
+                <a:ea typeface="+mj-ea"/>
+              </a:rPr>
+              <a:t> 씨앗이더라도 끝은 거대한 나무가 되어 게임업계의 기둥이 되고자 합니다</a:t>
+            </a:r>
+            <a:r>
+              <a:rPr lang="en-US" altLang="ko-KR" dirty="0">
+                <a:latin typeface="+mj-ea"/>
+                <a:ea typeface="+mj-ea"/>
               </a:rPr>
               <a:t>.</a:t>
             </a:r>
             <a:endParaRPr lang="ko-KR" altLang="en-US" dirty="0">
-              <a:latin typeface="HY엽서M" panose="02030600000101010101" pitchFamily="18" charset="-127"/>
-              <a:ea typeface="HY엽서M" panose="02030600000101010101" pitchFamily="18" charset="-127"/>
+              <a:latin typeface="+mj-ea"/>
+              <a:ea typeface="+mj-ea"/>
             </a:endParaRPr>
           </a:p>
         </p:txBody>
@@ -7496,10 +8226,15 @@
             <p:ph idx="1"/>
           </p:nvPr>
         </p:nvSpPr>
-        <p:spPr/>
+        <p:spPr>
+          <a:xfrm>
+            <a:off x="1534696" y="1953102"/>
+            <a:ext cx="10015194" cy="4385068"/>
+          </a:xfrm>
+        </p:spPr>
         <p:txBody>
           <a:bodyPr>
-            <a:normAutofit fontScale="55000" lnSpcReduction="20000"/>
+            <a:normAutofit fontScale="62500" lnSpcReduction="20000"/>
           </a:bodyPr>
           <a:lstStyle/>
           <a:p>
@@ -7512,287 +8247,307 @@
                     </a:srgbClr>
                   </a:outerShdw>
                 </a:effectLst>
-                <a:latin typeface="HY헤드라인M" panose="02030600000101010101" pitchFamily="18" charset="-127"/>
-                <a:ea typeface="HY헤드라인M" panose="02030600000101010101" pitchFamily="18" charset="-127"/>
+                <a:latin typeface="+mj-ea"/>
+                <a:ea typeface="+mj-ea"/>
               </a:rPr>
               <a:t>(</a:t>
             </a:r>
             <a:r>
               <a:rPr lang="en-US" altLang="ko-KR" b="1" dirty="0">
-                <a:latin typeface="HY헤드라인M" panose="02030600000101010101" pitchFamily="18" charset="-127"/>
-                <a:ea typeface="HY헤드라인M" panose="02030600000101010101" pitchFamily="18" charset="-127"/>
+                <a:latin typeface="+mj-ea"/>
+                <a:ea typeface="+mj-ea"/>
               </a:rPr>
               <a:t>1) </a:t>
             </a:r>
             <a:r>
               <a:rPr lang="ko-KR" altLang="en-US" b="1" dirty="0">
-                <a:latin typeface="HY헤드라인M" panose="02030600000101010101" pitchFamily="18" charset="-127"/>
-                <a:ea typeface="HY헤드라인M" panose="02030600000101010101" pitchFamily="18" charset="-127"/>
+                <a:latin typeface="+mj-ea"/>
+                <a:ea typeface="+mj-ea"/>
               </a:rPr>
               <a:t>개요</a:t>
             </a:r>
             <a:r>
-              <a:rPr lang="en-US" altLang="ko-KR" dirty="0"/>
+              <a:rPr lang="en-US" altLang="ko-KR" dirty="0">
+                <a:latin typeface="+mj-ea"/>
+                <a:ea typeface="+mj-ea"/>
+              </a:rPr>
               <a:t>: </a:t>
             </a:r>
             <a:r>
               <a:rPr lang="en-US" altLang="ko-KR" b="1" i="1" dirty="0">
-                <a:latin typeface="HY엽서M" panose="02030600000101010101" pitchFamily="18" charset="-127"/>
-                <a:ea typeface="HY엽서M" panose="02030600000101010101" pitchFamily="18" charset="-127"/>
+                <a:latin typeface="+mj-ea"/>
+                <a:ea typeface="+mj-ea"/>
               </a:rPr>
               <a:t>＂</a:t>
             </a:r>
             <a:r>
               <a:rPr lang="ko-KR" altLang="en-US" b="1" i="1" dirty="0">
-                <a:latin typeface="HY엽서M" panose="02030600000101010101" pitchFamily="18" charset="-127"/>
-                <a:ea typeface="HY엽서M" panose="02030600000101010101" pitchFamily="18" charset="-127"/>
+                <a:latin typeface="+mj-ea"/>
+                <a:ea typeface="+mj-ea"/>
               </a:rPr>
               <a:t>퀘스트 용병</a:t>
             </a:r>
             <a:r>
               <a:rPr lang="en-US" altLang="ko-KR" b="1" i="1" dirty="0">
-                <a:latin typeface="HY엽서M" panose="02030600000101010101" pitchFamily="18" charset="-127"/>
-                <a:ea typeface="HY엽서M" panose="02030600000101010101" pitchFamily="18" charset="-127"/>
+                <a:latin typeface="+mj-ea"/>
+                <a:ea typeface="+mj-ea"/>
               </a:rPr>
               <a:t>＂</a:t>
             </a:r>
             <a:r>
-              <a:rPr lang="ko-KR" altLang="en-US" dirty="0">
-                <a:latin typeface="HY엽서M" panose="02030600000101010101" pitchFamily="18" charset="-127"/>
-                <a:ea typeface="HY엽서M" panose="02030600000101010101" pitchFamily="18" charset="-127"/>
+              <a:rPr lang="ko-KR" altLang="en-US" sz="2900" dirty="0">
+                <a:latin typeface="+mj-ea"/>
+                <a:ea typeface="+mj-ea"/>
               </a:rPr>
               <a:t>은 먼 미래</a:t>
             </a:r>
             <a:r>
-              <a:rPr lang="en-US" altLang="ko-KR" dirty="0">
-                <a:latin typeface="HY엽서M" panose="02030600000101010101" pitchFamily="18" charset="-127"/>
-                <a:ea typeface="HY엽서M" panose="02030600000101010101" pitchFamily="18" charset="-127"/>
+              <a:rPr lang="en-US" altLang="ko-KR" sz="2900" dirty="0">
+                <a:latin typeface="+mj-ea"/>
+                <a:ea typeface="+mj-ea"/>
               </a:rPr>
               <a:t>,</a:t>
             </a:r>
             <a:r>
-              <a:rPr lang="ko-KR" altLang="en-US" dirty="0">
-                <a:latin typeface="HY엽서M" panose="02030600000101010101" pitchFamily="18" charset="-127"/>
-                <a:ea typeface="HY엽서M" panose="02030600000101010101" pitchFamily="18" charset="-127"/>
-              </a:rPr>
-              <a:t> 대 우주시대에 행성 곳곳에 있는 괴수들을 퇴치하는 용병단의 </a:t>
-            </a:r>
-            <a:r>
-              <a:rPr lang="ko-KR" altLang="en-US" dirty="0"/>
-              <a:t>이야기입니다</a:t>
-            </a:r>
-            <a:r>
-              <a:rPr lang="en-US" altLang="ko-KR" dirty="0"/>
+              <a:rPr lang="ko-KR" altLang="en-US" sz="2900" dirty="0">
+                <a:latin typeface="+mj-ea"/>
+                <a:ea typeface="+mj-ea"/>
+              </a:rPr>
+              <a:t> 대 우주시대에 행성 곳곳에 있는 괴수들을 퇴치하는 용병단의 이야기입니다</a:t>
+            </a:r>
+            <a:r>
+              <a:rPr lang="en-US" altLang="ko-KR" sz="2900" dirty="0">
+                <a:latin typeface="+mj-ea"/>
+                <a:ea typeface="+mj-ea"/>
+              </a:rPr>
               <a:t>.</a:t>
             </a:r>
           </a:p>
           <a:p>
-            <a:endParaRPr lang="en-US" altLang="ko-KR" dirty="0"/>
+            <a:endParaRPr lang="en-US" altLang="ko-KR" dirty="0">
+              <a:latin typeface="+mj-ea"/>
+              <a:ea typeface="+mj-ea"/>
+            </a:endParaRPr>
           </a:p>
           <a:p>
             <a:r>
               <a:rPr lang="en-US" altLang="ko-KR" b="1" dirty="0">
-                <a:latin typeface="HY헤드라인M" panose="02030600000101010101" pitchFamily="18" charset="-127"/>
-                <a:ea typeface="HY헤드라인M" panose="02030600000101010101" pitchFamily="18" charset="-127"/>
+                <a:latin typeface="+mj-ea"/>
+                <a:ea typeface="+mj-ea"/>
               </a:rPr>
               <a:t>(2) </a:t>
             </a:r>
             <a:r>
               <a:rPr lang="ko-KR" altLang="en-US" b="1" dirty="0">
-                <a:latin typeface="HY헤드라인M" panose="02030600000101010101" pitchFamily="18" charset="-127"/>
-                <a:ea typeface="HY헤드라인M" panose="02030600000101010101" pitchFamily="18" charset="-127"/>
+                <a:latin typeface="+mj-ea"/>
+                <a:ea typeface="+mj-ea"/>
               </a:rPr>
               <a:t>룰</a:t>
             </a:r>
             <a:r>
-              <a:rPr lang="en-US" altLang="ko-KR" dirty="0"/>
+              <a:rPr lang="en-US" altLang="ko-KR" dirty="0">
+                <a:latin typeface="+mj-ea"/>
+                <a:ea typeface="+mj-ea"/>
+              </a:rPr>
               <a:t>: </a:t>
             </a:r>
             <a:r>
-              <a:rPr lang="ko-KR" altLang="en-US" dirty="0">
-                <a:latin typeface="HY엽서M" panose="02030600000101010101" pitchFamily="18" charset="-127"/>
-                <a:ea typeface="HY엽서M" panose="02030600000101010101" pitchFamily="18" charset="-127"/>
+              <a:rPr lang="ko-KR" altLang="en-US" sz="2500" dirty="0">
+                <a:latin typeface="+mj-ea"/>
+                <a:ea typeface="+mj-ea"/>
               </a:rPr>
               <a:t>의뢰소에서 퀘스트를 받아</a:t>
             </a:r>
             <a:r>
-              <a:rPr lang="en-US" altLang="ko-KR" dirty="0">
-                <a:latin typeface="HY엽서M" panose="02030600000101010101" pitchFamily="18" charset="-127"/>
-                <a:ea typeface="HY엽서M" panose="02030600000101010101" pitchFamily="18" charset="-127"/>
+              <a:rPr lang="en-US" altLang="ko-KR" sz="2500" dirty="0">
+                <a:latin typeface="+mj-ea"/>
+                <a:ea typeface="+mj-ea"/>
               </a:rPr>
               <a:t> </a:t>
             </a:r>
             <a:r>
-              <a:rPr lang="ko-KR" altLang="en-US" dirty="0">
-                <a:latin typeface="HY엽서M" panose="02030600000101010101" pitchFamily="18" charset="-127"/>
-                <a:ea typeface="HY엽서M" panose="02030600000101010101" pitchFamily="18" charset="-127"/>
+              <a:rPr lang="ko-KR" altLang="en-US" sz="2500" dirty="0">
+                <a:latin typeface="+mj-ea"/>
+                <a:ea typeface="+mj-ea"/>
               </a:rPr>
               <a:t>용병단에 있는 여러 직업의 용병 중 </a:t>
             </a:r>
             <a:r>
-              <a:rPr lang="en-US" altLang="ko-KR" dirty="0">
-                <a:latin typeface="HY엽서M" panose="02030600000101010101" pitchFamily="18" charset="-127"/>
-                <a:ea typeface="HY엽서M" panose="02030600000101010101" pitchFamily="18" charset="-127"/>
+              <a:rPr lang="en-US" altLang="ko-KR" sz="2500" dirty="0">
+                <a:latin typeface="+mj-ea"/>
+                <a:ea typeface="+mj-ea"/>
               </a:rPr>
               <a:t>4</a:t>
             </a:r>
             <a:r>
-              <a:rPr lang="ko-KR" altLang="en-US" dirty="0">
-                <a:latin typeface="HY엽서M" panose="02030600000101010101" pitchFamily="18" charset="-127"/>
-                <a:ea typeface="HY엽서M" panose="02030600000101010101" pitchFamily="18" charset="-127"/>
+              <a:rPr lang="ko-KR" altLang="en-US" sz="2500" dirty="0">
+                <a:latin typeface="+mj-ea"/>
+                <a:ea typeface="+mj-ea"/>
               </a:rPr>
               <a:t>명을 선택하여 괴수들을 퇴치한다</a:t>
             </a:r>
             <a:r>
-              <a:rPr lang="en-US" altLang="ko-KR" dirty="0"/>
+              <a:rPr lang="en-US" altLang="ko-KR" sz="2500" dirty="0">
+                <a:latin typeface="+mj-ea"/>
+                <a:ea typeface="+mj-ea"/>
+              </a:rPr>
               <a:t>.</a:t>
             </a:r>
           </a:p>
           <a:p>
-            <a:endParaRPr lang="en-US" altLang="ko-KR" dirty="0"/>
+            <a:endParaRPr lang="en-US" altLang="ko-KR" dirty="0">
+              <a:latin typeface="+mj-ea"/>
+              <a:ea typeface="+mj-ea"/>
+            </a:endParaRPr>
           </a:p>
           <a:p>
             <a:r>
               <a:rPr lang="en-US" altLang="ko-KR" b="1" dirty="0">
-                <a:latin typeface="HY헤드라인M" panose="02030600000101010101" pitchFamily="18" charset="-127"/>
-                <a:ea typeface="HY헤드라인M" panose="02030600000101010101" pitchFamily="18" charset="-127"/>
+                <a:latin typeface="+mj-ea"/>
+                <a:ea typeface="+mj-ea"/>
               </a:rPr>
               <a:t>(3) </a:t>
             </a:r>
             <a:r>
               <a:rPr lang="ko-KR" altLang="en-US" b="1" dirty="0">
-                <a:latin typeface="HY헤드라인M" panose="02030600000101010101" pitchFamily="18" charset="-127"/>
-                <a:ea typeface="HY헤드라인M" panose="02030600000101010101" pitchFamily="18" charset="-127"/>
+                <a:latin typeface="+mj-ea"/>
+                <a:ea typeface="+mj-ea"/>
               </a:rPr>
               <a:t>게임 특징</a:t>
             </a:r>
             <a:r>
-              <a:rPr lang="en-US" altLang="ko-KR" dirty="0"/>
+              <a:rPr lang="en-US" altLang="ko-KR" dirty="0">
+                <a:latin typeface="+mj-ea"/>
+                <a:ea typeface="+mj-ea"/>
+              </a:rPr>
               <a:t>: </a:t>
             </a:r>
           </a:p>
           <a:p>
             <a:r>
-              <a:rPr lang="en-US" altLang="ko-KR" dirty="0">
-                <a:latin typeface="HY엽서M" panose="02030600000101010101" pitchFamily="18" charset="-127"/>
-                <a:ea typeface="HY엽서M" panose="02030600000101010101" pitchFamily="18" charset="-127"/>
+              <a:rPr lang="en-US" altLang="ko-KR" sz="2500" dirty="0">
+                <a:latin typeface="+mj-ea"/>
+                <a:ea typeface="+mj-ea"/>
               </a:rPr>
               <a:t>1. </a:t>
             </a:r>
             <a:r>
-              <a:rPr lang="ko-KR" altLang="en-US" dirty="0">
-                <a:latin typeface="HY엽서M" panose="02030600000101010101" pitchFamily="18" charset="-127"/>
-                <a:ea typeface="HY엽서M" panose="02030600000101010101" pitchFamily="18" charset="-127"/>
+              <a:rPr lang="ko-KR" altLang="en-US" sz="2500" dirty="0">
+                <a:latin typeface="+mj-ea"/>
+                <a:ea typeface="+mj-ea"/>
               </a:rPr>
               <a:t>여러 직업의 조합에 따른 전략적 요소</a:t>
             </a:r>
-            <a:endParaRPr lang="en-US" altLang="ko-KR" dirty="0">
-              <a:latin typeface="HY엽서M" panose="02030600000101010101" pitchFamily="18" charset="-127"/>
-              <a:ea typeface="HY엽서M" panose="02030600000101010101" pitchFamily="18" charset="-127"/>
+            <a:endParaRPr lang="en-US" altLang="ko-KR" sz="2500" dirty="0">
+              <a:latin typeface="+mj-ea"/>
+              <a:ea typeface="+mj-ea"/>
             </a:endParaRPr>
           </a:p>
           <a:p>
             <a:r>
-              <a:rPr lang="en-US" altLang="ko-KR" dirty="0">
-                <a:latin typeface="HY엽서M" panose="02030600000101010101" pitchFamily="18" charset="-127"/>
-                <a:ea typeface="HY엽서M" panose="02030600000101010101" pitchFamily="18" charset="-127"/>
+              <a:rPr lang="en-US" altLang="ko-KR" sz="2500" dirty="0">
+                <a:latin typeface="+mj-ea"/>
+                <a:ea typeface="+mj-ea"/>
               </a:rPr>
               <a:t>2. </a:t>
             </a:r>
             <a:r>
-              <a:rPr lang="ko-KR" altLang="en-US" dirty="0">
-                <a:latin typeface="HY엽서M" panose="02030600000101010101" pitchFamily="18" charset="-127"/>
-                <a:ea typeface="HY엽서M" panose="02030600000101010101" pitchFamily="18" charset="-127"/>
+              <a:rPr lang="ko-KR" altLang="en-US" sz="2500" dirty="0">
+                <a:latin typeface="+mj-ea"/>
+                <a:ea typeface="+mj-ea"/>
               </a:rPr>
               <a:t>독특한 강화 시스템</a:t>
             </a:r>
-            <a:endParaRPr lang="en-US" altLang="ko-KR" dirty="0">
-              <a:latin typeface="HY엽서M" panose="02030600000101010101" pitchFamily="18" charset="-127"/>
-              <a:ea typeface="HY엽서M" panose="02030600000101010101" pitchFamily="18" charset="-127"/>
+            <a:endParaRPr lang="en-US" altLang="ko-KR" sz="2500" dirty="0">
+              <a:latin typeface="+mj-ea"/>
+              <a:ea typeface="+mj-ea"/>
             </a:endParaRPr>
           </a:p>
           <a:p>
             <a:r>
-              <a:rPr lang="en-US" altLang="ko-KR" dirty="0">
-                <a:latin typeface="HY엽서M" panose="02030600000101010101" pitchFamily="18" charset="-127"/>
-                <a:ea typeface="HY엽서M" panose="02030600000101010101" pitchFamily="18" charset="-127"/>
+              <a:rPr lang="en-US" altLang="ko-KR" sz="2500" dirty="0">
+                <a:latin typeface="+mj-ea"/>
+                <a:ea typeface="+mj-ea"/>
               </a:rPr>
               <a:t>3. </a:t>
             </a:r>
             <a:r>
-              <a:rPr lang="ko-KR" altLang="en-US" dirty="0">
-                <a:latin typeface="HY엽서M" panose="02030600000101010101" pitchFamily="18" charset="-127"/>
-                <a:ea typeface="HY엽서M" panose="02030600000101010101" pitchFamily="18" charset="-127"/>
+              <a:rPr lang="ko-KR" altLang="en-US" sz="2500" dirty="0">
+                <a:latin typeface="+mj-ea"/>
+                <a:ea typeface="+mj-ea"/>
               </a:rPr>
               <a:t>드래그를 이용한 간편한 조작</a:t>
             </a:r>
-            <a:endParaRPr lang="en-US" altLang="ko-KR" dirty="0">
-              <a:latin typeface="HY엽서M" panose="02030600000101010101" pitchFamily="18" charset="-127"/>
-              <a:ea typeface="HY엽서M" panose="02030600000101010101" pitchFamily="18" charset="-127"/>
+            <a:endParaRPr lang="en-US" altLang="ko-KR" sz="2500" dirty="0">
+              <a:latin typeface="+mj-ea"/>
+              <a:ea typeface="+mj-ea"/>
             </a:endParaRPr>
           </a:p>
           <a:p>
             <a:r>
               <a:rPr lang="en-US" altLang="ko-KR" b="1" dirty="0">
-                <a:latin typeface="HY헤드라인M" panose="02030600000101010101" pitchFamily="18" charset="-127"/>
-                <a:ea typeface="HY헤드라인M" panose="02030600000101010101" pitchFamily="18" charset="-127"/>
+                <a:latin typeface="+mj-ea"/>
+                <a:ea typeface="+mj-ea"/>
               </a:rPr>
               <a:t>(4) </a:t>
             </a:r>
             <a:r>
               <a:rPr lang="ko-KR" altLang="en-US" b="1" dirty="0">
-                <a:latin typeface="HY헤드라인M" panose="02030600000101010101" pitchFamily="18" charset="-127"/>
-                <a:ea typeface="HY헤드라인M" panose="02030600000101010101" pitchFamily="18" charset="-127"/>
+                <a:latin typeface="+mj-ea"/>
+                <a:ea typeface="+mj-ea"/>
               </a:rPr>
               <a:t>핵심 재미요소</a:t>
             </a:r>
             <a:r>
-              <a:rPr lang="en-US" altLang="ko-KR" dirty="0"/>
+              <a:rPr lang="en-US" altLang="ko-KR" dirty="0">
+                <a:latin typeface="+mj-ea"/>
+                <a:ea typeface="+mj-ea"/>
+              </a:rPr>
               <a:t>: </a:t>
             </a:r>
           </a:p>
           <a:p>
             <a:r>
-              <a:rPr lang="en-US" altLang="ko-KR" dirty="0">
-                <a:latin typeface="HY엽서M" panose="02030600000101010101" pitchFamily="18" charset="-127"/>
-                <a:ea typeface="HY엽서M" panose="02030600000101010101" pitchFamily="18" charset="-127"/>
+              <a:rPr lang="en-US" altLang="ko-KR" sz="2500" dirty="0">
+                <a:latin typeface="+mj-ea"/>
+                <a:ea typeface="+mj-ea"/>
               </a:rPr>
               <a:t>1. </a:t>
             </a:r>
             <a:r>
-              <a:rPr lang="ko-KR" altLang="en-US" dirty="0">
-                <a:latin typeface="HY엽서M" panose="02030600000101010101" pitchFamily="18" charset="-127"/>
-                <a:ea typeface="HY엽서M" panose="02030600000101010101" pitchFamily="18" charset="-127"/>
+              <a:rPr lang="ko-KR" altLang="en-US" sz="2500" dirty="0">
+                <a:latin typeface="+mj-ea"/>
+                <a:ea typeface="+mj-ea"/>
               </a:rPr>
               <a:t>해당 퀘스트에 맞춰 팀을 조합하는 재미</a:t>
             </a:r>
-            <a:endParaRPr lang="en-US" altLang="ko-KR" dirty="0">
-              <a:latin typeface="HY엽서M" panose="02030600000101010101" pitchFamily="18" charset="-127"/>
-              <a:ea typeface="HY엽서M" panose="02030600000101010101" pitchFamily="18" charset="-127"/>
+            <a:endParaRPr lang="en-US" altLang="ko-KR" sz="2500" dirty="0">
+              <a:latin typeface="+mj-ea"/>
+              <a:ea typeface="+mj-ea"/>
             </a:endParaRPr>
           </a:p>
           <a:p>
             <a:r>
-              <a:rPr lang="en-US" altLang="ko-KR" dirty="0">
-                <a:latin typeface="HY엽서M" panose="02030600000101010101" pitchFamily="18" charset="-127"/>
-                <a:ea typeface="HY엽서M" panose="02030600000101010101" pitchFamily="18" charset="-127"/>
+              <a:rPr lang="en-US" altLang="ko-KR" sz="2500" dirty="0">
+                <a:latin typeface="+mj-ea"/>
+                <a:ea typeface="+mj-ea"/>
               </a:rPr>
               <a:t>2. </a:t>
             </a:r>
             <a:r>
-              <a:rPr lang="ko-KR" altLang="en-US" dirty="0">
-                <a:latin typeface="HY엽서M" panose="02030600000101010101" pitchFamily="18" charset="-127"/>
-                <a:ea typeface="HY엽서M" panose="02030600000101010101" pitchFamily="18" charset="-127"/>
-              </a:rPr>
-              <a:t>장비를 조합하고 강화 시키는 재미</a:t>
-            </a:r>
-            <a:endParaRPr lang="en-US" altLang="ko-KR" dirty="0">
-              <a:latin typeface="HY엽서M" panose="02030600000101010101" pitchFamily="18" charset="-127"/>
-              <a:ea typeface="HY엽서M" panose="02030600000101010101" pitchFamily="18" charset="-127"/>
+              <a:rPr lang="ko-KR" altLang="en-US" sz="2500" dirty="0">
+                <a:latin typeface="+mj-ea"/>
+                <a:ea typeface="+mj-ea"/>
+              </a:rPr>
+              <a:t>장비를 강화 시키는 재미</a:t>
+            </a:r>
+            <a:endParaRPr lang="en-US" altLang="ko-KR" sz="2500" dirty="0">
+              <a:latin typeface="+mj-ea"/>
+              <a:ea typeface="+mj-ea"/>
             </a:endParaRPr>
           </a:p>
           <a:p>
-            <a:endParaRPr lang="en-US" altLang="ko-KR" dirty="0">
+            <a:endParaRPr lang="en-US" altLang="ko-KR" sz="2500" dirty="0">
               <a:latin typeface="HY엽서M" panose="02030600000101010101" pitchFamily="18" charset="-127"/>
               <a:ea typeface="HY엽서M" panose="02030600000101010101" pitchFamily="18" charset="-127"/>
             </a:endParaRPr>
@@ -7883,30 +8638,30 @@
           <a:p>
             <a:r>
               <a:rPr lang="en-US" altLang="ko-KR" b="1" dirty="0">
-                <a:latin typeface="HY헤드라인M" panose="02030600000101010101" pitchFamily="18" charset="-127"/>
-                <a:ea typeface="HY헤드라인M" panose="02030600000101010101" pitchFamily="18" charset="-127"/>
+                <a:latin typeface="+mj-ea"/>
+                <a:ea typeface="+mj-ea"/>
               </a:rPr>
               <a:t>(5) </a:t>
             </a:r>
             <a:r>
               <a:rPr lang="ko-KR" altLang="en-US" b="1" dirty="0">
-                <a:latin typeface="HY헤드라인M" panose="02030600000101010101" pitchFamily="18" charset="-127"/>
-                <a:ea typeface="HY헤드라인M" panose="02030600000101010101" pitchFamily="18" charset="-127"/>
+                <a:latin typeface="+mj-ea"/>
+                <a:ea typeface="+mj-ea"/>
               </a:rPr>
               <a:t>스토리</a:t>
             </a:r>
             <a:r>
               <a:rPr lang="en-US" altLang="ko-KR" dirty="0">
-                <a:latin typeface="HY헤드라인M" panose="02030600000101010101" pitchFamily="18" charset="-127"/>
-                <a:ea typeface="HY헤드라인M" panose="02030600000101010101" pitchFamily="18" charset="-127"/>
+                <a:latin typeface="+mj-ea"/>
+                <a:ea typeface="+mj-ea"/>
               </a:rPr>
               <a:t>:</a:t>
             </a:r>
           </a:p>
           <a:p>
             <a:endParaRPr lang="en-US" altLang="ko-KR" dirty="0">
-              <a:latin typeface="HY헤드라인M" panose="02030600000101010101" pitchFamily="18" charset="-127"/>
-              <a:ea typeface="HY헤드라인M" panose="02030600000101010101" pitchFamily="18" charset="-127"/>
+              <a:latin typeface="+mj-ea"/>
+              <a:ea typeface="+mj-ea"/>
             </a:endParaRPr>
           </a:p>
           <a:p>
@@ -7915,29 +8670,29 @@
             </a:pPr>
             <a:r>
               <a:rPr lang="ko-KR" altLang="en-US" dirty="0">
-                <a:latin typeface="HY엽서M" panose="02030600000101010101" pitchFamily="18" charset="-127"/>
-                <a:ea typeface="HY엽서M" panose="02030600000101010101" pitchFamily="18" charset="-127"/>
+                <a:latin typeface="+mj-ea"/>
+                <a:ea typeface="+mj-ea"/>
               </a:rPr>
               <a:t>괴수들이 쳐들어왔다</a:t>
             </a:r>
             <a:r>
               <a:rPr lang="en-US" altLang="ko-KR" dirty="0">
-                <a:latin typeface="HY엽서M" panose="02030600000101010101" pitchFamily="18" charset="-127"/>
-                <a:ea typeface="HY엽서M" panose="02030600000101010101" pitchFamily="18" charset="-127"/>
+                <a:latin typeface="+mj-ea"/>
+                <a:ea typeface="+mj-ea"/>
               </a:rPr>
               <a:t>...! </a:t>
             </a:r>
             <a:r>
               <a:rPr lang="ko-KR" altLang="en-US" dirty="0">
-                <a:latin typeface="HY엽서M" panose="02030600000101010101" pitchFamily="18" charset="-127"/>
-                <a:ea typeface="HY엽서M" panose="02030600000101010101" pitchFamily="18" charset="-127"/>
+                <a:latin typeface="+mj-ea"/>
+                <a:ea typeface="+mj-ea"/>
               </a:rPr>
               <a:t>세상은 대 우주시대</a:t>
             </a:r>
             <a:r>
               <a:rPr lang="en-US" altLang="ko-KR" dirty="0">
-                <a:latin typeface="HY엽서M" panose="02030600000101010101" pitchFamily="18" charset="-127"/>
-                <a:ea typeface="HY엽서M" panose="02030600000101010101" pitchFamily="18" charset="-127"/>
+                <a:latin typeface="+mj-ea"/>
+                <a:ea typeface="+mj-ea"/>
               </a:rPr>
               <a:t>!</a:t>
             </a:r>
@@ -7947,8 +8702,8 @@
               <a:buNone/>
             </a:pPr>
             <a:endParaRPr lang="en-US" altLang="ko-KR" dirty="0">
-              <a:latin typeface="HY엽서M" panose="02030600000101010101" pitchFamily="18" charset="-127"/>
-              <a:ea typeface="HY엽서M" panose="02030600000101010101" pitchFamily="18" charset="-127"/>
+              <a:latin typeface="+mj-ea"/>
+              <a:ea typeface="+mj-ea"/>
             </a:endParaRPr>
           </a:p>
           <a:p>
@@ -7957,50 +8712,50 @@
             </a:pPr>
             <a:r>
               <a:rPr lang="en-US" altLang="ko-KR" dirty="0">
-                <a:latin typeface="HY엽서M" panose="02030600000101010101" pitchFamily="18" charset="-127"/>
-                <a:ea typeface="HY엽서M" panose="02030600000101010101" pitchFamily="18" charset="-127"/>
+                <a:latin typeface="+mj-ea"/>
+                <a:ea typeface="+mj-ea"/>
               </a:rPr>
               <a:t> </a:t>
             </a:r>
             <a:r>
               <a:rPr lang="ko-KR" altLang="en-US" dirty="0">
-                <a:latin typeface="HY엽서M" panose="02030600000101010101" pitchFamily="18" charset="-127"/>
-                <a:ea typeface="HY엽서M" panose="02030600000101010101" pitchFamily="18" charset="-127"/>
+                <a:latin typeface="+mj-ea"/>
+                <a:ea typeface="+mj-ea"/>
               </a:rPr>
               <a:t>이 세상에는 인간들에게 호의적인 외계인도 있지만</a:t>
             </a:r>
             <a:r>
               <a:rPr lang="en-US" altLang="ko-KR" dirty="0">
-                <a:latin typeface="HY엽서M" panose="02030600000101010101" pitchFamily="18" charset="-127"/>
-                <a:ea typeface="HY엽서M" panose="02030600000101010101" pitchFamily="18" charset="-127"/>
+                <a:latin typeface="+mj-ea"/>
+                <a:ea typeface="+mj-ea"/>
               </a:rPr>
               <a:t>, </a:t>
             </a:r>
             <a:r>
               <a:rPr lang="ko-KR" altLang="en-US" dirty="0">
-                <a:latin typeface="HY엽서M" panose="02030600000101010101" pitchFamily="18" charset="-127"/>
-                <a:ea typeface="HY엽서M" panose="02030600000101010101" pitchFamily="18" charset="-127"/>
+                <a:latin typeface="+mj-ea"/>
+                <a:ea typeface="+mj-ea"/>
               </a:rPr>
               <a:t>적대적인 외계인도 있으며</a:t>
             </a:r>
             <a:r>
               <a:rPr lang="en-US" altLang="ko-KR" dirty="0">
-                <a:latin typeface="HY엽서M" panose="02030600000101010101" pitchFamily="18" charset="-127"/>
-                <a:ea typeface="HY엽서M" panose="02030600000101010101" pitchFamily="18" charset="-127"/>
+                <a:latin typeface="+mj-ea"/>
+                <a:ea typeface="+mj-ea"/>
               </a:rPr>
               <a:t>, </a:t>
             </a:r>
             <a:r>
               <a:rPr lang="ko-KR" altLang="en-US" dirty="0">
-                <a:latin typeface="HY엽서M" panose="02030600000101010101" pitchFamily="18" charset="-127"/>
-                <a:ea typeface="HY엽서M" panose="02030600000101010101" pitchFamily="18" charset="-127"/>
+                <a:latin typeface="+mj-ea"/>
+                <a:ea typeface="+mj-ea"/>
               </a:rPr>
               <a:t>우주 괴물도 존재한다</a:t>
             </a:r>
             <a:r>
               <a:rPr lang="en-US" altLang="ko-KR" dirty="0">
-                <a:latin typeface="HY엽서M" panose="02030600000101010101" pitchFamily="18" charset="-127"/>
-                <a:ea typeface="HY엽서M" panose="02030600000101010101" pitchFamily="18" charset="-127"/>
+                <a:latin typeface="+mj-ea"/>
+                <a:ea typeface="+mj-ea"/>
               </a:rPr>
               <a:t>.</a:t>
             </a:r>
@@ -8011,78 +8766,78 @@
             </a:pPr>
             <a:r>
               <a:rPr lang="en-US" altLang="ko-KR" dirty="0">
-                <a:latin typeface="HY엽서M" panose="02030600000101010101" pitchFamily="18" charset="-127"/>
-                <a:ea typeface="HY엽서M" panose="02030600000101010101" pitchFamily="18" charset="-127"/>
+                <a:latin typeface="+mj-ea"/>
+                <a:ea typeface="+mj-ea"/>
               </a:rPr>
               <a:t> </a:t>
             </a:r>
             <a:r>
               <a:rPr lang="ko-KR" altLang="en-US" dirty="0">
-                <a:latin typeface="HY엽서M" panose="02030600000101010101" pitchFamily="18" charset="-127"/>
-                <a:ea typeface="HY엽서M" panose="02030600000101010101" pitchFamily="18" charset="-127"/>
+                <a:latin typeface="+mj-ea"/>
+                <a:ea typeface="+mj-ea"/>
               </a:rPr>
               <a:t>우주 괴물 같은 경우 </a:t>
             </a:r>
             <a:r>
               <a:rPr lang="en-US" altLang="ko-KR" dirty="0">
-                <a:latin typeface="HY엽서M" panose="02030600000101010101" pitchFamily="18" charset="-127"/>
-                <a:ea typeface="HY엽서M" panose="02030600000101010101" pitchFamily="18" charset="-127"/>
+                <a:latin typeface="+mj-ea"/>
+                <a:ea typeface="+mj-ea"/>
               </a:rPr>
               <a:t>‘</a:t>
             </a:r>
             <a:r>
               <a:rPr lang="ko-KR" altLang="en-US" i="1" dirty="0">
-                <a:latin typeface="HY엽서M" panose="02030600000101010101" pitchFamily="18" charset="-127"/>
-                <a:ea typeface="HY엽서M" panose="02030600000101010101" pitchFamily="18" charset="-127"/>
+                <a:latin typeface="+mj-ea"/>
+                <a:ea typeface="+mj-ea"/>
               </a:rPr>
               <a:t>괴수</a:t>
             </a:r>
             <a:r>
               <a:rPr lang="en-US" altLang="ko-KR" dirty="0">
-                <a:latin typeface="HY엽서M" panose="02030600000101010101" pitchFamily="18" charset="-127"/>
-                <a:ea typeface="HY엽서M" panose="02030600000101010101" pitchFamily="18" charset="-127"/>
+                <a:latin typeface="+mj-ea"/>
+                <a:ea typeface="+mj-ea"/>
               </a:rPr>
               <a:t>’</a:t>
             </a:r>
             <a:r>
               <a:rPr lang="ko-KR" altLang="en-US" dirty="0">
-                <a:latin typeface="HY엽서M" panose="02030600000101010101" pitchFamily="18" charset="-127"/>
-                <a:ea typeface="HY엽서M" panose="02030600000101010101" pitchFamily="18" charset="-127"/>
+                <a:latin typeface="+mj-ea"/>
+                <a:ea typeface="+mj-ea"/>
               </a:rPr>
               <a:t>라 부르며</a:t>
             </a:r>
             <a:r>
               <a:rPr lang="en-US" altLang="ko-KR" dirty="0">
-                <a:latin typeface="HY엽서M" panose="02030600000101010101" pitchFamily="18" charset="-127"/>
-                <a:ea typeface="HY엽서M" panose="02030600000101010101" pitchFamily="18" charset="-127"/>
+                <a:latin typeface="+mj-ea"/>
+                <a:ea typeface="+mj-ea"/>
               </a:rPr>
               <a:t>, </a:t>
             </a:r>
             <a:r>
               <a:rPr lang="ko-KR" altLang="en-US" dirty="0">
-                <a:latin typeface="HY엽서M" panose="02030600000101010101" pitchFamily="18" charset="-127"/>
-                <a:ea typeface="HY엽서M" panose="02030600000101010101" pitchFamily="18" charset="-127"/>
+                <a:latin typeface="+mj-ea"/>
+                <a:ea typeface="+mj-ea"/>
               </a:rPr>
               <a:t>이를 잡는 전문 집단이 있었으니</a:t>
             </a:r>
             <a:r>
               <a:rPr lang="en-US" altLang="ko-KR" dirty="0">
-                <a:latin typeface="HY엽서M" panose="02030600000101010101" pitchFamily="18" charset="-127"/>
-                <a:ea typeface="HY엽서M" panose="02030600000101010101" pitchFamily="18" charset="-127"/>
+                <a:latin typeface="+mj-ea"/>
+                <a:ea typeface="+mj-ea"/>
               </a:rPr>
               <a:t>, </a:t>
             </a:r>
             <a:r>
               <a:rPr lang="ko-KR" altLang="en-US" dirty="0">
-                <a:latin typeface="HY엽서M" panose="02030600000101010101" pitchFamily="18" charset="-127"/>
-                <a:ea typeface="HY엽서M" panose="02030600000101010101" pitchFamily="18" charset="-127"/>
+                <a:latin typeface="+mj-ea"/>
+                <a:ea typeface="+mj-ea"/>
               </a:rPr>
               <a:t>우린 그들을 용병단이라 부른다</a:t>
             </a:r>
             <a:r>
               <a:rPr lang="en-US" altLang="ko-KR" dirty="0">
-                <a:latin typeface="HY엽서M" panose="02030600000101010101" pitchFamily="18" charset="-127"/>
-                <a:ea typeface="HY엽서M" panose="02030600000101010101" pitchFamily="18" charset="-127"/>
+                <a:latin typeface="+mj-ea"/>
+                <a:ea typeface="+mj-ea"/>
               </a:rPr>
               <a:t>. </a:t>
             </a:r>
@@ -8092,8 +8847,8 @@
               <a:buNone/>
             </a:pPr>
             <a:endParaRPr lang="en-US" altLang="ko-KR" dirty="0">
-              <a:latin typeface="HY엽서M" panose="02030600000101010101" pitchFamily="18" charset="-127"/>
-              <a:ea typeface="HY엽서M" panose="02030600000101010101" pitchFamily="18" charset="-127"/>
+              <a:latin typeface="+mj-ea"/>
+              <a:ea typeface="+mj-ea"/>
             </a:endParaRPr>
           </a:p>
           <a:p>
@@ -8102,36 +8857,36 @@
             </a:pPr>
             <a:r>
               <a:rPr lang="ko-KR" altLang="en-US" dirty="0">
-                <a:latin typeface="HY엽서M" panose="02030600000101010101" pitchFamily="18" charset="-127"/>
-                <a:ea typeface="HY엽서M" panose="02030600000101010101" pitchFamily="18" charset="-127"/>
+                <a:latin typeface="+mj-ea"/>
+                <a:ea typeface="+mj-ea"/>
               </a:rPr>
               <a:t>대다수 용병단들은 명예와 호화 속에 살지만 그렇지 않은 이들이 있었으니</a:t>
             </a:r>
             <a:r>
               <a:rPr lang="en-US" altLang="ko-KR" dirty="0">
-                <a:latin typeface="HY엽서M" panose="02030600000101010101" pitchFamily="18" charset="-127"/>
-                <a:ea typeface="HY엽서M" panose="02030600000101010101" pitchFamily="18" charset="-127"/>
+                <a:latin typeface="+mj-ea"/>
+                <a:ea typeface="+mj-ea"/>
               </a:rPr>
               <a:t>, </a:t>
             </a:r>
             <a:r>
               <a:rPr lang="ko-KR" altLang="en-US" dirty="0">
-                <a:latin typeface="HY엽서M" panose="02030600000101010101" pitchFamily="18" charset="-127"/>
-                <a:ea typeface="HY엽서M" panose="02030600000101010101" pitchFamily="18" charset="-127"/>
+                <a:latin typeface="+mj-ea"/>
+                <a:ea typeface="+mj-ea"/>
               </a:rPr>
               <a:t>최고의 용병단이 되겠다는 꿈 하나 가지고 새로이 창설한 </a:t>
             </a:r>
             <a:r>
               <a:rPr lang="ko-KR" altLang="en-US" dirty="0" err="1">
-                <a:latin typeface="HY엽서M" panose="02030600000101010101" pitchFamily="18" charset="-127"/>
-                <a:ea typeface="HY엽서M" panose="02030600000101010101" pitchFamily="18" charset="-127"/>
+                <a:latin typeface="+mj-ea"/>
+                <a:ea typeface="+mj-ea"/>
               </a:rPr>
               <a:t>용병단</a:t>
             </a:r>
             <a:r>
               <a:rPr lang="en-US" altLang="ko-KR" dirty="0">
-                <a:latin typeface="HY엽서M" panose="02030600000101010101" pitchFamily="18" charset="-127"/>
-                <a:ea typeface="HY엽서M" panose="02030600000101010101" pitchFamily="18" charset="-127"/>
+                <a:latin typeface="+mj-ea"/>
+                <a:ea typeface="+mj-ea"/>
               </a:rPr>
               <a:t>! </a:t>
             </a:r>
@@ -8141,8 +8896,8 @@
               <a:buNone/>
             </a:pPr>
             <a:endParaRPr lang="en-US" altLang="ko-KR" dirty="0">
-              <a:latin typeface="HY엽서M" panose="02030600000101010101" pitchFamily="18" charset="-127"/>
-              <a:ea typeface="HY엽서M" panose="02030600000101010101" pitchFamily="18" charset="-127"/>
+              <a:latin typeface="+mj-ea"/>
+              <a:ea typeface="+mj-ea"/>
             </a:endParaRPr>
           </a:p>
           <a:p>
@@ -8151,21 +8906,21 @@
             </a:pPr>
             <a:r>
               <a:rPr lang="ko-KR" altLang="en-US" dirty="0">
-                <a:latin typeface="HY엽서M" panose="02030600000101010101" pitchFamily="18" charset="-127"/>
-                <a:ea typeface="HY엽서M" panose="02030600000101010101" pitchFamily="18" charset="-127"/>
+                <a:latin typeface="+mj-ea"/>
+                <a:ea typeface="+mj-ea"/>
               </a:rPr>
               <a:t>과연 이 용병단들은 최고의 용병단이 될 수 있을 것인가</a:t>
             </a:r>
             <a:r>
               <a:rPr lang="en-US" altLang="ko-KR" dirty="0">
-                <a:latin typeface="HY엽서M" panose="02030600000101010101" pitchFamily="18" charset="-127"/>
-                <a:ea typeface="HY엽서M" panose="02030600000101010101" pitchFamily="18" charset="-127"/>
+                <a:latin typeface="+mj-ea"/>
+                <a:ea typeface="+mj-ea"/>
               </a:rPr>
               <a:t>?!</a:t>
             </a:r>
             <a:endParaRPr lang="ko-KR" altLang="en-US" dirty="0">
-              <a:latin typeface="HY엽서M" panose="02030600000101010101" pitchFamily="18" charset="-127"/>
-              <a:ea typeface="HY엽서M" panose="02030600000101010101" pitchFamily="18" charset="-127"/>
+              <a:latin typeface="+mj-ea"/>
+              <a:ea typeface="+mj-ea"/>
             </a:endParaRPr>
           </a:p>
         </p:txBody>
@@ -9131,178 +9886,175 @@
             <p:ph idx="1"/>
           </p:nvPr>
         </p:nvSpPr>
-        <p:spPr/>
+        <p:spPr>
+          <a:xfrm>
+            <a:off x="1534696" y="1853755"/>
+            <a:ext cx="9520158" cy="4622202"/>
+          </a:xfrm>
+        </p:spPr>
         <p:txBody>
           <a:bodyPr>
-            <a:normAutofit fontScale="62500" lnSpcReduction="20000"/>
+            <a:normAutofit fontScale="77500" lnSpcReduction="20000"/>
           </a:bodyPr>
           <a:lstStyle/>
           <a:p>
             <a:r>
               <a:rPr lang="en-US" altLang="ko-KR" sz="3600" dirty="0">
-                <a:latin typeface="HY엽서M" panose="02030600000101010101" pitchFamily="18" charset="-127"/>
-                <a:ea typeface="HY엽서M" panose="02030600000101010101" pitchFamily="18" charset="-127"/>
+                <a:latin typeface="+mn-ea"/>
               </a:rPr>
               <a:t>1. </a:t>
             </a:r>
             <a:r>
               <a:rPr lang="ko-KR" altLang="en-US" sz="3600" dirty="0" err="1">
-                <a:latin typeface="HY엽서M" panose="02030600000101010101" pitchFamily="18" charset="-127"/>
-                <a:ea typeface="HY엽서M" panose="02030600000101010101" pitchFamily="18" charset="-127"/>
+                <a:latin typeface="+mn-ea"/>
               </a:rPr>
               <a:t>쉘터</a:t>
             </a:r>
             <a:endParaRPr lang="en-US" altLang="ko-KR" sz="3600" dirty="0">
-              <a:latin typeface="HY엽서M" panose="02030600000101010101" pitchFamily="18" charset="-127"/>
-              <a:ea typeface="HY엽서M" panose="02030600000101010101" pitchFamily="18" charset="-127"/>
+              <a:latin typeface="+mn-ea"/>
             </a:endParaRPr>
           </a:p>
           <a:p>
             <a:r>
               <a:rPr lang="en-US" altLang="ko-KR" sz="3600" dirty="0">
-                <a:latin typeface="HY엽서M" panose="02030600000101010101" pitchFamily="18" charset="-127"/>
-                <a:ea typeface="HY엽서M" panose="02030600000101010101" pitchFamily="18" charset="-127"/>
+                <a:latin typeface="+mn-ea"/>
               </a:rPr>
               <a:t>2. </a:t>
             </a:r>
             <a:r>
               <a:rPr lang="ko-KR" altLang="en-US" sz="3600" dirty="0" err="1">
-                <a:latin typeface="HY엽서M" panose="02030600000101010101" pitchFamily="18" charset="-127"/>
-                <a:ea typeface="HY엽서M" panose="02030600000101010101" pitchFamily="18" charset="-127"/>
+                <a:latin typeface="+mn-ea"/>
               </a:rPr>
               <a:t>용병단</a:t>
             </a:r>
             <a:endParaRPr lang="en-US" altLang="ko-KR" sz="3600" dirty="0">
-              <a:latin typeface="HY엽서M" panose="02030600000101010101" pitchFamily="18" charset="-127"/>
-              <a:ea typeface="HY엽서M" panose="02030600000101010101" pitchFamily="18" charset="-127"/>
+              <a:latin typeface="+mn-ea"/>
             </a:endParaRPr>
           </a:p>
           <a:p>
             <a:r>
               <a:rPr lang="en-US" altLang="ko-KR" sz="3600" dirty="0">
-                <a:latin typeface="HY엽서M" panose="02030600000101010101" pitchFamily="18" charset="-127"/>
-                <a:ea typeface="HY엽서M" panose="02030600000101010101" pitchFamily="18" charset="-127"/>
+                <a:latin typeface="+mn-ea"/>
               </a:rPr>
               <a:t>3. </a:t>
             </a:r>
             <a:r>
               <a:rPr lang="ko-KR" altLang="en-US" sz="3600" dirty="0">
-                <a:latin typeface="HY엽서M" panose="02030600000101010101" pitchFamily="18" charset="-127"/>
-                <a:ea typeface="HY엽서M" panose="02030600000101010101" pitchFamily="18" charset="-127"/>
+                <a:latin typeface="+mn-ea"/>
               </a:rPr>
               <a:t>괴수</a:t>
             </a:r>
             <a:endParaRPr lang="en-US" altLang="ko-KR" sz="3600" dirty="0">
-              <a:latin typeface="HY엽서M" panose="02030600000101010101" pitchFamily="18" charset="-127"/>
-              <a:ea typeface="HY엽서M" panose="02030600000101010101" pitchFamily="18" charset="-127"/>
+              <a:latin typeface="+mn-ea"/>
             </a:endParaRPr>
           </a:p>
           <a:p>
             <a:r>
               <a:rPr lang="en-US" altLang="ko-KR" sz="3600" dirty="0">
-                <a:latin typeface="HY엽서M" panose="02030600000101010101" pitchFamily="18" charset="-127"/>
-                <a:ea typeface="HY엽서M" panose="02030600000101010101" pitchFamily="18" charset="-127"/>
+                <a:latin typeface="+mn-ea"/>
               </a:rPr>
               <a:t>4. </a:t>
             </a:r>
             <a:r>
               <a:rPr lang="ko-KR" altLang="en-US" sz="3600" dirty="0">
-                <a:latin typeface="HY엽서M" panose="02030600000101010101" pitchFamily="18" charset="-127"/>
-                <a:ea typeface="HY엽서M" panose="02030600000101010101" pitchFamily="18" charset="-127"/>
+                <a:latin typeface="+mn-ea"/>
               </a:rPr>
               <a:t>퀘스트</a:t>
             </a:r>
             <a:endParaRPr lang="en-US" altLang="ko-KR" sz="3600" dirty="0">
-              <a:latin typeface="HY엽서M" panose="02030600000101010101" pitchFamily="18" charset="-127"/>
-              <a:ea typeface="HY엽서M" panose="02030600000101010101" pitchFamily="18" charset="-127"/>
+              <a:latin typeface="+mn-ea"/>
             </a:endParaRPr>
           </a:p>
           <a:p>
             <a:r>
               <a:rPr lang="en-US" altLang="ko-KR" sz="3600" dirty="0">
-                <a:latin typeface="HY엽서M" panose="02030600000101010101" pitchFamily="18" charset="-127"/>
-                <a:ea typeface="HY엽서M" panose="02030600000101010101" pitchFamily="18" charset="-127"/>
+                <a:latin typeface="+mn-ea"/>
               </a:rPr>
               <a:t>5. </a:t>
             </a:r>
             <a:r>
               <a:rPr lang="ko-KR" altLang="en-US" sz="3600" dirty="0">
-                <a:latin typeface="HY엽서M" panose="02030600000101010101" pitchFamily="18" charset="-127"/>
-                <a:ea typeface="HY엽서M" panose="02030600000101010101" pitchFamily="18" charset="-127"/>
+                <a:latin typeface="+mn-ea"/>
               </a:rPr>
               <a:t>장비</a:t>
             </a:r>
             <a:endParaRPr lang="en-US" altLang="ko-KR" sz="3600" dirty="0">
-              <a:latin typeface="HY엽서M" panose="02030600000101010101" pitchFamily="18" charset="-127"/>
-              <a:ea typeface="HY엽서M" panose="02030600000101010101" pitchFamily="18" charset="-127"/>
+              <a:latin typeface="+mn-ea"/>
             </a:endParaRPr>
           </a:p>
           <a:p>
             <a:r>
               <a:rPr lang="en-US" altLang="ko-KR" sz="3600" dirty="0">
-                <a:latin typeface="HY엽서M" panose="02030600000101010101" pitchFamily="18" charset="-127"/>
-                <a:ea typeface="HY엽서M" panose="02030600000101010101" pitchFamily="18" charset="-127"/>
+                <a:latin typeface="+mn-ea"/>
               </a:rPr>
               <a:t>6. </a:t>
             </a:r>
             <a:r>
               <a:rPr lang="ko-KR" altLang="en-US" sz="3600" dirty="0">
-                <a:latin typeface="HY엽서M" panose="02030600000101010101" pitchFamily="18" charset="-127"/>
-                <a:ea typeface="HY엽서M" panose="02030600000101010101" pitchFamily="18" charset="-127"/>
+                <a:latin typeface="+mn-ea"/>
               </a:rPr>
               <a:t>강화요소</a:t>
             </a:r>
             <a:endParaRPr lang="en-US" altLang="ko-KR" sz="3600" dirty="0">
-              <a:latin typeface="HY엽서M" panose="02030600000101010101" pitchFamily="18" charset="-127"/>
-              <a:ea typeface="HY엽서M" panose="02030600000101010101" pitchFamily="18" charset="-127"/>
+              <a:latin typeface="+mn-ea"/>
             </a:endParaRPr>
           </a:p>
           <a:p>
             <a:r>
               <a:rPr lang="en-US" altLang="ko-KR" sz="3600" dirty="0">
-                <a:latin typeface="HY엽서M" panose="02030600000101010101" pitchFamily="18" charset="-127"/>
-                <a:ea typeface="HY엽서M" panose="02030600000101010101" pitchFamily="18" charset="-127"/>
+                <a:latin typeface="+mn-ea"/>
               </a:rPr>
               <a:t>7. </a:t>
             </a:r>
             <a:r>
               <a:rPr lang="ko-KR" altLang="en-US" sz="3600" dirty="0">
-                <a:latin typeface="HY엽서M" panose="02030600000101010101" pitchFamily="18" charset="-127"/>
-                <a:ea typeface="HY엽서M" panose="02030600000101010101" pitchFamily="18" charset="-127"/>
+                <a:latin typeface="+mn-ea"/>
               </a:rPr>
               <a:t>맵</a:t>
             </a:r>
             <a:r>
               <a:rPr lang="en-US" altLang="ko-KR" sz="3600" dirty="0">
-                <a:latin typeface="HY엽서M" panose="02030600000101010101" pitchFamily="18" charset="-127"/>
-                <a:ea typeface="HY엽서M" panose="02030600000101010101" pitchFamily="18" charset="-127"/>
+                <a:latin typeface="+mn-ea"/>
               </a:rPr>
               <a:t>(</a:t>
             </a:r>
             <a:r>
               <a:rPr lang="ko-KR" altLang="en-US" sz="3600" dirty="0">
-                <a:latin typeface="HY엽서M" panose="02030600000101010101" pitchFamily="18" charset="-127"/>
-                <a:ea typeface="HY엽서M" panose="02030600000101010101" pitchFamily="18" charset="-127"/>
+                <a:latin typeface="+mn-ea"/>
               </a:rPr>
               <a:t>필드</a:t>
             </a:r>
             <a:r>
               <a:rPr lang="en-US" altLang="ko-KR" sz="3600" dirty="0">
-                <a:latin typeface="HY엽서M" panose="02030600000101010101" pitchFamily="18" charset="-127"/>
-                <a:ea typeface="HY엽서M" panose="02030600000101010101" pitchFamily="18" charset="-127"/>
+                <a:latin typeface="+mn-ea"/>
               </a:rPr>
               <a:t>) </a:t>
             </a:r>
             <a:r>
               <a:rPr lang="ko-KR" altLang="en-US" sz="3600" dirty="0">
-                <a:latin typeface="HY엽서M" panose="02030600000101010101" pitchFamily="18" charset="-127"/>
-                <a:ea typeface="HY엽서M" panose="02030600000101010101" pitchFamily="18" charset="-127"/>
+                <a:latin typeface="+mn-ea"/>
               </a:rPr>
               <a:t>모델링</a:t>
             </a:r>
             <a:endParaRPr lang="en-US" altLang="ko-KR" sz="3600" dirty="0">
-              <a:latin typeface="HY엽서M" panose="02030600000101010101" pitchFamily="18" charset="-127"/>
-              <a:ea typeface="HY엽서M" panose="02030600000101010101" pitchFamily="18" charset="-127"/>
+              <a:latin typeface="+mn-ea"/>
+            </a:endParaRPr>
+          </a:p>
+          <a:p>
+            <a:r>
+              <a:rPr lang="en-US" altLang="ko-KR" sz="3600" dirty="0">
+                <a:latin typeface="+mn-ea"/>
+              </a:rPr>
+              <a:t>8.</a:t>
+            </a:r>
+            <a:r>
+              <a:rPr lang="ko-KR" altLang="en-US" sz="3600" dirty="0">
+                <a:latin typeface="+mn-ea"/>
+              </a:rPr>
+              <a:t> 전투</a:t>
+            </a:r>
+            <a:endParaRPr lang="en-US" altLang="ko-KR" sz="3600" dirty="0">
+              <a:latin typeface="+mn-ea"/>
             </a:endParaRPr>
           </a:p>
         </p:txBody>
@@ -9383,177 +10135,163 @@
           <a:p>
             <a:r>
               <a:rPr lang="ko-KR" altLang="en-US" dirty="0">
-                <a:latin typeface="HY엽서M" panose="02030600000101010101" pitchFamily="18" charset="-127"/>
-                <a:ea typeface="HY엽서M" panose="02030600000101010101" pitchFamily="18" charset="-127"/>
+                <a:latin typeface="+mj-ea"/>
+                <a:ea typeface="+mj-ea"/>
               </a:rPr>
               <a:t>다른 게임의 마을 혹은 메인 페이지에 해당하는 곳</a:t>
             </a:r>
             <a:endParaRPr lang="en-US" altLang="ko-KR" dirty="0">
-              <a:latin typeface="HY엽서M" panose="02030600000101010101" pitchFamily="18" charset="-127"/>
-              <a:ea typeface="HY엽서M" panose="02030600000101010101" pitchFamily="18" charset="-127"/>
+              <a:latin typeface="+mj-ea"/>
+              <a:ea typeface="+mj-ea"/>
             </a:endParaRPr>
           </a:p>
           <a:p>
             <a:endParaRPr lang="en-US" altLang="ko-KR" dirty="0">
-              <a:latin typeface="HY엽서M" panose="02030600000101010101" pitchFamily="18" charset="-127"/>
-              <a:ea typeface="HY엽서M" panose="02030600000101010101" pitchFamily="18" charset="-127"/>
+              <a:latin typeface="+mj-ea"/>
+              <a:ea typeface="+mj-ea"/>
             </a:endParaRPr>
           </a:p>
           <a:p>
             <a:r>
               <a:rPr lang="ko-KR" altLang="en-US" dirty="0">
-                <a:latin typeface="HY엽서M" panose="02030600000101010101" pitchFamily="18" charset="-127"/>
-                <a:ea typeface="HY엽서M" panose="02030600000101010101" pitchFamily="18" charset="-127"/>
+                <a:latin typeface="+mj-ea"/>
+                <a:ea typeface="+mj-ea"/>
               </a:rPr>
               <a:t>무기나 </a:t>
             </a:r>
             <a:r>
               <a:rPr lang="ko-KR" altLang="en-US" dirty="0" err="1">
-                <a:latin typeface="HY엽서M" panose="02030600000101010101" pitchFamily="18" charset="-127"/>
-                <a:ea typeface="HY엽서M" panose="02030600000101010101" pitchFamily="18" charset="-127"/>
+                <a:latin typeface="+mj-ea"/>
+                <a:ea typeface="+mj-ea"/>
               </a:rPr>
               <a:t>방어구</a:t>
             </a:r>
             <a:r>
               <a:rPr lang="ko-KR" altLang="en-US" dirty="0">
-                <a:latin typeface="HY엽서M" panose="02030600000101010101" pitchFamily="18" charset="-127"/>
-                <a:ea typeface="HY엽서M" panose="02030600000101010101" pitchFamily="18" charset="-127"/>
+                <a:latin typeface="+mj-ea"/>
+                <a:ea typeface="+mj-ea"/>
               </a:rPr>
               <a:t> 구매</a:t>
             </a:r>
             <a:r>
               <a:rPr lang="en-US" altLang="ko-KR" dirty="0">
-                <a:latin typeface="HY엽서M" panose="02030600000101010101" pitchFamily="18" charset="-127"/>
-                <a:ea typeface="HY엽서M" panose="02030600000101010101" pitchFamily="18" charset="-127"/>
+                <a:latin typeface="+mj-ea"/>
+                <a:ea typeface="+mj-ea"/>
               </a:rPr>
               <a:t>, </a:t>
             </a:r>
             <a:r>
               <a:rPr lang="ko-KR" altLang="en-US" dirty="0">
-                <a:latin typeface="HY엽서M" panose="02030600000101010101" pitchFamily="18" charset="-127"/>
-                <a:ea typeface="HY엽서M" panose="02030600000101010101" pitchFamily="18" charset="-127"/>
-              </a:rPr>
-              <a:t>판매</a:t>
-            </a:r>
-            <a:r>
-              <a:rPr lang="en-US" altLang="ko-KR" dirty="0">
-                <a:latin typeface="HY엽서M" panose="02030600000101010101" pitchFamily="18" charset="-127"/>
-                <a:ea typeface="HY엽서M" panose="02030600000101010101" pitchFamily="18" charset="-127"/>
+                <a:latin typeface="+mj-ea"/>
+                <a:ea typeface="+mj-ea"/>
+              </a:rPr>
+              <a:t>강화 등이 가능하다</a:t>
+            </a:r>
+            <a:endParaRPr lang="en-US" altLang="ko-KR" dirty="0">
+              <a:latin typeface="+mj-ea"/>
+              <a:ea typeface="+mj-ea"/>
+            </a:endParaRPr>
+          </a:p>
+          <a:p>
+            <a:r>
+              <a:rPr lang="en-US" altLang="ko-KR" dirty="0">
+                <a:latin typeface="+mj-ea"/>
+                <a:ea typeface="+mj-ea"/>
+              </a:rPr>
+              <a:t>(*</a:t>
+            </a:r>
+            <a:r>
+              <a:rPr lang="ko-KR" altLang="en-US" dirty="0">
+                <a:latin typeface="+mj-ea"/>
+                <a:ea typeface="+mj-ea"/>
+              </a:rPr>
+              <a:t>무기</a:t>
+            </a:r>
+            <a:r>
+              <a:rPr lang="en-US" altLang="ko-KR" dirty="0">
+                <a:latin typeface="+mj-ea"/>
+                <a:ea typeface="+mj-ea"/>
               </a:rPr>
               <a:t>, </a:t>
             </a:r>
             <a:r>
               <a:rPr lang="ko-KR" altLang="en-US" dirty="0">
-                <a:latin typeface="HY엽서M" panose="02030600000101010101" pitchFamily="18" charset="-127"/>
-                <a:ea typeface="HY엽서M" panose="02030600000101010101" pitchFamily="18" charset="-127"/>
-              </a:rPr>
-              <a:t>강화 등이 가능하다</a:t>
-            </a:r>
-            <a:endParaRPr lang="en-US" altLang="ko-KR" dirty="0">
-              <a:latin typeface="HY엽서M" panose="02030600000101010101" pitchFamily="18" charset="-127"/>
-              <a:ea typeface="HY엽서M" panose="02030600000101010101" pitchFamily="18" charset="-127"/>
-            </a:endParaRPr>
-          </a:p>
-          <a:p>
-            <a:r>
-              <a:rPr lang="en-US" altLang="ko-KR" dirty="0">
-                <a:latin typeface="HY엽서M" panose="02030600000101010101" pitchFamily="18" charset="-127"/>
-                <a:ea typeface="HY엽서M" panose="02030600000101010101" pitchFamily="18" charset="-127"/>
+                <a:latin typeface="+mj-ea"/>
+                <a:ea typeface="+mj-ea"/>
+              </a:rPr>
+              <a:t>방어구의 종류 및 특성은 </a:t>
+            </a:r>
+            <a:r>
+              <a:rPr lang="en-US" altLang="ko-KR" dirty="0">
+                <a:latin typeface="+mj-ea"/>
+                <a:ea typeface="+mj-ea"/>
+              </a:rPr>
+              <a:t>5.</a:t>
+            </a:r>
+            <a:r>
+              <a:rPr lang="ko-KR" altLang="en-US" dirty="0">
+                <a:latin typeface="+mj-ea"/>
+                <a:ea typeface="+mj-ea"/>
+              </a:rPr>
+              <a:t>장비 편 참조</a:t>
+            </a:r>
+            <a:r>
+              <a:rPr lang="en-US" altLang="ko-KR" dirty="0">
+                <a:latin typeface="+mj-ea"/>
+                <a:ea typeface="+mj-ea"/>
+              </a:rPr>
+              <a:t>)</a:t>
+            </a:r>
+          </a:p>
+          <a:p>
+            <a:r>
+              <a:rPr lang="en-US" altLang="ko-KR" dirty="0">
+                <a:latin typeface="+mj-ea"/>
+                <a:ea typeface="+mj-ea"/>
               </a:rPr>
               <a:t>(*</a:t>
             </a:r>
             <a:r>
               <a:rPr lang="ko-KR" altLang="en-US" dirty="0">
-                <a:latin typeface="HY엽서M" panose="02030600000101010101" pitchFamily="18" charset="-127"/>
-                <a:ea typeface="HY엽서M" panose="02030600000101010101" pitchFamily="18" charset="-127"/>
-              </a:rPr>
-              <a:t>무기</a:t>
-            </a:r>
-            <a:r>
-              <a:rPr lang="en-US" altLang="ko-KR" dirty="0">
-                <a:latin typeface="HY엽서M" panose="02030600000101010101" pitchFamily="18" charset="-127"/>
-                <a:ea typeface="HY엽서M" panose="02030600000101010101" pitchFamily="18" charset="-127"/>
-              </a:rPr>
-              <a:t>, </a:t>
-            </a:r>
-            <a:r>
-              <a:rPr lang="ko-KR" altLang="en-US" dirty="0">
-                <a:latin typeface="HY엽서M" panose="02030600000101010101" pitchFamily="18" charset="-127"/>
-                <a:ea typeface="HY엽서M" panose="02030600000101010101" pitchFamily="18" charset="-127"/>
-              </a:rPr>
-              <a:t>방어구의 종류 및 특성은 </a:t>
-            </a:r>
-            <a:r>
-              <a:rPr lang="en-US" altLang="ko-KR" dirty="0">
-                <a:latin typeface="HY엽서M" panose="02030600000101010101" pitchFamily="18" charset="-127"/>
-                <a:ea typeface="HY엽서M" panose="02030600000101010101" pitchFamily="18" charset="-127"/>
-              </a:rPr>
-              <a:t>5.</a:t>
-            </a:r>
-            <a:r>
-              <a:rPr lang="ko-KR" altLang="en-US" dirty="0">
-                <a:latin typeface="HY엽서M" panose="02030600000101010101" pitchFamily="18" charset="-127"/>
-                <a:ea typeface="HY엽서M" panose="02030600000101010101" pitchFamily="18" charset="-127"/>
-              </a:rPr>
-              <a:t>장비 편 참조</a:t>
-            </a:r>
-            <a:r>
-              <a:rPr lang="en-US" altLang="ko-KR" dirty="0">
-                <a:latin typeface="HY엽서M" panose="02030600000101010101" pitchFamily="18" charset="-127"/>
-                <a:ea typeface="HY엽서M" panose="02030600000101010101" pitchFamily="18" charset="-127"/>
+                <a:latin typeface="+mj-ea"/>
+                <a:ea typeface="+mj-ea"/>
+              </a:rPr>
+              <a:t>강화는 </a:t>
+            </a:r>
+            <a:r>
+              <a:rPr lang="en-US" altLang="ko-KR" dirty="0">
+                <a:latin typeface="+mj-ea"/>
+                <a:ea typeface="+mj-ea"/>
+              </a:rPr>
+              <a:t>7.</a:t>
+            </a:r>
+            <a:r>
+              <a:rPr lang="ko-KR" altLang="en-US" dirty="0">
+                <a:latin typeface="+mj-ea"/>
+                <a:ea typeface="+mj-ea"/>
+              </a:rPr>
+              <a:t>강화 편 참조</a:t>
+            </a:r>
+            <a:r>
+              <a:rPr lang="en-US" altLang="ko-KR" dirty="0">
+                <a:latin typeface="+mj-ea"/>
+                <a:ea typeface="+mj-ea"/>
               </a:rPr>
               <a:t>)</a:t>
             </a:r>
           </a:p>
           <a:p>
             <a:r>
-              <a:rPr lang="en-US" altLang="ko-KR" dirty="0">
-                <a:latin typeface="HY엽서M" panose="02030600000101010101" pitchFamily="18" charset="-127"/>
-                <a:ea typeface="HY엽서M" panose="02030600000101010101" pitchFamily="18" charset="-127"/>
-              </a:rPr>
-              <a:t>(*</a:t>
-            </a:r>
-            <a:r>
-              <a:rPr lang="ko-KR" altLang="en-US" dirty="0">
-                <a:latin typeface="HY엽서M" panose="02030600000101010101" pitchFamily="18" charset="-127"/>
-                <a:ea typeface="HY엽서M" panose="02030600000101010101" pitchFamily="18" charset="-127"/>
-              </a:rPr>
-              <a:t>강화는 </a:t>
-            </a:r>
-            <a:r>
-              <a:rPr lang="en-US" altLang="ko-KR" dirty="0">
-                <a:latin typeface="HY엽서M" panose="02030600000101010101" pitchFamily="18" charset="-127"/>
-                <a:ea typeface="HY엽서M" panose="02030600000101010101" pitchFamily="18" charset="-127"/>
-              </a:rPr>
-              <a:t>7.</a:t>
-            </a:r>
-            <a:r>
-              <a:rPr lang="ko-KR" altLang="en-US" dirty="0">
-                <a:latin typeface="HY엽서M" panose="02030600000101010101" pitchFamily="18" charset="-127"/>
-                <a:ea typeface="HY엽서M" panose="02030600000101010101" pitchFamily="18" charset="-127"/>
-              </a:rPr>
-              <a:t>강화 편 참조</a:t>
-            </a:r>
-            <a:r>
-              <a:rPr lang="en-US" altLang="ko-KR" dirty="0">
-                <a:latin typeface="HY엽서M" panose="02030600000101010101" pitchFamily="18" charset="-127"/>
-                <a:ea typeface="HY엽서M" panose="02030600000101010101" pitchFamily="18" charset="-127"/>
-              </a:rPr>
-              <a:t>)</a:t>
-            </a:r>
-          </a:p>
-          <a:p>
-            <a:r>
-              <a:rPr lang="ko-KR" altLang="en-US" dirty="0">
-                <a:latin typeface="HY엽서M" panose="02030600000101010101" pitchFamily="18" charset="-127"/>
-                <a:ea typeface="HY엽서M" panose="02030600000101010101" pitchFamily="18" charset="-127"/>
+              <a:rPr lang="ko-KR" altLang="en-US" dirty="0">
+                <a:latin typeface="+mj-ea"/>
+                <a:ea typeface="+mj-ea"/>
               </a:rPr>
               <a:t>또한 의뢰소를 통해 난이도 별 퀘스트를 받을 수 있다</a:t>
             </a:r>
             <a:r>
               <a:rPr lang="en-US" altLang="ko-KR" dirty="0">
-                <a:latin typeface="HY엽서M" panose="02030600000101010101" pitchFamily="18" charset="-127"/>
-                <a:ea typeface="HY엽서M" panose="02030600000101010101" pitchFamily="18" charset="-127"/>
+                <a:latin typeface="+mj-ea"/>
+                <a:ea typeface="+mj-ea"/>
               </a:rPr>
               <a:t>.</a:t>
             </a:r>
@@ -9636,124 +10374,124 @@
           <a:p>
             <a:r>
               <a:rPr lang="ko-KR" altLang="en-US" sz="1600" dirty="0">
-                <a:latin typeface="HY엽서M" panose="02030600000101010101" pitchFamily="18" charset="-127"/>
-                <a:ea typeface="HY엽서M" panose="02030600000101010101" pitchFamily="18" charset="-127"/>
+                <a:latin typeface="+mj-ea"/>
+                <a:ea typeface="+mj-ea"/>
               </a:rPr>
               <a:t>괴수들을 잡는 주체들</a:t>
             </a:r>
             <a:endParaRPr lang="en-US" altLang="ko-KR" sz="1600" dirty="0">
-              <a:latin typeface="HY엽서M" panose="02030600000101010101" pitchFamily="18" charset="-127"/>
-              <a:ea typeface="HY엽서M" panose="02030600000101010101" pitchFamily="18" charset="-127"/>
+              <a:latin typeface="+mj-ea"/>
+              <a:ea typeface="+mj-ea"/>
             </a:endParaRPr>
           </a:p>
           <a:p>
             <a:r>
               <a:rPr lang="ko-KR" altLang="en-US" sz="1600" dirty="0">
-                <a:latin typeface="HY엽서M" panose="02030600000101010101" pitchFamily="18" charset="-127"/>
-                <a:ea typeface="HY엽서M" panose="02030600000101010101" pitchFamily="18" charset="-127"/>
+                <a:latin typeface="+mj-ea"/>
+                <a:ea typeface="+mj-ea"/>
               </a:rPr>
               <a:t>개인 스킬</a:t>
             </a:r>
             <a:r>
               <a:rPr lang="en-US" altLang="ko-KR" sz="1600" dirty="0">
-                <a:latin typeface="HY엽서M" panose="02030600000101010101" pitchFamily="18" charset="-127"/>
-                <a:ea typeface="HY엽서M" panose="02030600000101010101" pitchFamily="18" charset="-127"/>
+                <a:latin typeface="+mj-ea"/>
+                <a:ea typeface="+mj-ea"/>
               </a:rPr>
               <a:t> 1</a:t>
             </a:r>
             <a:r>
               <a:rPr lang="ko-KR" altLang="en-US" sz="1600" dirty="0">
-                <a:latin typeface="HY엽서M" panose="02030600000101010101" pitchFamily="18" charset="-127"/>
-                <a:ea typeface="HY엽서M" panose="02030600000101010101" pitchFamily="18" charset="-127"/>
+                <a:latin typeface="+mj-ea"/>
+                <a:ea typeface="+mj-ea"/>
               </a:rPr>
               <a:t>개</a:t>
             </a:r>
             <a:r>
               <a:rPr lang="en-US" altLang="ko-KR" sz="1600" dirty="0">
-                <a:latin typeface="HY엽서M" panose="02030600000101010101" pitchFamily="18" charset="-127"/>
-                <a:ea typeface="HY엽서M" panose="02030600000101010101" pitchFamily="18" charset="-127"/>
+                <a:latin typeface="+mj-ea"/>
+                <a:ea typeface="+mj-ea"/>
               </a:rPr>
               <a:t>(2</a:t>
             </a:r>
             <a:r>
               <a:rPr lang="ko-KR" altLang="en-US" sz="1600" dirty="0">
-                <a:latin typeface="HY엽서M" panose="02030600000101010101" pitchFamily="18" charset="-127"/>
-                <a:ea typeface="HY엽서M" panose="02030600000101010101" pitchFamily="18" charset="-127"/>
+                <a:latin typeface="+mj-ea"/>
+                <a:ea typeface="+mj-ea"/>
               </a:rPr>
               <a:t>개 중 </a:t>
             </a:r>
             <a:r>
               <a:rPr lang="ko-KR" altLang="en-US" sz="1600" dirty="0" err="1">
-                <a:latin typeface="HY엽서M" panose="02030600000101010101" pitchFamily="18" charset="-127"/>
-                <a:ea typeface="HY엽서M" panose="02030600000101010101" pitchFamily="18" charset="-127"/>
+                <a:latin typeface="+mj-ea"/>
+                <a:ea typeface="+mj-ea"/>
               </a:rPr>
               <a:t>택</a:t>
             </a:r>
             <a:r>
               <a:rPr lang="ko-KR" altLang="en-US" sz="1600" dirty="0">
-                <a:latin typeface="HY엽서M" panose="02030600000101010101" pitchFamily="18" charset="-127"/>
-                <a:ea typeface="HY엽서M" panose="02030600000101010101" pitchFamily="18" charset="-127"/>
+                <a:latin typeface="+mj-ea"/>
+                <a:ea typeface="+mj-ea"/>
               </a:rPr>
               <a:t> </a:t>
             </a:r>
             <a:r>
               <a:rPr lang="en-US" altLang="ko-KR" sz="1600" dirty="0">
-                <a:latin typeface="HY엽서M" panose="02030600000101010101" pitchFamily="18" charset="-127"/>
-                <a:ea typeface="HY엽서M" panose="02030600000101010101" pitchFamily="18" charset="-127"/>
+                <a:latin typeface="+mj-ea"/>
+                <a:ea typeface="+mj-ea"/>
               </a:rPr>
               <a:t>1), </a:t>
             </a:r>
             <a:r>
               <a:rPr lang="ko-KR" altLang="en-US" sz="1600" dirty="0">
-                <a:latin typeface="HY엽서M" panose="02030600000101010101" pitchFamily="18" charset="-127"/>
-                <a:ea typeface="HY엽서M" panose="02030600000101010101" pitchFamily="18" charset="-127"/>
+                <a:latin typeface="+mj-ea"/>
+                <a:ea typeface="+mj-ea"/>
               </a:rPr>
               <a:t>자동 공격</a:t>
             </a:r>
             <a:endParaRPr lang="en-US" altLang="ko-KR" sz="1600" dirty="0">
-              <a:latin typeface="HY엽서M" panose="02030600000101010101" pitchFamily="18" charset="-127"/>
-              <a:ea typeface="HY엽서M" panose="02030600000101010101" pitchFamily="18" charset="-127"/>
+              <a:latin typeface="+mj-ea"/>
+              <a:ea typeface="+mj-ea"/>
             </a:endParaRPr>
           </a:p>
           <a:p>
             <a:endParaRPr lang="en-US" altLang="ko-KR" sz="1600" dirty="0">
-              <a:latin typeface="HY엽서M" panose="02030600000101010101" pitchFamily="18" charset="-127"/>
-              <a:ea typeface="HY엽서M" panose="02030600000101010101" pitchFamily="18" charset="-127"/>
+              <a:latin typeface="+mj-ea"/>
+              <a:ea typeface="+mj-ea"/>
             </a:endParaRPr>
           </a:p>
           <a:p>
             <a:r>
               <a:rPr lang="en-US" altLang="ko-KR" sz="1600" dirty="0">
-                <a:latin typeface="HY엽서M" panose="02030600000101010101" pitchFamily="18" charset="-127"/>
-                <a:ea typeface="HY엽서M" panose="02030600000101010101" pitchFamily="18" charset="-127"/>
+                <a:latin typeface="+mj-ea"/>
+                <a:ea typeface="+mj-ea"/>
               </a:rPr>
               <a:t>4</a:t>
             </a:r>
             <a:r>
               <a:rPr lang="ko-KR" altLang="en-US" sz="1600" dirty="0">
-                <a:latin typeface="HY엽서M" panose="02030600000101010101" pitchFamily="18" charset="-127"/>
-                <a:ea typeface="HY엽서M" panose="02030600000101010101" pitchFamily="18" charset="-127"/>
+                <a:latin typeface="+mj-ea"/>
+                <a:ea typeface="+mj-ea"/>
               </a:rPr>
               <a:t>인 </a:t>
             </a:r>
             <a:r>
               <a:rPr lang="en-US" altLang="ko-KR" sz="1600" dirty="0">
-                <a:latin typeface="HY엽서M" panose="02030600000101010101" pitchFamily="18" charset="-127"/>
-                <a:ea typeface="HY엽서M" panose="02030600000101010101" pitchFamily="18" charset="-127"/>
+                <a:latin typeface="+mj-ea"/>
+                <a:ea typeface="+mj-ea"/>
               </a:rPr>
               <a:t>1</a:t>
             </a:r>
             <a:r>
               <a:rPr lang="ko-KR" altLang="en-US" sz="1600" dirty="0">
-                <a:latin typeface="HY엽서M" panose="02030600000101010101" pitchFamily="18" charset="-127"/>
-                <a:ea typeface="HY엽서M" panose="02030600000101010101" pitchFamily="18" charset="-127"/>
+                <a:latin typeface="+mj-ea"/>
+                <a:ea typeface="+mj-ea"/>
               </a:rPr>
               <a:t>팀</a:t>
             </a:r>
             <a:r>
               <a:rPr lang="en-US" altLang="ko-KR" sz="1600" dirty="0">
-                <a:latin typeface="HY엽서M" panose="02030600000101010101" pitchFamily="18" charset="-127"/>
-                <a:ea typeface="HY엽서M" panose="02030600000101010101" pitchFamily="18" charset="-127"/>
+                <a:latin typeface="+mj-ea"/>
+                <a:ea typeface="+mj-ea"/>
               </a:rPr>
               <a:t>;</a:t>
             </a:r>
@@ -9761,133 +10499,112 @@
           <a:p>
             <a:r>
               <a:rPr lang="ko-KR" altLang="en-US" sz="1600" dirty="0" err="1">
-                <a:latin typeface="HY엽서M" panose="02030600000101010101" pitchFamily="18" charset="-127"/>
-                <a:ea typeface="HY엽서M" panose="02030600000101010101" pitchFamily="18" charset="-127"/>
+                <a:latin typeface="+mj-ea"/>
+                <a:ea typeface="+mj-ea"/>
               </a:rPr>
               <a:t>디팬더</a:t>
             </a:r>
             <a:r>
               <a:rPr lang="en-US" altLang="ko-KR" sz="1600" dirty="0">
-                <a:latin typeface="HY엽서M" panose="02030600000101010101" pitchFamily="18" charset="-127"/>
-                <a:ea typeface="HY엽서M" panose="02030600000101010101" pitchFamily="18" charset="-127"/>
+                <a:latin typeface="+mj-ea"/>
+                <a:ea typeface="+mj-ea"/>
               </a:rPr>
               <a:t>, </a:t>
             </a:r>
             <a:r>
               <a:rPr lang="ko-KR" altLang="en-US" sz="1600" dirty="0" err="1">
-                <a:latin typeface="HY엽서M" panose="02030600000101010101" pitchFamily="18" charset="-127"/>
-                <a:ea typeface="HY엽서M" panose="02030600000101010101" pitchFamily="18" charset="-127"/>
+                <a:latin typeface="+mj-ea"/>
+                <a:ea typeface="+mj-ea"/>
               </a:rPr>
               <a:t>광전사</a:t>
             </a:r>
             <a:r>
               <a:rPr lang="en-US" altLang="ko-KR" sz="1600" dirty="0">
-                <a:latin typeface="HY엽서M" panose="02030600000101010101" pitchFamily="18" charset="-127"/>
-                <a:ea typeface="HY엽서M" panose="02030600000101010101" pitchFamily="18" charset="-127"/>
+                <a:latin typeface="+mj-ea"/>
+                <a:ea typeface="+mj-ea"/>
               </a:rPr>
               <a:t>, </a:t>
             </a:r>
             <a:r>
               <a:rPr lang="ko-KR" altLang="en-US" sz="1600" dirty="0" err="1">
-                <a:latin typeface="HY엽서M" panose="02030600000101010101" pitchFamily="18" charset="-127"/>
-                <a:ea typeface="HY엽서M" panose="02030600000101010101" pitchFamily="18" charset="-127"/>
+                <a:latin typeface="+mj-ea"/>
+                <a:ea typeface="+mj-ea"/>
               </a:rPr>
               <a:t>솔져</a:t>
             </a:r>
             <a:r>
               <a:rPr lang="en-US" altLang="ko-KR" sz="1600" dirty="0">
-                <a:latin typeface="HY엽서M" panose="02030600000101010101" pitchFamily="18" charset="-127"/>
-                <a:ea typeface="HY엽서M" panose="02030600000101010101" pitchFamily="18" charset="-127"/>
+                <a:latin typeface="+mj-ea"/>
+                <a:ea typeface="+mj-ea"/>
               </a:rPr>
               <a:t>, </a:t>
             </a:r>
             <a:r>
               <a:rPr lang="ko-KR" altLang="en-US" sz="1600" dirty="0">
-                <a:latin typeface="HY엽서M" panose="02030600000101010101" pitchFamily="18" charset="-127"/>
-                <a:ea typeface="HY엽서M" panose="02030600000101010101" pitchFamily="18" charset="-127"/>
+                <a:latin typeface="+mj-ea"/>
+                <a:ea typeface="+mj-ea"/>
               </a:rPr>
               <a:t>엔지니어</a:t>
             </a:r>
             <a:r>
               <a:rPr lang="en-US" altLang="ko-KR" sz="1600" dirty="0">
-                <a:latin typeface="HY엽서M" panose="02030600000101010101" pitchFamily="18" charset="-127"/>
-                <a:ea typeface="HY엽서M" panose="02030600000101010101" pitchFamily="18" charset="-127"/>
+                <a:latin typeface="+mj-ea"/>
+                <a:ea typeface="+mj-ea"/>
               </a:rPr>
               <a:t>, </a:t>
             </a:r>
             <a:r>
               <a:rPr lang="ko-KR" altLang="en-US" sz="1600" dirty="0" err="1">
-                <a:latin typeface="HY엽서M" panose="02030600000101010101" pitchFamily="18" charset="-127"/>
-                <a:ea typeface="HY엽서M" panose="02030600000101010101" pitchFamily="18" charset="-127"/>
+                <a:latin typeface="+mj-ea"/>
+                <a:ea typeface="+mj-ea"/>
               </a:rPr>
               <a:t>메딕</a:t>
             </a:r>
             <a:r>
               <a:rPr lang="en-US" altLang="ko-KR" sz="1600" dirty="0">
-                <a:latin typeface="HY엽서M" panose="02030600000101010101" pitchFamily="18" charset="-127"/>
-                <a:ea typeface="HY엽서M" panose="02030600000101010101" pitchFamily="18" charset="-127"/>
+                <a:latin typeface="+mj-ea"/>
+                <a:ea typeface="+mj-ea"/>
               </a:rPr>
               <a:t>, </a:t>
             </a:r>
             <a:r>
               <a:rPr lang="ko-KR" altLang="en-US" sz="1600" dirty="0" err="1">
-                <a:latin typeface="HY엽서M" panose="02030600000101010101" pitchFamily="18" charset="-127"/>
-                <a:ea typeface="HY엽서M" panose="02030600000101010101" pitchFamily="18" charset="-127"/>
+                <a:latin typeface="+mj-ea"/>
+                <a:ea typeface="+mj-ea"/>
               </a:rPr>
               <a:t>헤비</a:t>
             </a:r>
             <a:r>
               <a:rPr lang="ko-KR" altLang="en-US" sz="1600" dirty="0">
-                <a:latin typeface="HY엽서M" panose="02030600000101010101" pitchFamily="18" charset="-127"/>
-                <a:ea typeface="HY엽서M" panose="02030600000101010101" pitchFamily="18" charset="-127"/>
+                <a:latin typeface="+mj-ea"/>
+                <a:ea typeface="+mj-ea"/>
               </a:rPr>
               <a:t> </a:t>
             </a:r>
             <a:r>
               <a:rPr lang="ko-KR" altLang="en-US" sz="1600" dirty="0" err="1">
-                <a:latin typeface="HY엽서M" panose="02030600000101010101" pitchFamily="18" charset="-127"/>
-                <a:ea typeface="HY엽서M" panose="02030600000101010101" pitchFamily="18" charset="-127"/>
+                <a:latin typeface="+mj-ea"/>
+                <a:ea typeface="+mj-ea"/>
               </a:rPr>
               <a:t>거너</a:t>
             </a:r>
             <a:r>
               <a:rPr lang="en-US" altLang="ko-KR" sz="1600" dirty="0">
-                <a:latin typeface="HY엽서M" panose="02030600000101010101" pitchFamily="18" charset="-127"/>
-                <a:ea typeface="HY엽서M" panose="02030600000101010101" pitchFamily="18" charset="-127"/>
-              </a:rPr>
-              <a:t>, </a:t>
+                <a:latin typeface="+mj-ea"/>
+                <a:ea typeface="+mj-ea"/>
+              </a:rPr>
+              <a:t> </a:t>
             </a:r>
             <a:r>
               <a:rPr lang="ko-KR" altLang="en-US" sz="1600" dirty="0">
-                <a:latin typeface="HY엽서M" panose="02030600000101010101" pitchFamily="18" charset="-127"/>
-                <a:ea typeface="HY엽서M" panose="02030600000101010101" pitchFamily="18" charset="-127"/>
-              </a:rPr>
-              <a:t>닌자</a:t>
-            </a:r>
-            <a:r>
-              <a:rPr lang="en-US" altLang="ko-KR" sz="1600" dirty="0">
-                <a:latin typeface="HY엽서M" panose="02030600000101010101" pitchFamily="18" charset="-127"/>
-                <a:ea typeface="HY엽서M" panose="02030600000101010101" pitchFamily="18" charset="-127"/>
-              </a:rPr>
-              <a:t>, </a:t>
-            </a:r>
-            <a:r>
-              <a:rPr lang="ko-KR" altLang="en-US" sz="1600" dirty="0">
-                <a:latin typeface="HY엽서M" panose="02030600000101010101" pitchFamily="18" charset="-127"/>
-                <a:ea typeface="HY엽서M" panose="02030600000101010101" pitchFamily="18" charset="-127"/>
-              </a:rPr>
-              <a:t>에너지 </a:t>
-            </a:r>
-            <a:r>
-              <a:rPr lang="ko-KR" altLang="en-US" sz="1600" dirty="0" err="1">
-                <a:latin typeface="HY엽서M" panose="02030600000101010101" pitchFamily="18" charset="-127"/>
-                <a:ea typeface="HY엽서M" panose="02030600000101010101" pitchFamily="18" charset="-127"/>
-              </a:rPr>
-              <a:t>커맨더</a:t>
+                <a:latin typeface="+mj-ea"/>
+                <a:ea typeface="+mj-ea"/>
+              </a:rPr>
+              <a:t>등등</a:t>
             </a:r>
             <a:endParaRPr lang="en-US" altLang="ko-KR" sz="1600" dirty="0">
-              <a:latin typeface="HY엽서M" panose="02030600000101010101" pitchFamily="18" charset="-127"/>
-              <a:ea typeface="HY엽서M" panose="02030600000101010101" pitchFamily="18" charset="-127"/>
+              <a:latin typeface="+mj-ea"/>
+              <a:ea typeface="+mj-ea"/>
             </a:endParaRPr>
           </a:p>
           <a:p>
@@ -9896,36 +10613,36 @@
             </a:pPr>
             <a:r>
               <a:rPr lang="en-US" altLang="ko-KR" sz="1600" dirty="0">
-                <a:latin typeface="HY엽서M" panose="02030600000101010101" pitchFamily="18" charset="-127"/>
-                <a:ea typeface="HY엽서M" panose="02030600000101010101" pitchFamily="18" charset="-127"/>
+                <a:latin typeface="+mj-ea"/>
+                <a:ea typeface="+mj-ea"/>
               </a:rPr>
               <a:t>(*</a:t>
             </a:r>
             <a:r>
               <a:rPr lang="ko-KR" altLang="en-US" sz="1600" dirty="0">
-                <a:latin typeface="HY엽서M" panose="02030600000101010101" pitchFamily="18" charset="-127"/>
-                <a:ea typeface="HY엽서M" panose="02030600000101010101" pitchFamily="18" charset="-127"/>
+                <a:latin typeface="+mj-ea"/>
+                <a:ea typeface="+mj-ea"/>
               </a:rPr>
               <a:t>여러 종류의 직업 있으며</a:t>
             </a:r>
             <a:r>
               <a:rPr lang="en-US" altLang="ko-KR" sz="1600" dirty="0">
-                <a:latin typeface="HY엽서M" panose="02030600000101010101" pitchFamily="18" charset="-127"/>
-                <a:ea typeface="HY엽서M" panose="02030600000101010101" pitchFamily="18" charset="-127"/>
+                <a:latin typeface="+mj-ea"/>
+                <a:ea typeface="+mj-ea"/>
               </a:rPr>
               <a:t>, </a:t>
             </a:r>
             <a:r>
               <a:rPr lang="ko-KR" altLang="en-US" sz="1600" dirty="0">
-                <a:latin typeface="HY엽서M" panose="02030600000101010101" pitchFamily="18" charset="-127"/>
-                <a:ea typeface="HY엽서M" panose="02030600000101010101" pitchFamily="18" charset="-127"/>
+                <a:latin typeface="+mj-ea"/>
+                <a:ea typeface="+mj-ea"/>
               </a:rPr>
               <a:t>자신의 조합 따라 팀구성이 달라진다</a:t>
             </a:r>
             <a:r>
               <a:rPr lang="en-US" altLang="ko-KR" sz="1600" dirty="0">
-                <a:latin typeface="HY엽서M" panose="02030600000101010101" pitchFamily="18" charset="-127"/>
-                <a:ea typeface="HY엽서M" panose="02030600000101010101" pitchFamily="18" charset="-127"/>
+                <a:latin typeface="+mj-ea"/>
+                <a:ea typeface="+mj-ea"/>
               </a:rPr>
               <a:t>,</a:t>
             </a:r>
@@ -9936,29 +10653,29 @@
             </a:pPr>
             <a:r>
               <a:rPr lang="ko-KR" altLang="en-US" sz="1600" dirty="0">
-                <a:latin typeface="HY엽서M" panose="02030600000101010101" pitchFamily="18" charset="-127"/>
-                <a:ea typeface="HY엽서M" panose="02030600000101010101" pitchFamily="18" charset="-127"/>
+                <a:latin typeface="+mj-ea"/>
+                <a:ea typeface="+mj-ea"/>
               </a:rPr>
               <a:t>최대 </a:t>
             </a:r>
             <a:r>
               <a:rPr lang="en-US" altLang="ko-KR" sz="1600" dirty="0">
-                <a:latin typeface="HY엽서M" panose="02030600000101010101" pitchFamily="18" charset="-127"/>
-                <a:ea typeface="HY엽서M" panose="02030600000101010101" pitchFamily="18" charset="-127"/>
+                <a:latin typeface="+mj-ea"/>
+                <a:ea typeface="+mj-ea"/>
               </a:rPr>
               <a:t>8~10</a:t>
             </a:r>
             <a:r>
               <a:rPr lang="ko-KR" altLang="en-US" sz="1600" dirty="0">
-                <a:latin typeface="HY엽서M" panose="02030600000101010101" pitchFamily="18" charset="-127"/>
-                <a:ea typeface="HY엽서M" panose="02030600000101010101" pitchFamily="18" charset="-127"/>
+                <a:latin typeface="+mj-ea"/>
+                <a:ea typeface="+mj-ea"/>
               </a:rPr>
               <a:t>개 예정</a:t>
             </a:r>
             <a:r>
               <a:rPr lang="en-US" altLang="ko-KR" sz="1600" dirty="0">
-                <a:latin typeface="HY엽서M" panose="02030600000101010101" pitchFamily="18" charset="-127"/>
-                <a:ea typeface="HY엽서M" panose="02030600000101010101" pitchFamily="18" charset="-127"/>
+                <a:latin typeface="+mj-ea"/>
+                <a:ea typeface="+mj-ea"/>
               </a:rPr>
               <a:t>)</a:t>
             </a:r>
